--- a/books/deep-learning-design-patterns/Workshops/Novice/Deep Learning Design Patterns - Workshop - Chapter II.pptx
+++ b/books/deep-learning-design-patterns/Workshops/Novice/Deep Learning Design Patterns - Workshop - Chapter II.pptx
@@ -8784,29 +8784,29 @@
               <a:buNone/>
             </a:pPr>
             <a:r>
-              <a:rPr lang="en" sz="4800">
+              <a:rPr lang="en" sz="3600">
                 <a:solidFill>
                   <a:srgbClr val="3D85C6"/>
                 </a:solidFill>
               </a:rPr>
-              <a:t>Deep Learning by Design</a:t>
+              <a:t>Deep Learning Design Patterns</a:t>
             </a:r>
             <a:br>
-              <a:rPr lang="en" sz="4800">
+              <a:rPr lang="en" sz="3600">
                 <a:solidFill>
                   <a:srgbClr val="3D85C6"/>
                 </a:solidFill>
               </a:rPr>
             </a:br>
             <a:r>
-              <a:rPr lang="en" sz="4800">
+              <a:rPr lang="en" sz="3600">
                 <a:solidFill>
                   <a:srgbClr val="3D85C6"/>
                 </a:solidFill>
               </a:rPr>
-              <a:t>Using Tensorflow 2.0</a:t>
-            </a:r>
-            <a:endParaRPr sz="4800">
+              <a:t>with Tensorflow 2.0</a:t>
+            </a:r>
+            <a:endParaRPr sz="3600">
               <a:solidFill>
                 <a:srgbClr val="3D85C6"/>
               </a:solidFill>
@@ -12353,7 +12353,7 @@
             <a:tbl>
               <a:tblPr>
                 <a:noFill/>
-                <a:tableStyleId>{988620D0-7669-41F4-938F-0C0862509A25}</a:tableStyleId>
+                <a:tableStyleId>{C261AB1C-F348-4948-A67A-8BC6FC254A98}</a:tableStyleId>
               </a:tblPr>
               <a:tblGrid>
                 <a:gridCol w="8104550"/>
@@ -13656,7 +13656,7 @@
             <a:tbl>
               <a:tblPr>
                 <a:noFill/>
-                <a:tableStyleId>{988620D0-7669-41F4-938F-0C0862509A25}</a:tableStyleId>
+                <a:tableStyleId>{C261AB1C-F348-4948-A67A-8BC6FC254A98}</a:tableStyleId>
               </a:tblPr>
               <a:tblGrid>
                 <a:gridCol w="8104550"/>
@@ -14555,7 +14555,7 @@
             <a:tbl>
               <a:tblPr>
                 <a:noFill/>
-                <a:tableStyleId>{988620D0-7669-41F4-938F-0C0862509A25}</a:tableStyleId>
+                <a:tableStyleId>{C261AB1C-F348-4948-A67A-8BC6FC254A98}</a:tableStyleId>
               </a:tblPr>
               <a:tblGrid>
                 <a:gridCol w="8104550"/>
@@ -15610,7 +15610,7 @@
             <a:tbl>
               <a:tblPr>
                 <a:noFill/>
-                <a:tableStyleId>{988620D0-7669-41F4-938F-0C0862509A25}</a:tableStyleId>
+                <a:tableStyleId>{C261AB1C-F348-4948-A67A-8BC6FC254A98}</a:tableStyleId>
               </a:tblPr>
               <a:tblGrid>
                 <a:gridCol w="8104550"/>
@@ -18981,7 +18981,7 @@
             <a:tbl>
               <a:tblPr>
                 <a:noFill/>
-                <a:tableStyleId>{988620D0-7669-41F4-938F-0C0862509A25}</a:tableStyleId>
+                <a:tableStyleId>{C261AB1C-F348-4948-A67A-8BC6FC254A98}</a:tableStyleId>
               </a:tblPr>
               <a:tblGrid>
                 <a:gridCol w="8104550"/>
@@ -22605,7 +22605,7 @@
             <a:tbl>
               <a:tblPr>
                 <a:noFill/>
-                <a:tableStyleId>{988620D0-7669-41F4-938F-0C0862509A25}</a:tableStyleId>
+                <a:tableStyleId>{C261AB1C-F348-4948-A67A-8BC6FC254A98}</a:tableStyleId>
               </a:tblPr>
               <a:tblGrid>
                 <a:gridCol w="8104550"/>
@@ -26245,7 +26245,7 @@
             <a:tbl>
               <a:tblPr>
                 <a:noFill/>
-                <a:tableStyleId>{988620D0-7669-41F4-938F-0C0862509A25}</a:tableStyleId>
+                <a:tableStyleId>{C261AB1C-F348-4948-A67A-8BC6FC254A98}</a:tableStyleId>
               </a:tblPr>
               <a:tblGrid>
                 <a:gridCol w="8104550"/>
@@ -30061,7 +30061,7 @@
             <a:tbl>
               <a:tblPr>
                 <a:noFill/>
-                <a:tableStyleId>{988620D0-7669-41F4-938F-0C0862509A25}</a:tableStyleId>
+                <a:tableStyleId>{C261AB1C-F348-4948-A67A-8BC6FC254A98}</a:tableStyleId>
               </a:tblPr>
               <a:tblGrid>
                 <a:gridCol w="8104550"/>
@@ -31682,7 +31682,7 @@
             <a:tbl>
               <a:tblPr>
                 <a:noFill/>
-                <a:tableStyleId>{988620D0-7669-41F4-938F-0C0862509A25}</a:tableStyleId>
+                <a:tableStyleId>{C261AB1C-F348-4948-A67A-8BC6FC254A98}</a:tableStyleId>
               </a:tblPr>
               <a:tblGrid>
                 <a:gridCol w="8104550"/>
@@ -32509,7 +32509,7 @@
             <a:tbl>
               <a:tblPr>
                 <a:noFill/>
-                <a:tableStyleId>{988620D0-7669-41F4-938F-0C0862509A25}</a:tableStyleId>
+                <a:tableStyleId>{C261AB1C-F348-4948-A67A-8BC6FC254A98}</a:tableStyleId>
               </a:tblPr>
               <a:tblGrid>
                 <a:gridCol w="8104550"/>
@@ -34473,7 +34473,7 @@
                           <a:cs typeface="Consolas"/>
                           <a:sym typeface="Consolas"/>
                         </a:rPr>
-                        <a:t>  activation</a:t>
+                        <a:t> activation</a:t>
                       </a:r>
                       <a:r>
                         <a:rPr lang="en" sz="1000">
@@ -35449,7 +35449,7 @@
             <a:tbl>
               <a:tblPr>
                 <a:noFill/>
-                <a:tableStyleId>{988620D0-7669-41F4-938F-0C0862509A25}</a:tableStyleId>
+                <a:tableStyleId>{C261AB1C-F348-4948-A67A-8BC6FC254A98}</a:tableStyleId>
               </a:tblPr>
               <a:tblGrid>
                 <a:gridCol w="8104550"/>
@@ -37339,7 +37339,7 @@
             <a:tbl>
               <a:tblPr>
                 <a:noFill/>
-                <a:tableStyleId>{988620D0-7669-41F4-938F-0C0862509A25}</a:tableStyleId>
+                <a:tableStyleId>{C261AB1C-F348-4948-A67A-8BC6FC254A98}</a:tableStyleId>
               </a:tblPr>
               <a:tblGrid>
                 <a:gridCol w="8104550"/>
@@ -39799,7 +39799,7 @@
             <a:tbl>
               <a:tblPr>
                 <a:noFill/>
-                <a:tableStyleId>{988620D0-7669-41F4-938F-0C0862509A25}</a:tableStyleId>
+                <a:tableStyleId>{C261AB1C-F348-4948-A67A-8BC6FC254A98}</a:tableStyleId>
               </a:tblPr>
               <a:tblGrid>
                 <a:gridCol w="8104550"/>
@@ -41588,7 +41588,7 @@
                 </a:highlight>
                 <a:hlinkClick r:id="rId4"/>
               </a:rPr>
-              <a:t>Deep Learning by Design - Workshop - Chapter 2.ipynb</a:t>
+              <a:t>Deep Learning Design Patterns - Workshop - Chapter II.ipynb</a:t>
             </a:r>
             <a:endParaRPr b="1" sz="1200">
               <a:solidFill>

--- a/books/deep-learning-design-patterns/Workshops/Novice/Deep Learning Design Patterns - Workshop - Chapter II.pptx
+++ b/books/deep-learning-design-patterns/Workshops/Novice/Deep Learning Design Patterns - Workshop - Chapter II.pptx
@@ -12991,7 +12991,7 @@
             <a:tbl>
               <a:tblPr>
                 <a:noFill/>
-                <a:tableStyleId>{33F36104-2B4B-4D4F-AD48-7A01B6771547}</a:tableStyleId>
+                <a:tableStyleId>{06E8E73A-0826-48A5-8EA6-F43F8CC50709}</a:tableStyleId>
               </a:tblPr>
               <a:tblGrid>
                 <a:gridCol w="8104550"/>
@@ -14294,7 +14294,7 @@
             <a:tbl>
               <a:tblPr>
                 <a:noFill/>
-                <a:tableStyleId>{33F36104-2B4B-4D4F-AD48-7A01B6771547}</a:tableStyleId>
+                <a:tableStyleId>{06E8E73A-0826-48A5-8EA6-F43F8CC50709}</a:tableStyleId>
               </a:tblPr>
               <a:tblGrid>
                 <a:gridCol w="8104550"/>
@@ -15193,7 +15193,7 @@
             <a:tbl>
               <a:tblPr>
                 <a:noFill/>
-                <a:tableStyleId>{33F36104-2B4B-4D4F-AD48-7A01B6771547}</a:tableStyleId>
+                <a:tableStyleId>{06E8E73A-0826-48A5-8EA6-F43F8CC50709}</a:tableStyleId>
               </a:tblPr>
               <a:tblGrid>
                 <a:gridCol w="8104550"/>
@@ -16248,7 +16248,7 @@
             <a:tbl>
               <a:tblPr>
                 <a:noFill/>
-                <a:tableStyleId>{33F36104-2B4B-4D4F-AD48-7A01B6771547}</a:tableStyleId>
+                <a:tableStyleId>{06E8E73A-0826-48A5-8EA6-F43F8CC50709}</a:tableStyleId>
               </a:tblPr>
               <a:tblGrid>
                 <a:gridCol w="8104550"/>
@@ -20001,7 +20001,7 @@
             <a:tbl>
               <a:tblPr>
                 <a:noFill/>
-                <a:tableStyleId>{33F36104-2B4B-4D4F-AD48-7A01B6771547}</a:tableStyleId>
+                <a:tableStyleId>{06E8E73A-0826-48A5-8EA6-F43F8CC50709}</a:tableStyleId>
               </a:tblPr>
               <a:tblGrid>
                 <a:gridCol w="8104550"/>
@@ -23243,7 +23243,7 @@
             <a:tbl>
               <a:tblPr>
                 <a:noFill/>
-                <a:tableStyleId>{33F36104-2B4B-4D4F-AD48-7A01B6771547}</a:tableStyleId>
+                <a:tableStyleId>{06E8E73A-0826-48A5-8EA6-F43F8CC50709}</a:tableStyleId>
               </a:tblPr>
               <a:tblGrid>
                 <a:gridCol w="8104550"/>
@@ -26883,7 +26883,7 @@
             <a:tbl>
               <a:tblPr>
                 <a:noFill/>
-                <a:tableStyleId>{33F36104-2B4B-4D4F-AD48-7A01B6771547}</a:tableStyleId>
+                <a:tableStyleId>{06E8E73A-0826-48A5-8EA6-F43F8CC50709}</a:tableStyleId>
               </a:tblPr>
               <a:tblGrid>
                 <a:gridCol w="8104550"/>
@@ -30699,7 +30699,7 @@
             <a:tbl>
               <a:tblPr>
                 <a:noFill/>
-                <a:tableStyleId>{33F36104-2B4B-4D4F-AD48-7A01B6771547}</a:tableStyleId>
+                <a:tableStyleId>{06E8E73A-0826-48A5-8EA6-F43F8CC50709}</a:tableStyleId>
               </a:tblPr>
               <a:tblGrid>
                 <a:gridCol w="8104550"/>
@@ -32320,7 +32320,7 @@
             <a:tbl>
               <a:tblPr>
                 <a:noFill/>
-                <a:tableStyleId>{33F36104-2B4B-4D4F-AD48-7A01B6771547}</a:tableStyleId>
+                <a:tableStyleId>{06E8E73A-0826-48A5-8EA6-F43F8CC50709}</a:tableStyleId>
               </a:tblPr>
               <a:tblGrid>
                 <a:gridCol w="8104550"/>
@@ -33147,7 +33147,7 @@
             <a:tbl>
               <a:tblPr>
                 <a:noFill/>
-                <a:tableStyleId>{33F36104-2B4B-4D4F-AD48-7A01B6771547}</a:tableStyleId>
+                <a:tableStyleId>{06E8E73A-0826-48A5-8EA6-F43F8CC50709}</a:tableStyleId>
               </a:tblPr>
               <a:tblGrid>
                 <a:gridCol w="8104550"/>
@@ -34353,14 +34353,14 @@
                       <a:r>
                         <a:rPr lang="en" sz="1000">
                           <a:solidFill>
-                            <a:schemeClr val="dk1"/>
-                          </a:solidFill>
-                          <a:latin typeface="Consolas"/>
-                          <a:ea typeface="Consolas"/>
-                          <a:cs typeface="Consolas"/>
-                          <a:sym typeface="Consolas"/>
-                        </a:rPr>
-                        <a:t>add</a:t>
+                            <a:srgbClr val="4A86E8"/>
+                          </a:solidFill>
+                          <a:latin typeface="Consolas"/>
+                          <a:ea typeface="Consolas"/>
+                          <a:cs typeface="Consolas"/>
+                          <a:sym typeface="Consolas"/>
+                        </a:rPr>
+                        <a:t>Add</a:t>
                       </a:r>
                       <a:r>
                         <a:rPr lang="en" sz="1000">
@@ -35651,6 +35651,42 @@
                     </a:p>
                   </a:txBody>
                   <a:tcPr marT="63500" marB="63500" marR="63500" marL="63500">
+                    <a:lnL cap="flat" cmpd="sng" w="12700">
+                      <a:solidFill>
+                        <a:srgbClr val="4A86E8"/>
+                      </a:solidFill>
+                      <a:prstDash val="solid"/>
+                      <a:round/>
+                      <a:headEnd len="sm" w="sm" type="none"/>
+                      <a:tailEnd len="sm" w="sm" type="none"/>
+                    </a:lnL>
+                    <a:lnR cap="flat" cmpd="sng" w="12700">
+                      <a:solidFill>
+                        <a:srgbClr val="4A86E8"/>
+                      </a:solidFill>
+                      <a:prstDash val="solid"/>
+                      <a:round/>
+                      <a:headEnd len="sm" w="sm" type="none"/>
+                      <a:tailEnd len="sm" w="sm" type="none"/>
+                    </a:lnR>
+                    <a:lnT cap="flat" cmpd="sng" w="12700">
+                      <a:solidFill>
+                        <a:srgbClr val="4A86E8"/>
+                      </a:solidFill>
+                      <a:prstDash val="solid"/>
+                      <a:round/>
+                      <a:headEnd len="sm" w="sm" type="none"/>
+                      <a:tailEnd len="sm" w="sm" type="none"/>
+                    </a:lnT>
+                    <a:lnB cap="flat" cmpd="sng" w="12700">
+                      <a:solidFill>
+                        <a:srgbClr val="4A86E8"/>
+                      </a:solidFill>
+                      <a:prstDash val="solid"/>
+                      <a:round/>
+                      <a:headEnd len="sm" w="sm" type="none"/>
+                      <a:tailEnd len="sm" w="sm" type="none"/>
+                    </a:lnB>
                     <a:solidFill>
                       <a:srgbClr val="FAFAFA"/>
                     </a:solidFill>
@@ -36087,7 +36123,7 @@
             <a:tbl>
               <a:tblPr>
                 <a:noFill/>
-                <a:tableStyleId>{33F36104-2B4B-4D4F-AD48-7A01B6771547}</a:tableStyleId>
+                <a:tableStyleId>{06E8E73A-0826-48A5-8EA6-F43F8CC50709}</a:tableStyleId>
               </a:tblPr>
               <a:tblGrid>
                 <a:gridCol w="8104550"/>
@@ -37977,7 +38013,7 @@
             <a:tbl>
               <a:tblPr>
                 <a:noFill/>
-                <a:tableStyleId>{33F36104-2B4B-4D4F-AD48-7A01B6771547}</a:tableStyleId>
+                <a:tableStyleId>{06E8E73A-0826-48A5-8EA6-F43F8CC50709}</a:tableStyleId>
               </a:tblPr>
               <a:tblGrid>
                 <a:gridCol w="8104550"/>
@@ -40473,7 +40509,7 @@
             <a:tbl>
               <a:tblPr>
                 <a:noFill/>
-                <a:tableStyleId>{33F36104-2B4B-4D4F-AD48-7A01B6771547}</a:tableStyleId>
+                <a:tableStyleId>{06E8E73A-0826-48A5-8EA6-F43F8CC50709}</a:tableStyleId>
               </a:tblPr>
               <a:tblGrid>
                 <a:gridCol w="8104550"/>
@@ -42267,6 +42303,64 @@
             <a:endParaRPr b="1" sz="1200">
               <a:solidFill>
                 <a:schemeClr val="dk1"/>
+              </a:solidFill>
+            </a:endParaRPr>
+          </a:p>
+          <a:p>
+            <a:pPr indent="0" lvl="0" marL="0" rtl="0" algn="ctr">
+              <a:lnSpc>
+                <a:spcPct val="115000"/>
+              </a:lnSpc>
+              <a:spcBef>
+                <a:spcPts val="0"/>
+              </a:spcBef>
+              <a:spcAft>
+                <a:spcPts val="0"/>
+              </a:spcAft>
+              <a:buNone/>
+            </a:pPr>
+            <a:r>
+              <a:t/>
+            </a:r>
+            <a:endParaRPr b="1" sz="1200">
+              <a:solidFill>
+                <a:schemeClr val="dk1"/>
+              </a:solidFill>
+            </a:endParaRPr>
+          </a:p>
+          <a:p>
+            <a:pPr indent="0" lvl="0" marL="0" rtl="0" algn="ctr">
+              <a:lnSpc>
+                <a:spcPct val="115000"/>
+              </a:lnSpc>
+              <a:spcBef>
+                <a:spcPts val="0"/>
+              </a:spcBef>
+              <a:spcAft>
+                <a:spcPts val="0"/>
+              </a:spcAft>
+              <a:buNone/>
+            </a:pPr>
+            <a:r>
+              <a:rPr b="1" lang="en" sz="1600" u="sng">
+                <a:solidFill>
+                  <a:srgbClr val="CC4125"/>
+                </a:solidFill>
+                <a:hlinkClick r:id="rId5"/>
+              </a:rPr>
+              <a:t>https://bit.ly/2URAYa6</a:t>
+            </a:r>
+            <a:r>
+              <a:rPr b="1" lang="en" sz="1600">
+                <a:solidFill>
+                  <a:srgbClr val="CC4125"/>
+                </a:solidFill>
+              </a:rPr>
+              <a:t> </a:t>
+            </a:r>
+            <a:endParaRPr b="1" sz="1600">
+              <a:solidFill>
+                <a:srgbClr val="CC4125"/>
               </a:solidFill>
             </a:endParaRPr>
           </a:p>

--- a/books/deep-learning-design-patterns/Workshops/Novice/Deep Learning Design Patterns - Workshop - Chapter II.pptx
+++ b/books/deep-learning-design-patterns/Workshops/Novice/Deep Learning Design Patterns - Workshop - Chapter II.pptx
@@ -1,6 +1,6 @@
 
 <file path=ppt/presentation.xml><?xml version="1.0" encoding="utf-8"?>
-<p:presentation xmlns:a="http://schemas.openxmlformats.org/drawingml/2006/main" xmlns:r="http://schemas.openxmlformats.org/officeDocument/2006/relationships" xmlns:mc="http://schemas.openxmlformats.org/markup-compatibility/2006" xmlns:mv="urn:schemas-microsoft-com:mac:vml" xmlns:p="http://schemas.openxmlformats.org/presentationml/2006/main" xmlns:c="http://schemas.openxmlformats.org/drawingml/2006/chart" xmlns:dgm="http://schemas.openxmlformats.org/drawingml/2006/diagram" xmlns:o="urn:schemas-microsoft-com:office:office" xmlns:v="urn:schemas-microsoft-com:vml" xmlns:pvml="urn:schemas-microsoft-com:office:powerpoint" xmlns:com="http://schemas.openxmlformats.org/drawingml/2006/compatibility" xmlns:p14="http://schemas.microsoft.com/office/powerpoint/2010/main" xmlns:p15="http://schemas.microsoft.com/office/powerpoint/2012/main" autoCompressPictures="0" strictFirstAndLastChars="0" saveSubsetFonts="1">
+<p:presentation xmlns:a="http://schemas.openxmlformats.org/drawingml/2006/main" xmlns:r="http://schemas.openxmlformats.org/officeDocument/2006/relationships" xmlns:mc="http://schemas.openxmlformats.org/markup-compatibility/2006" xmlns:mv="urn:schemas-microsoft-com:mac:vml" xmlns:p="http://schemas.openxmlformats.org/presentationml/2006/main" xmlns:c="http://schemas.openxmlformats.org/drawingml/2006/chart" xmlns:dgm="http://schemas.openxmlformats.org/drawingml/2006/diagram" xmlns:o="urn:schemas-microsoft-com:office:office" xmlns:v="urn:schemas-microsoft-com:vml" xmlns:pvml="urn:schemas-microsoft-com:office:powerpoint" xmlns:com="http://schemas.openxmlformats.org/drawingml/2006/compatibility" xmlns:p14="http://schemas.microsoft.com/office/powerpoint/2010/main" xmlns:p15="http://schemas.microsoft.com/office/powerpoint/2012/main" xmlns:ahyp="http://schemas.microsoft.com/office/drawing/2018/hyperlinkcolor" autoCompressPictures="0" strictFirstAndLastChars="0" saveSubsetFonts="1">
   <p:sldMasterIdLst>
     <p:sldMasterId id="2147483659" r:id="rId5"/>
   </p:sldMasterIdLst>
@@ -295,7 +295,7 @@
 </file>
 
 <file path=ppt/notesMasters/notesMaster1.xml><?xml version="1.0" encoding="utf-8"?>
-<p:notesMaster xmlns:a="http://schemas.openxmlformats.org/drawingml/2006/main" xmlns:r="http://schemas.openxmlformats.org/officeDocument/2006/relationships" xmlns:mc="http://schemas.openxmlformats.org/markup-compatibility/2006" xmlns:mv="urn:schemas-microsoft-com:mac:vml" xmlns:p="http://schemas.openxmlformats.org/presentationml/2006/main" xmlns:c="http://schemas.openxmlformats.org/drawingml/2006/chart" xmlns:dgm="http://schemas.openxmlformats.org/drawingml/2006/diagram" xmlns:o="urn:schemas-microsoft-com:office:office" xmlns:v="urn:schemas-microsoft-com:vml" xmlns:pvml="urn:schemas-microsoft-com:office:powerpoint" xmlns:com="http://schemas.openxmlformats.org/drawingml/2006/compatibility" xmlns:p14="http://schemas.microsoft.com/office/powerpoint/2010/main" xmlns:p15="http://schemas.microsoft.com/office/powerpoint/2012/main">
+<p:notesMaster xmlns:a="http://schemas.openxmlformats.org/drawingml/2006/main" xmlns:r="http://schemas.openxmlformats.org/officeDocument/2006/relationships" xmlns:mc="http://schemas.openxmlformats.org/markup-compatibility/2006" xmlns:mv="urn:schemas-microsoft-com:mac:vml" xmlns:p="http://schemas.openxmlformats.org/presentationml/2006/main" xmlns:c="http://schemas.openxmlformats.org/drawingml/2006/chart" xmlns:dgm="http://schemas.openxmlformats.org/drawingml/2006/diagram" xmlns:o="urn:schemas-microsoft-com:office:office" xmlns:v="urn:schemas-microsoft-com:vml" xmlns:pvml="urn:schemas-microsoft-com:office:powerpoint" xmlns:com="http://schemas.openxmlformats.org/drawingml/2006/compatibility" xmlns:p14="http://schemas.microsoft.com/office/powerpoint/2010/main" xmlns:p15="http://schemas.microsoft.com/office/powerpoint/2012/main" xmlns:ahyp="http://schemas.microsoft.com/office/drawing/2018/hyperlinkcolor">
   <p:cSld>
     <p:spTree>
       <p:nvGrpSpPr>
@@ -721,7 +721,7 @@
 </file>
 
 <file path=ppt/notesSlides/notesSlide1.xml><?xml version="1.0" encoding="utf-8"?>
-<p:notes xmlns:a="http://schemas.openxmlformats.org/drawingml/2006/main" xmlns:r="http://schemas.openxmlformats.org/officeDocument/2006/relationships" xmlns:mc="http://schemas.openxmlformats.org/markup-compatibility/2006" xmlns:mv="urn:schemas-microsoft-com:mac:vml" xmlns:p="http://schemas.openxmlformats.org/presentationml/2006/main" xmlns:c="http://schemas.openxmlformats.org/drawingml/2006/chart" xmlns:dgm="http://schemas.openxmlformats.org/drawingml/2006/diagram" xmlns:o="urn:schemas-microsoft-com:office:office" xmlns:v="urn:schemas-microsoft-com:vml" xmlns:pvml="urn:schemas-microsoft-com:office:powerpoint" xmlns:com="http://schemas.openxmlformats.org/drawingml/2006/compatibility" xmlns:p14="http://schemas.microsoft.com/office/powerpoint/2010/main" xmlns:p15="http://schemas.microsoft.com/office/powerpoint/2012/main" showMasterPhAnim="0" showMasterSp="0">
+<p:notes xmlns:a="http://schemas.openxmlformats.org/drawingml/2006/main" xmlns:r="http://schemas.openxmlformats.org/officeDocument/2006/relationships" xmlns:mc="http://schemas.openxmlformats.org/markup-compatibility/2006" xmlns:mv="urn:schemas-microsoft-com:mac:vml" xmlns:p="http://schemas.openxmlformats.org/presentationml/2006/main" xmlns:c="http://schemas.openxmlformats.org/drawingml/2006/chart" xmlns:dgm="http://schemas.openxmlformats.org/drawingml/2006/diagram" xmlns:o="urn:schemas-microsoft-com:office:office" xmlns:v="urn:schemas-microsoft-com:vml" xmlns:pvml="urn:schemas-microsoft-com:office:powerpoint" xmlns:com="http://schemas.openxmlformats.org/drawingml/2006/compatibility" xmlns:p14="http://schemas.microsoft.com/office/powerpoint/2010/main" xmlns:p15="http://schemas.microsoft.com/office/powerpoint/2012/main" xmlns:ahyp="http://schemas.microsoft.com/office/drawing/2018/hyperlinkcolor" showMasterPhAnim="0" showMasterSp="0">
   <p:cSld>
     <p:spTree>
       <p:nvGrpSpPr>
@@ -820,7 +820,7 @@
 </file>
 
 <file path=ppt/notesSlides/notesSlide10.xml><?xml version="1.0" encoding="utf-8"?>
-<p:notes xmlns:a="http://schemas.openxmlformats.org/drawingml/2006/main" xmlns:r="http://schemas.openxmlformats.org/officeDocument/2006/relationships" xmlns:mc="http://schemas.openxmlformats.org/markup-compatibility/2006" xmlns:mv="urn:schemas-microsoft-com:mac:vml" xmlns:p="http://schemas.openxmlformats.org/presentationml/2006/main" xmlns:c="http://schemas.openxmlformats.org/drawingml/2006/chart" xmlns:dgm="http://schemas.openxmlformats.org/drawingml/2006/diagram" xmlns:o="urn:schemas-microsoft-com:office:office" xmlns:v="urn:schemas-microsoft-com:vml" xmlns:pvml="urn:schemas-microsoft-com:office:powerpoint" xmlns:com="http://schemas.openxmlformats.org/drawingml/2006/compatibility" xmlns:p14="http://schemas.microsoft.com/office/powerpoint/2010/main" xmlns:p15="http://schemas.microsoft.com/office/powerpoint/2012/main" showMasterPhAnim="0" showMasterSp="0">
+<p:notes xmlns:a="http://schemas.openxmlformats.org/drawingml/2006/main" xmlns:r="http://schemas.openxmlformats.org/officeDocument/2006/relationships" xmlns:mc="http://schemas.openxmlformats.org/markup-compatibility/2006" xmlns:mv="urn:schemas-microsoft-com:mac:vml" xmlns:p="http://schemas.openxmlformats.org/presentationml/2006/main" xmlns:c="http://schemas.openxmlformats.org/drawingml/2006/chart" xmlns:dgm="http://schemas.openxmlformats.org/drawingml/2006/diagram" xmlns:o="urn:schemas-microsoft-com:office:office" xmlns:v="urn:schemas-microsoft-com:vml" xmlns:pvml="urn:schemas-microsoft-com:office:powerpoint" xmlns:com="http://schemas.openxmlformats.org/drawingml/2006/compatibility" xmlns:p14="http://schemas.microsoft.com/office/powerpoint/2010/main" xmlns:p15="http://schemas.microsoft.com/office/powerpoint/2012/main" xmlns:ahyp="http://schemas.microsoft.com/office/drawing/2018/hyperlinkcolor" showMasterPhAnim="0" showMasterSp="0">
   <p:cSld>
     <p:spTree>
       <p:nvGrpSpPr>
@@ -919,7 +919,7 @@
 </file>
 
 <file path=ppt/notesSlides/notesSlide11.xml><?xml version="1.0" encoding="utf-8"?>
-<p:notes xmlns:a="http://schemas.openxmlformats.org/drawingml/2006/main" xmlns:r="http://schemas.openxmlformats.org/officeDocument/2006/relationships" xmlns:mc="http://schemas.openxmlformats.org/markup-compatibility/2006" xmlns:mv="urn:schemas-microsoft-com:mac:vml" xmlns:p="http://schemas.openxmlformats.org/presentationml/2006/main" xmlns:c="http://schemas.openxmlformats.org/drawingml/2006/chart" xmlns:dgm="http://schemas.openxmlformats.org/drawingml/2006/diagram" xmlns:o="urn:schemas-microsoft-com:office:office" xmlns:v="urn:schemas-microsoft-com:vml" xmlns:pvml="urn:schemas-microsoft-com:office:powerpoint" xmlns:com="http://schemas.openxmlformats.org/drawingml/2006/compatibility" xmlns:p14="http://schemas.microsoft.com/office/powerpoint/2010/main" xmlns:p15="http://schemas.microsoft.com/office/powerpoint/2012/main" showMasterPhAnim="0" showMasterSp="0">
+<p:notes xmlns:a="http://schemas.openxmlformats.org/drawingml/2006/main" xmlns:r="http://schemas.openxmlformats.org/officeDocument/2006/relationships" xmlns:mc="http://schemas.openxmlformats.org/markup-compatibility/2006" xmlns:mv="urn:schemas-microsoft-com:mac:vml" xmlns:p="http://schemas.openxmlformats.org/presentationml/2006/main" xmlns:c="http://schemas.openxmlformats.org/drawingml/2006/chart" xmlns:dgm="http://schemas.openxmlformats.org/drawingml/2006/diagram" xmlns:o="urn:schemas-microsoft-com:office:office" xmlns:v="urn:schemas-microsoft-com:vml" xmlns:pvml="urn:schemas-microsoft-com:office:powerpoint" xmlns:com="http://schemas.openxmlformats.org/drawingml/2006/compatibility" xmlns:p14="http://schemas.microsoft.com/office/powerpoint/2010/main" xmlns:p15="http://schemas.microsoft.com/office/powerpoint/2012/main" xmlns:ahyp="http://schemas.microsoft.com/office/drawing/2018/hyperlinkcolor" showMasterPhAnim="0" showMasterSp="0">
   <p:cSld>
     <p:spTree>
       <p:nvGrpSpPr>
@@ -1018,7 +1018,7 @@
 </file>
 
 <file path=ppt/notesSlides/notesSlide12.xml><?xml version="1.0" encoding="utf-8"?>
-<p:notes xmlns:a="http://schemas.openxmlformats.org/drawingml/2006/main" xmlns:r="http://schemas.openxmlformats.org/officeDocument/2006/relationships" xmlns:mc="http://schemas.openxmlformats.org/markup-compatibility/2006" xmlns:mv="urn:schemas-microsoft-com:mac:vml" xmlns:p="http://schemas.openxmlformats.org/presentationml/2006/main" xmlns:c="http://schemas.openxmlformats.org/drawingml/2006/chart" xmlns:dgm="http://schemas.openxmlformats.org/drawingml/2006/diagram" xmlns:o="urn:schemas-microsoft-com:office:office" xmlns:v="urn:schemas-microsoft-com:vml" xmlns:pvml="urn:schemas-microsoft-com:office:powerpoint" xmlns:com="http://schemas.openxmlformats.org/drawingml/2006/compatibility" xmlns:p14="http://schemas.microsoft.com/office/powerpoint/2010/main" xmlns:p15="http://schemas.microsoft.com/office/powerpoint/2012/main" showMasterPhAnim="0" showMasterSp="0">
+<p:notes xmlns:a="http://schemas.openxmlformats.org/drawingml/2006/main" xmlns:r="http://schemas.openxmlformats.org/officeDocument/2006/relationships" xmlns:mc="http://schemas.openxmlformats.org/markup-compatibility/2006" xmlns:mv="urn:schemas-microsoft-com:mac:vml" xmlns:p="http://schemas.openxmlformats.org/presentationml/2006/main" xmlns:c="http://schemas.openxmlformats.org/drawingml/2006/chart" xmlns:dgm="http://schemas.openxmlformats.org/drawingml/2006/diagram" xmlns:o="urn:schemas-microsoft-com:office:office" xmlns:v="urn:schemas-microsoft-com:vml" xmlns:pvml="urn:schemas-microsoft-com:office:powerpoint" xmlns:com="http://schemas.openxmlformats.org/drawingml/2006/compatibility" xmlns:p14="http://schemas.microsoft.com/office/powerpoint/2010/main" xmlns:p15="http://schemas.microsoft.com/office/powerpoint/2012/main" xmlns:ahyp="http://schemas.microsoft.com/office/drawing/2018/hyperlinkcolor" showMasterPhAnim="0" showMasterSp="0">
   <p:cSld>
     <p:spTree>
       <p:nvGrpSpPr>
@@ -1117,7 +1117,7 @@
 </file>
 
 <file path=ppt/notesSlides/notesSlide13.xml><?xml version="1.0" encoding="utf-8"?>
-<p:notes xmlns:a="http://schemas.openxmlformats.org/drawingml/2006/main" xmlns:r="http://schemas.openxmlformats.org/officeDocument/2006/relationships" xmlns:mc="http://schemas.openxmlformats.org/markup-compatibility/2006" xmlns:mv="urn:schemas-microsoft-com:mac:vml" xmlns:p="http://schemas.openxmlformats.org/presentationml/2006/main" xmlns:c="http://schemas.openxmlformats.org/drawingml/2006/chart" xmlns:dgm="http://schemas.openxmlformats.org/drawingml/2006/diagram" xmlns:o="urn:schemas-microsoft-com:office:office" xmlns:v="urn:schemas-microsoft-com:vml" xmlns:pvml="urn:schemas-microsoft-com:office:powerpoint" xmlns:com="http://schemas.openxmlformats.org/drawingml/2006/compatibility" xmlns:p14="http://schemas.microsoft.com/office/powerpoint/2010/main" xmlns:p15="http://schemas.microsoft.com/office/powerpoint/2012/main" showMasterPhAnim="0" showMasterSp="0">
+<p:notes xmlns:a="http://schemas.openxmlformats.org/drawingml/2006/main" xmlns:r="http://schemas.openxmlformats.org/officeDocument/2006/relationships" xmlns:mc="http://schemas.openxmlformats.org/markup-compatibility/2006" xmlns:mv="urn:schemas-microsoft-com:mac:vml" xmlns:p="http://schemas.openxmlformats.org/presentationml/2006/main" xmlns:c="http://schemas.openxmlformats.org/drawingml/2006/chart" xmlns:dgm="http://schemas.openxmlformats.org/drawingml/2006/diagram" xmlns:o="urn:schemas-microsoft-com:office:office" xmlns:v="urn:schemas-microsoft-com:vml" xmlns:pvml="urn:schemas-microsoft-com:office:powerpoint" xmlns:com="http://schemas.openxmlformats.org/drawingml/2006/compatibility" xmlns:p14="http://schemas.microsoft.com/office/powerpoint/2010/main" xmlns:p15="http://schemas.microsoft.com/office/powerpoint/2012/main" xmlns:ahyp="http://schemas.microsoft.com/office/drawing/2018/hyperlinkcolor" showMasterPhAnim="0" showMasterSp="0">
   <p:cSld>
     <p:spTree>
       <p:nvGrpSpPr>
@@ -1216,7 +1216,7 @@
 </file>
 
 <file path=ppt/notesSlides/notesSlide14.xml><?xml version="1.0" encoding="utf-8"?>
-<p:notes xmlns:a="http://schemas.openxmlformats.org/drawingml/2006/main" xmlns:r="http://schemas.openxmlformats.org/officeDocument/2006/relationships" xmlns:mc="http://schemas.openxmlformats.org/markup-compatibility/2006" xmlns:mv="urn:schemas-microsoft-com:mac:vml" xmlns:p="http://schemas.openxmlformats.org/presentationml/2006/main" xmlns:c="http://schemas.openxmlformats.org/drawingml/2006/chart" xmlns:dgm="http://schemas.openxmlformats.org/drawingml/2006/diagram" xmlns:o="urn:schemas-microsoft-com:office:office" xmlns:v="urn:schemas-microsoft-com:vml" xmlns:pvml="urn:schemas-microsoft-com:office:powerpoint" xmlns:com="http://schemas.openxmlformats.org/drawingml/2006/compatibility" xmlns:p14="http://schemas.microsoft.com/office/powerpoint/2010/main" xmlns:p15="http://schemas.microsoft.com/office/powerpoint/2012/main" showMasterPhAnim="0" showMasterSp="0">
+<p:notes xmlns:a="http://schemas.openxmlformats.org/drawingml/2006/main" xmlns:r="http://schemas.openxmlformats.org/officeDocument/2006/relationships" xmlns:mc="http://schemas.openxmlformats.org/markup-compatibility/2006" xmlns:mv="urn:schemas-microsoft-com:mac:vml" xmlns:p="http://schemas.openxmlformats.org/presentationml/2006/main" xmlns:c="http://schemas.openxmlformats.org/drawingml/2006/chart" xmlns:dgm="http://schemas.openxmlformats.org/drawingml/2006/diagram" xmlns:o="urn:schemas-microsoft-com:office:office" xmlns:v="urn:schemas-microsoft-com:vml" xmlns:pvml="urn:schemas-microsoft-com:office:powerpoint" xmlns:com="http://schemas.openxmlformats.org/drawingml/2006/compatibility" xmlns:p14="http://schemas.microsoft.com/office/powerpoint/2010/main" xmlns:p15="http://schemas.microsoft.com/office/powerpoint/2012/main" xmlns:ahyp="http://schemas.microsoft.com/office/drawing/2018/hyperlinkcolor" showMasterPhAnim="0" showMasterSp="0">
   <p:cSld>
     <p:spTree>
       <p:nvGrpSpPr>
@@ -1315,7 +1315,7 @@
 </file>
 
 <file path=ppt/notesSlides/notesSlide15.xml><?xml version="1.0" encoding="utf-8"?>
-<p:notes xmlns:a="http://schemas.openxmlformats.org/drawingml/2006/main" xmlns:r="http://schemas.openxmlformats.org/officeDocument/2006/relationships" xmlns:mc="http://schemas.openxmlformats.org/markup-compatibility/2006" xmlns:mv="urn:schemas-microsoft-com:mac:vml" xmlns:p="http://schemas.openxmlformats.org/presentationml/2006/main" xmlns:c="http://schemas.openxmlformats.org/drawingml/2006/chart" xmlns:dgm="http://schemas.openxmlformats.org/drawingml/2006/diagram" xmlns:o="urn:schemas-microsoft-com:office:office" xmlns:v="urn:schemas-microsoft-com:vml" xmlns:pvml="urn:schemas-microsoft-com:office:powerpoint" xmlns:com="http://schemas.openxmlformats.org/drawingml/2006/compatibility" xmlns:p14="http://schemas.microsoft.com/office/powerpoint/2010/main" xmlns:p15="http://schemas.microsoft.com/office/powerpoint/2012/main" showMasterPhAnim="0" showMasterSp="0">
+<p:notes xmlns:a="http://schemas.openxmlformats.org/drawingml/2006/main" xmlns:r="http://schemas.openxmlformats.org/officeDocument/2006/relationships" xmlns:mc="http://schemas.openxmlformats.org/markup-compatibility/2006" xmlns:mv="urn:schemas-microsoft-com:mac:vml" xmlns:p="http://schemas.openxmlformats.org/presentationml/2006/main" xmlns:c="http://schemas.openxmlformats.org/drawingml/2006/chart" xmlns:dgm="http://schemas.openxmlformats.org/drawingml/2006/diagram" xmlns:o="urn:schemas-microsoft-com:office:office" xmlns:v="urn:schemas-microsoft-com:vml" xmlns:pvml="urn:schemas-microsoft-com:office:powerpoint" xmlns:com="http://schemas.openxmlformats.org/drawingml/2006/compatibility" xmlns:p14="http://schemas.microsoft.com/office/powerpoint/2010/main" xmlns:p15="http://schemas.microsoft.com/office/powerpoint/2012/main" xmlns:ahyp="http://schemas.microsoft.com/office/drawing/2018/hyperlinkcolor" showMasterPhAnim="0" showMasterSp="0">
   <p:cSld>
     <p:spTree>
       <p:nvGrpSpPr>
@@ -1414,7 +1414,7 @@
 </file>
 
 <file path=ppt/notesSlides/notesSlide16.xml><?xml version="1.0" encoding="utf-8"?>
-<p:notes xmlns:a="http://schemas.openxmlformats.org/drawingml/2006/main" xmlns:r="http://schemas.openxmlformats.org/officeDocument/2006/relationships" xmlns:mc="http://schemas.openxmlformats.org/markup-compatibility/2006" xmlns:mv="urn:schemas-microsoft-com:mac:vml" xmlns:p="http://schemas.openxmlformats.org/presentationml/2006/main" xmlns:c="http://schemas.openxmlformats.org/drawingml/2006/chart" xmlns:dgm="http://schemas.openxmlformats.org/drawingml/2006/diagram" xmlns:o="urn:schemas-microsoft-com:office:office" xmlns:v="urn:schemas-microsoft-com:vml" xmlns:pvml="urn:schemas-microsoft-com:office:powerpoint" xmlns:com="http://schemas.openxmlformats.org/drawingml/2006/compatibility" xmlns:p14="http://schemas.microsoft.com/office/powerpoint/2010/main" xmlns:p15="http://schemas.microsoft.com/office/powerpoint/2012/main" showMasterPhAnim="0" showMasterSp="0">
+<p:notes xmlns:a="http://schemas.openxmlformats.org/drawingml/2006/main" xmlns:r="http://schemas.openxmlformats.org/officeDocument/2006/relationships" xmlns:mc="http://schemas.openxmlformats.org/markup-compatibility/2006" xmlns:mv="urn:schemas-microsoft-com:mac:vml" xmlns:p="http://schemas.openxmlformats.org/presentationml/2006/main" xmlns:c="http://schemas.openxmlformats.org/drawingml/2006/chart" xmlns:dgm="http://schemas.openxmlformats.org/drawingml/2006/diagram" xmlns:o="urn:schemas-microsoft-com:office:office" xmlns:v="urn:schemas-microsoft-com:vml" xmlns:pvml="urn:schemas-microsoft-com:office:powerpoint" xmlns:com="http://schemas.openxmlformats.org/drawingml/2006/compatibility" xmlns:p14="http://schemas.microsoft.com/office/powerpoint/2010/main" xmlns:p15="http://schemas.microsoft.com/office/powerpoint/2012/main" xmlns:ahyp="http://schemas.microsoft.com/office/drawing/2018/hyperlinkcolor" showMasterPhAnim="0" showMasterSp="0">
   <p:cSld>
     <p:spTree>
       <p:nvGrpSpPr>
@@ -1513,7 +1513,7 @@
 </file>
 
 <file path=ppt/notesSlides/notesSlide17.xml><?xml version="1.0" encoding="utf-8"?>
-<p:notes xmlns:a="http://schemas.openxmlformats.org/drawingml/2006/main" xmlns:r="http://schemas.openxmlformats.org/officeDocument/2006/relationships" xmlns:mc="http://schemas.openxmlformats.org/markup-compatibility/2006" xmlns:mv="urn:schemas-microsoft-com:mac:vml" xmlns:p="http://schemas.openxmlformats.org/presentationml/2006/main" xmlns:c="http://schemas.openxmlformats.org/drawingml/2006/chart" xmlns:dgm="http://schemas.openxmlformats.org/drawingml/2006/diagram" xmlns:o="urn:schemas-microsoft-com:office:office" xmlns:v="urn:schemas-microsoft-com:vml" xmlns:pvml="urn:schemas-microsoft-com:office:powerpoint" xmlns:com="http://schemas.openxmlformats.org/drawingml/2006/compatibility" xmlns:p14="http://schemas.microsoft.com/office/powerpoint/2010/main" xmlns:p15="http://schemas.microsoft.com/office/powerpoint/2012/main" showMasterPhAnim="0" showMasterSp="0">
+<p:notes xmlns:a="http://schemas.openxmlformats.org/drawingml/2006/main" xmlns:r="http://schemas.openxmlformats.org/officeDocument/2006/relationships" xmlns:mc="http://schemas.openxmlformats.org/markup-compatibility/2006" xmlns:mv="urn:schemas-microsoft-com:mac:vml" xmlns:p="http://schemas.openxmlformats.org/presentationml/2006/main" xmlns:c="http://schemas.openxmlformats.org/drawingml/2006/chart" xmlns:dgm="http://schemas.openxmlformats.org/drawingml/2006/diagram" xmlns:o="urn:schemas-microsoft-com:office:office" xmlns:v="urn:schemas-microsoft-com:vml" xmlns:pvml="urn:schemas-microsoft-com:office:powerpoint" xmlns:com="http://schemas.openxmlformats.org/drawingml/2006/compatibility" xmlns:p14="http://schemas.microsoft.com/office/powerpoint/2010/main" xmlns:p15="http://schemas.microsoft.com/office/powerpoint/2012/main" xmlns:ahyp="http://schemas.microsoft.com/office/drawing/2018/hyperlinkcolor" showMasterPhAnim="0" showMasterSp="0">
   <p:cSld>
     <p:spTree>
       <p:nvGrpSpPr>
@@ -1612,7 +1612,7 @@
 </file>
 
 <file path=ppt/notesSlides/notesSlide18.xml><?xml version="1.0" encoding="utf-8"?>
-<p:notes xmlns:a="http://schemas.openxmlformats.org/drawingml/2006/main" xmlns:r="http://schemas.openxmlformats.org/officeDocument/2006/relationships" xmlns:mc="http://schemas.openxmlformats.org/markup-compatibility/2006" xmlns:mv="urn:schemas-microsoft-com:mac:vml" xmlns:p="http://schemas.openxmlformats.org/presentationml/2006/main" xmlns:c="http://schemas.openxmlformats.org/drawingml/2006/chart" xmlns:dgm="http://schemas.openxmlformats.org/drawingml/2006/diagram" xmlns:o="urn:schemas-microsoft-com:office:office" xmlns:v="urn:schemas-microsoft-com:vml" xmlns:pvml="urn:schemas-microsoft-com:office:powerpoint" xmlns:com="http://schemas.openxmlformats.org/drawingml/2006/compatibility" xmlns:p14="http://schemas.microsoft.com/office/powerpoint/2010/main" xmlns:p15="http://schemas.microsoft.com/office/powerpoint/2012/main" showMasterPhAnim="0" showMasterSp="0">
+<p:notes xmlns:a="http://schemas.openxmlformats.org/drawingml/2006/main" xmlns:r="http://schemas.openxmlformats.org/officeDocument/2006/relationships" xmlns:mc="http://schemas.openxmlformats.org/markup-compatibility/2006" xmlns:mv="urn:schemas-microsoft-com:mac:vml" xmlns:p="http://schemas.openxmlformats.org/presentationml/2006/main" xmlns:c="http://schemas.openxmlformats.org/drawingml/2006/chart" xmlns:dgm="http://schemas.openxmlformats.org/drawingml/2006/diagram" xmlns:o="urn:schemas-microsoft-com:office:office" xmlns:v="urn:schemas-microsoft-com:vml" xmlns:pvml="urn:schemas-microsoft-com:office:powerpoint" xmlns:com="http://schemas.openxmlformats.org/drawingml/2006/compatibility" xmlns:p14="http://schemas.microsoft.com/office/powerpoint/2010/main" xmlns:p15="http://schemas.microsoft.com/office/powerpoint/2012/main" xmlns:ahyp="http://schemas.microsoft.com/office/drawing/2018/hyperlinkcolor" showMasterPhAnim="0" showMasterSp="0">
   <p:cSld>
     <p:spTree>
       <p:nvGrpSpPr>
@@ -1711,7 +1711,7 @@
 </file>
 
 <file path=ppt/notesSlides/notesSlide19.xml><?xml version="1.0" encoding="utf-8"?>
-<p:notes xmlns:a="http://schemas.openxmlformats.org/drawingml/2006/main" xmlns:r="http://schemas.openxmlformats.org/officeDocument/2006/relationships" xmlns:mc="http://schemas.openxmlformats.org/markup-compatibility/2006" xmlns:mv="urn:schemas-microsoft-com:mac:vml" xmlns:p="http://schemas.openxmlformats.org/presentationml/2006/main" xmlns:c="http://schemas.openxmlformats.org/drawingml/2006/chart" xmlns:dgm="http://schemas.openxmlformats.org/drawingml/2006/diagram" xmlns:o="urn:schemas-microsoft-com:office:office" xmlns:v="urn:schemas-microsoft-com:vml" xmlns:pvml="urn:schemas-microsoft-com:office:powerpoint" xmlns:com="http://schemas.openxmlformats.org/drawingml/2006/compatibility" xmlns:p14="http://schemas.microsoft.com/office/powerpoint/2010/main" xmlns:p15="http://schemas.microsoft.com/office/powerpoint/2012/main" showMasterPhAnim="0" showMasterSp="0">
+<p:notes xmlns:a="http://schemas.openxmlformats.org/drawingml/2006/main" xmlns:r="http://schemas.openxmlformats.org/officeDocument/2006/relationships" xmlns:mc="http://schemas.openxmlformats.org/markup-compatibility/2006" xmlns:mv="urn:schemas-microsoft-com:mac:vml" xmlns:p="http://schemas.openxmlformats.org/presentationml/2006/main" xmlns:c="http://schemas.openxmlformats.org/drawingml/2006/chart" xmlns:dgm="http://schemas.openxmlformats.org/drawingml/2006/diagram" xmlns:o="urn:schemas-microsoft-com:office:office" xmlns:v="urn:schemas-microsoft-com:vml" xmlns:pvml="urn:schemas-microsoft-com:office:powerpoint" xmlns:com="http://schemas.openxmlformats.org/drawingml/2006/compatibility" xmlns:p14="http://schemas.microsoft.com/office/powerpoint/2010/main" xmlns:p15="http://schemas.microsoft.com/office/powerpoint/2012/main" xmlns:ahyp="http://schemas.microsoft.com/office/drawing/2018/hyperlinkcolor" showMasterPhAnim="0" showMasterSp="0">
   <p:cSld>
     <p:spTree>
       <p:nvGrpSpPr>
@@ -1810,7 +1810,7 @@
 </file>
 
 <file path=ppt/notesSlides/notesSlide2.xml><?xml version="1.0" encoding="utf-8"?>
-<p:notes xmlns:a="http://schemas.openxmlformats.org/drawingml/2006/main" xmlns:r="http://schemas.openxmlformats.org/officeDocument/2006/relationships" xmlns:mc="http://schemas.openxmlformats.org/markup-compatibility/2006" xmlns:mv="urn:schemas-microsoft-com:mac:vml" xmlns:p="http://schemas.openxmlformats.org/presentationml/2006/main" xmlns:c="http://schemas.openxmlformats.org/drawingml/2006/chart" xmlns:dgm="http://schemas.openxmlformats.org/drawingml/2006/diagram" xmlns:o="urn:schemas-microsoft-com:office:office" xmlns:v="urn:schemas-microsoft-com:vml" xmlns:pvml="urn:schemas-microsoft-com:office:powerpoint" xmlns:com="http://schemas.openxmlformats.org/drawingml/2006/compatibility" xmlns:p14="http://schemas.microsoft.com/office/powerpoint/2010/main" xmlns:p15="http://schemas.microsoft.com/office/powerpoint/2012/main" showMasterPhAnim="0" showMasterSp="0">
+<p:notes xmlns:a="http://schemas.openxmlformats.org/drawingml/2006/main" xmlns:r="http://schemas.openxmlformats.org/officeDocument/2006/relationships" xmlns:mc="http://schemas.openxmlformats.org/markup-compatibility/2006" xmlns:mv="urn:schemas-microsoft-com:mac:vml" xmlns:p="http://schemas.openxmlformats.org/presentationml/2006/main" xmlns:c="http://schemas.openxmlformats.org/drawingml/2006/chart" xmlns:dgm="http://schemas.openxmlformats.org/drawingml/2006/diagram" xmlns:o="urn:schemas-microsoft-com:office:office" xmlns:v="urn:schemas-microsoft-com:vml" xmlns:pvml="urn:schemas-microsoft-com:office:powerpoint" xmlns:com="http://schemas.openxmlformats.org/drawingml/2006/compatibility" xmlns:p14="http://schemas.microsoft.com/office/powerpoint/2010/main" xmlns:p15="http://schemas.microsoft.com/office/powerpoint/2012/main" xmlns:ahyp="http://schemas.microsoft.com/office/drawing/2018/hyperlinkcolor" showMasterPhAnim="0" showMasterSp="0">
   <p:cSld>
     <p:spTree>
       <p:nvGrpSpPr>
@@ -1909,7 +1909,7 @@
 </file>
 
 <file path=ppt/notesSlides/notesSlide20.xml><?xml version="1.0" encoding="utf-8"?>
-<p:notes xmlns:a="http://schemas.openxmlformats.org/drawingml/2006/main" xmlns:r="http://schemas.openxmlformats.org/officeDocument/2006/relationships" xmlns:mc="http://schemas.openxmlformats.org/markup-compatibility/2006" xmlns:mv="urn:schemas-microsoft-com:mac:vml" xmlns:p="http://schemas.openxmlformats.org/presentationml/2006/main" xmlns:c="http://schemas.openxmlformats.org/drawingml/2006/chart" xmlns:dgm="http://schemas.openxmlformats.org/drawingml/2006/diagram" xmlns:o="urn:schemas-microsoft-com:office:office" xmlns:v="urn:schemas-microsoft-com:vml" xmlns:pvml="urn:schemas-microsoft-com:office:powerpoint" xmlns:com="http://schemas.openxmlformats.org/drawingml/2006/compatibility" xmlns:p14="http://schemas.microsoft.com/office/powerpoint/2010/main" xmlns:p15="http://schemas.microsoft.com/office/powerpoint/2012/main" showMasterPhAnim="0" showMasterSp="0">
+<p:notes xmlns:a="http://schemas.openxmlformats.org/drawingml/2006/main" xmlns:r="http://schemas.openxmlformats.org/officeDocument/2006/relationships" xmlns:mc="http://schemas.openxmlformats.org/markup-compatibility/2006" xmlns:mv="urn:schemas-microsoft-com:mac:vml" xmlns:p="http://schemas.openxmlformats.org/presentationml/2006/main" xmlns:c="http://schemas.openxmlformats.org/drawingml/2006/chart" xmlns:dgm="http://schemas.openxmlformats.org/drawingml/2006/diagram" xmlns:o="urn:schemas-microsoft-com:office:office" xmlns:v="urn:schemas-microsoft-com:vml" xmlns:pvml="urn:schemas-microsoft-com:office:powerpoint" xmlns:com="http://schemas.openxmlformats.org/drawingml/2006/compatibility" xmlns:p14="http://schemas.microsoft.com/office/powerpoint/2010/main" xmlns:p15="http://schemas.microsoft.com/office/powerpoint/2012/main" xmlns:ahyp="http://schemas.microsoft.com/office/drawing/2018/hyperlinkcolor" showMasterPhAnim="0" showMasterSp="0">
   <p:cSld>
     <p:spTree>
       <p:nvGrpSpPr>
@@ -2008,7 +2008,7 @@
 </file>
 
 <file path=ppt/notesSlides/notesSlide21.xml><?xml version="1.0" encoding="utf-8"?>
-<p:notes xmlns:a="http://schemas.openxmlformats.org/drawingml/2006/main" xmlns:r="http://schemas.openxmlformats.org/officeDocument/2006/relationships" xmlns:mc="http://schemas.openxmlformats.org/markup-compatibility/2006" xmlns:mv="urn:schemas-microsoft-com:mac:vml" xmlns:p="http://schemas.openxmlformats.org/presentationml/2006/main" xmlns:c="http://schemas.openxmlformats.org/drawingml/2006/chart" xmlns:dgm="http://schemas.openxmlformats.org/drawingml/2006/diagram" xmlns:o="urn:schemas-microsoft-com:office:office" xmlns:v="urn:schemas-microsoft-com:vml" xmlns:pvml="urn:schemas-microsoft-com:office:powerpoint" xmlns:com="http://schemas.openxmlformats.org/drawingml/2006/compatibility" xmlns:p14="http://schemas.microsoft.com/office/powerpoint/2010/main" xmlns:p15="http://schemas.microsoft.com/office/powerpoint/2012/main" showMasterPhAnim="0" showMasterSp="0">
+<p:notes xmlns:a="http://schemas.openxmlformats.org/drawingml/2006/main" xmlns:r="http://schemas.openxmlformats.org/officeDocument/2006/relationships" xmlns:mc="http://schemas.openxmlformats.org/markup-compatibility/2006" xmlns:mv="urn:schemas-microsoft-com:mac:vml" xmlns:p="http://schemas.openxmlformats.org/presentationml/2006/main" xmlns:c="http://schemas.openxmlformats.org/drawingml/2006/chart" xmlns:dgm="http://schemas.openxmlformats.org/drawingml/2006/diagram" xmlns:o="urn:schemas-microsoft-com:office:office" xmlns:v="urn:schemas-microsoft-com:vml" xmlns:pvml="urn:schemas-microsoft-com:office:powerpoint" xmlns:com="http://schemas.openxmlformats.org/drawingml/2006/compatibility" xmlns:p14="http://schemas.microsoft.com/office/powerpoint/2010/main" xmlns:p15="http://schemas.microsoft.com/office/powerpoint/2012/main" xmlns:ahyp="http://schemas.microsoft.com/office/drawing/2018/hyperlinkcolor" showMasterPhAnim="0" showMasterSp="0">
   <p:cSld>
     <p:spTree>
       <p:nvGrpSpPr>
@@ -2107,7 +2107,7 @@
 </file>
 
 <file path=ppt/notesSlides/notesSlide22.xml><?xml version="1.0" encoding="utf-8"?>
-<p:notes xmlns:a="http://schemas.openxmlformats.org/drawingml/2006/main" xmlns:r="http://schemas.openxmlformats.org/officeDocument/2006/relationships" xmlns:mc="http://schemas.openxmlformats.org/markup-compatibility/2006" xmlns:mv="urn:schemas-microsoft-com:mac:vml" xmlns:p="http://schemas.openxmlformats.org/presentationml/2006/main" xmlns:c="http://schemas.openxmlformats.org/drawingml/2006/chart" xmlns:dgm="http://schemas.openxmlformats.org/drawingml/2006/diagram" xmlns:o="urn:schemas-microsoft-com:office:office" xmlns:v="urn:schemas-microsoft-com:vml" xmlns:pvml="urn:schemas-microsoft-com:office:powerpoint" xmlns:com="http://schemas.openxmlformats.org/drawingml/2006/compatibility" xmlns:p14="http://schemas.microsoft.com/office/powerpoint/2010/main" xmlns:p15="http://schemas.microsoft.com/office/powerpoint/2012/main" showMasterPhAnim="0" showMasterSp="0">
+<p:notes xmlns:a="http://schemas.openxmlformats.org/drawingml/2006/main" xmlns:r="http://schemas.openxmlformats.org/officeDocument/2006/relationships" xmlns:mc="http://schemas.openxmlformats.org/markup-compatibility/2006" xmlns:mv="urn:schemas-microsoft-com:mac:vml" xmlns:p="http://schemas.openxmlformats.org/presentationml/2006/main" xmlns:c="http://schemas.openxmlformats.org/drawingml/2006/chart" xmlns:dgm="http://schemas.openxmlformats.org/drawingml/2006/diagram" xmlns:o="urn:schemas-microsoft-com:office:office" xmlns:v="urn:schemas-microsoft-com:vml" xmlns:pvml="urn:schemas-microsoft-com:office:powerpoint" xmlns:com="http://schemas.openxmlformats.org/drawingml/2006/compatibility" xmlns:p14="http://schemas.microsoft.com/office/powerpoint/2010/main" xmlns:p15="http://schemas.microsoft.com/office/powerpoint/2012/main" xmlns:ahyp="http://schemas.microsoft.com/office/drawing/2018/hyperlinkcolor" showMasterPhAnim="0" showMasterSp="0">
   <p:cSld>
     <p:spTree>
       <p:nvGrpSpPr>
@@ -2206,7 +2206,7 @@
 </file>
 
 <file path=ppt/notesSlides/notesSlide23.xml><?xml version="1.0" encoding="utf-8"?>
-<p:notes xmlns:a="http://schemas.openxmlformats.org/drawingml/2006/main" xmlns:r="http://schemas.openxmlformats.org/officeDocument/2006/relationships" xmlns:mc="http://schemas.openxmlformats.org/markup-compatibility/2006" xmlns:mv="urn:schemas-microsoft-com:mac:vml" xmlns:p="http://schemas.openxmlformats.org/presentationml/2006/main" xmlns:c="http://schemas.openxmlformats.org/drawingml/2006/chart" xmlns:dgm="http://schemas.openxmlformats.org/drawingml/2006/diagram" xmlns:o="urn:schemas-microsoft-com:office:office" xmlns:v="urn:schemas-microsoft-com:vml" xmlns:pvml="urn:schemas-microsoft-com:office:powerpoint" xmlns:com="http://schemas.openxmlformats.org/drawingml/2006/compatibility" xmlns:p14="http://schemas.microsoft.com/office/powerpoint/2010/main" xmlns:p15="http://schemas.microsoft.com/office/powerpoint/2012/main" showMasterPhAnim="0" showMasterSp="0">
+<p:notes xmlns:a="http://schemas.openxmlformats.org/drawingml/2006/main" xmlns:r="http://schemas.openxmlformats.org/officeDocument/2006/relationships" xmlns:mc="http://schemas.openxmlformats.org/markup-compatibility/2006" xmlns:mv="urn:schemas-microsoft-com:mac:vml" xmlns:p="http://schemas.openxmlformats.org/presentationml/2006/main" xmlns:c="http://schemas.openxmlformats.org/drawingml/2006/chart" xmlns:dgm="http://schemas.openxmlformats.org/drawingml/2006/diagram" xmlns:o="urn:schemas-microsoft-com:office:office" xmlns:v="urn:schemas-microsoft-com:vml" xmlns:pvml="urn:schemas-microsoft-com:office:powerpoint" xmlns:com="http://schemas.openxmlformats.org/drawingml/2006/compatibility" xmlns:p14="http://schemas.microsoft.com/office/powerpoint/2010/main" xmlns:p15="http://schemas.microsoft.com/office/powerpoint/2012/main" xmlns:ahyp="http://schemas.microsoft.com/office/drawing/2018/hyperlinkcolor" showMasterPhAnim="0" showMasterSp="0">
   <p:cSld>
     <p:spTree>
       <p:nvGrpSpPr>
@@ -2305,7 +2305,7 @@
 </file>
 
 <file path=ppt/notesSlides/notesSlide24.xml><?xml version="1.0" encoding="utf-8"?>
-<p:notes xmlns:a="http://schemas.openxmlformats.org/drawingml/2006/main" xmlns:r="http://schemas.openxmlformats.org/officeDocument/2006/relationships" xmlns:mc="http://schemas.openxmlformats.org/markup-compatibility/2006" xmlns:mv="urn:schemas-microsoft-com:mac:vml" xmlns:p="http://schemas.openxmlformats.org/presentationml/2006/main" xmlns:c="http://schemas.openxmlformats.org/drawingml/2006/chart" xmlns:dgm="http://schemas.openxmlformats.org/drawingml/2006/diagram" xmlns:o="urn:schemas-microsoft-com:office:office" xmlns:v="urn:schemas-microsoft-com:vml" xmlns:pvml="urn:schemas-microsoft-com:office:powerpoint" xmlns:com="http://schemas.openxmlformats.org/drawingml/2006/compatibility" xmlns:p14="http://schemas.microsoft.com/office/powerpoint/2010/main" xmlns:p15="http://schemas.microsoft.com/office/powerpoint/2012/main" showMasterPhAnim="0" showMasterSp="0">
+<p:notes xmlns:a="http://schemas.openxmlformats.org/drawingml/2006/main" xmlns:r="http://schemas.openxmlformats.org/officeDocument/2006/relationships" xmlns:mc="http://schemas.openxmlformats.org/markup-compatibility/2006" xmlns:mv="urn:schemas-microsoft-com:mac:vml" xmlns:p="http://schemas.openxmlformats.org/presentationml/2006/main" xmlns:c="http://schemas.openxmlformats.org/drawingml/2006/chart" xmlns:dgm="http://schemas.openxmlformats.org/drawingml/2006/diagram" xmlns:o="urn:schemas-microsoft-com:office:office" xmlns:v="urn:schemas-microsoft-com:vml" xmlns:pvml="urn:schemas-microsoft-com:office:powerpoint" xmlns:com="http://schemas.openxmlformats.org/drawingml/2006/compatibility" xmlns:p14="http://schemas.microsoft.com/office/powerpoint/2010/main" xmlns:p15="http://schemas.microsoft.com/office/powerpoint/2012/main" xmlns:ahyp="http://schemas.microsoft.com/office/drawing/2018/hyperlinkcolor" showMasterPhAnim="0" showMasterSp="0">
   <p:cSld>
     <p:spTree>
       <p:nvGrpSpPr>
@@ -2404,7 +2404,7 @@
 </file>
 
 <file path=ppt/notesSlides/notesSlide25.xml><?xml version="1.0" encoding="utf-8"?>
-<p:notes xmlns:a="http://schemas.openxmlformats.org/drawingml/2006/main" xmlns:r="http://schemas.openxmlformats.org/officeDocument/2006/relationships" xmlns:mc="http://schemas.openxmlformats.org/markup-compatibility/2006" xmlns:mv="urn:schemas-microsoft-com:mac:vml" xmlns:p="http://schemas.openxmlformats.org/presentationml/2006/main" xmlns:c="http://schemas.openxmlformats.org/drawingml/2006/chart" xmlns:dgm="http://schemas.openxmlformats.org/drawingml/2006/diagram" xmlns:o="urn:schemas-microsoft-com:office:office" xmlns:v="urn:schemas-microsoft-com:vml" xmlns:pvml="urn:schemas-microsoft-com:office:powerpoint" xmlns:com="http://schemas.openxmlformats.org/drawingml/2006/compatibility" xmlns:p14="http://schemas.microsoft.com/office/powerpoint/2010/main" xmlns:p15="http://schemas.microsoft.com/office/powerpoint/2012/main" showMasterPhAnim="0" showMasterSp="0">
+<p:notes xmlns:a="http://schemas.openxmlformats.org/drawingml/2006/main" xmlns:r="http://schemas.openxmlformats.org/officeDocument/2006/relationships" xmlns:mc="http://schemas.openxmlformats.org/markup-compatibility/2006" xmlns:mv="urn:schemas-microsoft-com:mac:vml" xmlns:p="http://schemas.openxmlformats.org/presentationml/2006/main" xmlns:c="http://schemas.openxmlformats.org/drawingml/2006/chart" xmlns:dgm="http://schemas.openxmlformats.org/drawingml/2006/diagram" xmlns:o="urn:schemas-microsoft-com:office:office" xmlns:v="urn:schemas-microsoft-com:vml" xmlns:pvml="urn:schemas-microsoft-com:office:powerpoint" xmlns:com="http://schemas.openxmlformats.org/drawingml/2006/compatibility" xmlns:p14="http://schemas.microsoft.com/office/powerpoint/2010/main" xmlns:p15="http://schemas.microsoft.com/office/powerpoint/2012/main" xmlns:ahyp="http://schemas.microsoft.com/office/drawing/2018/hyperlinkcolor" showMasterPhAnim="0" showMasterSp="0">
   <p:cSld>
     <p:spTree>
       <p:nvGrpSpPr>
@@ -2503,7 +2503,7 @@
 </file>
 
 <file path=ppt/notesSlides/notesSlide26.xml><?xml version="1.0" encoding="utf-8"?>
-<p:notes xmlns:a="http://schemas.openxmlformats.org/drawingml/2006/main" xmlns:r="http://schemas.openxmlformats.org/officeDocument/2006/relationships" xmlns:mc="http://schemas.openxmlformats.org/markup-compatibility/2006" xmlns:mv="urn:schemas-microsoft-com:mac:vml" xmlns:p="http://schemas.openxmlformats.org/presentationml/2006/main" xmlns:c="http://schemas.openxmlformats.org/drawingml/2006/chart" xmlns:dgm="http://schemas.openxmlformats.org/drawingml/2006/diagram" xmlns:o="urn:schemas-microsoft-com:office:office" xmlns:v="urn:schemas-microsoft-com:vml" xmlns:pvml="urn:schemas-microsoft-com:office:powerpoint" xmlns:com="http://schemas.openxmlformats.org/drawingml/2006/compatibility" xmlns:p14="http://schemas.microsoft.com/office/powerpoint/2010/main" xmlns:p15="http://schemas.microsoft.com/office/powerpoint/2012/main" showMasterPhAnim="0" showMasterSp="0">
+<p:notes xmlns:a="http://schemas.openxmlformats.org/drawingml/2006/main" xmlns:r="http://schemas.openxmlformats.org/officeDocument/2006/relationships" xmlns:mc="http://schemas.openxmlformats.org/markup-compatibility/2006" xmlns:mv="urn:schemas-microsoft-com:mac:vml" xmlns:p="http://schemas.openxmlformats.org/presentationml/2006/main" xmlns:c="http://schemas.openxmlformats.org/drawingml/2006/chart" xmlns:dgm="http://schemas.openxmlformats.org/drawingml/2006/diagram" xmlns:o="urn:schemas-microsoft-com:office:office" xmlns:v="urn:schemas-microsoft-com:vml" xmlns:pvml="urn:schemas-microsoft-com:office:powerpoint" xmlns:com="http://schemas.openxmlformats.org/drawingml/2006/compatibility" xmlns:p14="http://schemas.microsoft.com/office/powerpoint/2010/main" xmlns:p15="http://schemas.microsoft.com/office/powerpoint/2012/main" xmlns:ahyp="http://schemas.microsoft.com/office/drawing/2018/hyperlinkcolor" showMasterPhAnim="0" showMasterSp="0">
   <p:cSld>
     <p:spTree>
       <p:nvGrpSpPr>
@@ -2602,7 +2602,7 @@
 </file>
 
 <file path=ppt/notesSlides/notesSlide27.xml><?xml version="1.0" encoding="utf-8"?>
-<p:notes xmlns:a="http://schemas.openxmlformats.org/drawingml/2006/main" xmlns:r="http://schemas.openxmlformats.org/officeDocument/2006/relationships" xmlns:mc="http://schemas.openxmlformats.org/markup-compatibility/2006" xmlns:mv="urn:schemas-microsoft-com:mac:vml" xmlns:p="http://schemas.openxmlformats.org/presentationml/2006/main" xmlns:c="http://schemas.openxmlformats.org/drawingml/2006/chart" xmlns:dgm="http://schemas.openxmlformats.org/drawingml/2006/diagram" xmlns:o="urn:schemas-microsoft-com:office:office" xmlns:v="urn:schemas-microsoft-com:vml" xmlns:pvml="urn:schemas-microsoft-com:office:powerpoint" xmlns:com="http://schemas.openxmlformats.org/drawingml/2006/compatibility" xmlns:p14="http://schemas.microsoft.com/office/powerpoint/2010/main" xmlns:p15="http://schemas.microsoft.com/office/powerpoint/2012/main" showMasterPhAnim="0" showMasterSp="0">
+<p:notes xmlns:a="http://schemas.openxmlformats.org/drawingml/2006/main" xmlns:r="http://schemas.openxmlformats.org/officeDocument/2006/relationships" xmlns:mc="http://schemas.openxmlformats.org/markup-compatibility/2006" xmlns:mv="urn:schemas-microsoft-com:mac:vml" xmlns:p="http://schemas.openxmlformats.org/presentationml/2006/main" xmlns:c="http://schemas.openxmlformats.org/drawingml/2006/chart" xmlns:dgm="http://schemas.openxmlformats.org/drawingml/2006/diagram" xmlns:o="urn:schemas-microsoft-com:office:office" xmlns:v="urn:schemas-microsoft-com:vml" xmlns:pvml="urn:schemas-microsoft-com:office:powerpoint" xmlns:com="http://schemas.openxmlformats.org/drawingml/2006/compatibility" xmlns:p14="http://schemas.microsoft.com/office/powerpoint/2010/main" xmlns:p15="http://schemas.microsoft.com/office/powerpoint/2012/main" xmlns:ahyp="http://schemas.microsoft.com/office/drawing/2018/hyperlinkcolor" showMasterPhAnim="0" showMasterSp="0">
   <p:cSld>
     <p:spTree>
       <p:nvGrpSpPr>
@@ -2701,7 +2701,7 @@
 </file>
 
 <file path=ppt/notesSlides/notesSlide28.xml><?xml version="1.0" encoding="utf-8"?>
-<p:notes xmlns:a="http://schemas.openxmlformats.org/drawingml/2006/main" xmlns:r="http://schemas.openxmlformats.org/officeDocument/2006/relationships" xmlns:mc="http://schemas.openxmlformats.org/markup-compatibility/2006" xmlns:mv="urn:schemas-microsoft-com:mac:vml" xmlns:p="http://schemas.openxmlformats.org/presentationml/2006/main" xmlns:c="http://schemas.openxmlformats.org/drawingml/2006/chart" xmlns:dgm="http://schemas.openxmlformats.org/drawingml/2006/diagram" xmlns:o="urn:schemas-microsoft-com:office:office" xmlns:v="urn:schemas-microsoft-com:vml" xmlns:pvml="urn:schemas-microsoft-com:office:powerpoint" xmlns:com="http://schemas.openxmlformats.org/drawingml/2006/compatibility" xmlns:p14="http://schemas.microsoft.com/office/powerpoint/2010/main" xmlns:p15="http://schemas.microsoft.com/office/powerpoint/2012/main" showMasterPhAnim="0" showMasterSp="0">
+<p:notes xmlns:a="http://schemas.openxmlformats.org/drawingml/2006/main" xmlns:r="http://schemas.openxmlformats.org/officeDocument/2006/relationships" xmlns:mc="http://schemas.openxmlformats.org/markup-compatibility/2006" xmlns:mv="urn:schemas-microsoft-com:mac:vml" xmlns:p="http://schemas.openxmlformats.org/presentationml/2006/main" xmlns:c="http://schemas.openxmlformats.org/drawingml/2006/chart" xmlns:dgm="http://schemas.openxmlformats.org/drawingml/2006/diagram" xmlns:o="urn:schemas-microsoft-com:office:office" xmlns:v="urn:schemas-microsoft-com:vml" xmlns:pvml="urn:schemas-microsoft-com:office:powerpoint" xmlns:com="http://schemas.openxmlformats.org/drawingml/2006/compatibility" xmlns:p14="http://schemas.microsoft.com/office/powerpoint/2010/main" xmlns:p15="http://schemas.microsoft.com/office/powerpoint/2012/main" xmlns:ahyp="http://schemas.microsoft.com/office/drawing/2018/hyperlinkcolor" showMasterPhAnim="0" showMasterSp="0">
   <p:cSld>
     <p:spTree>
       <p:nvGrpSpPr>
@@ -2800,7 +2800,7 @@
 </file>
 
 <file path=ppt/notesSlides/notesSlide29.xml><?xml version="1.0" encoding="utf-8"?>
-<p:notes xmlns:a="http://schemas.openxmlformats.org/drawingml/2006/main" xmlns:r="http://schemas.openxmlformats.org/officeDocument/2006/relationships" xmlns:mc="http://schemas.openxmlformats.org/markup-compatibility/2006" xmlns:mv="urn:schemas-microsoft-com:mac:vml" xmlns:p="http://schemas.openxmlformats.org/presentationml/2006/main" xmlns:c="http://schemas.openxmlformats.org/drawingml/2006/chart" xmlns:dgm="http://schemas.openxmlformats.org/drawingml/2006/diagram" xmlns:o="urn:schemas-microsoft-com:office:office" xmlns:v="urn:schemas-microsoft-com:vml" xmlns:pvml="urn:schemas-microsoft-com:office:powerpoint" xmlns:com="http://schemas.openxmlformats.org/drawingml/2006/compatibility" xmlns:p14="http://schemas.microsoft.com/office/powerpoint/2010/main" xmlns:p15="http://schemas.microsoft.com/office/powerpoint/2012/main" showMasterPhAnim="0" showMasterSp="0">
+<p:notes xmlns:a="http://schemas.openxmlformats.org/drawingml/2006/main" xmlns:r="http://schemas.openxmlformats.org/officeDocument/2006/relationships" xmlns:mc="http://schemas.openxmlformats.org/markup-compatibility/2006" xmlns:mv="urn:schemas-microsoft-com:mac:vml" xmlns:p="http://schemas.openxmlformats.org/presentationml/2006/main" xmlns:c="http://schemas.openxmlformats.org/drawingml/2006/chart" xmlns:dgm="http://schemas.openxmlformats.org/drawingml/2006/diagram" xmlns:o="urn:schemas-microsoft-com:office:office" xmlns:v="urn:schemas-microsoft-com:vml" xmlns:pvml="urn:schemas-microsoft-com:office:powerpoint" xmlns:com="http://schemas.openxmlformats.org/drawingml/2006/compatibility" xmlns:p14="http://schemas.microsoft.com/office/powerpoint/2010/main" xmlns:p15="http://schemas.microsoft.com/office/powerpoint/2012/main" xmlns:ahyp="http://schemas.microsoft.com/office/drawing/2018/hyperlinkcolor" showMasterPhAnim="0" showMasterSp="0">
   <p:cSld>
     <p:spTree>
       <p:nvGrpSpPr>
@@ -2899,7 +2899,7 @@
 </file>
 
 <file path=ppt/notesSlides/notesSlide3.xml><?xml version="1.0" encoding="utf-8"?>
-<p:notes xmlns:a="http://schemas.openxmlformats.org/drawingml/2006/main" xmlns:r="http://schemas.openxmlformats.org/officeDocument/2006/relationships" xmlns:mc="http://schemas.openxmlformats.org/markup-compatibility/2006" xmlns:mv="urn:schemas-microsoft-com:mac:vml" xmlns:p="http://schemas.openxmlformats.org/presentationml/2006/main" xmlns:c="http://schemas.openxmlformats.org/drawingml/2006/chart" xmlns:dgm="http://schemas.openxmlformats.org/drawingml/2006/diagram" xmlns:o="urn:schemas-microsoft-com:office:office" xmlns:v="urn:schemas-microsoft-com:vml" xmlns:pvml="urn:schemas-microsoft-com:office:powerpoint" xmlns:com="http://schemas.openxmlformats.org/drawingml/2006/compatibility" xmlns:p14="http://schemas.microsoft.com/office/powerpoint/2010/main" xmlns:p15="http://schemas.microsoft.com/office/powerpoint/2012/main" showMasterPhAnim="0" showMasterSp="0">
+<p:notes xmlns:a="http://schemas.openxmlformats.org/drawingml/2006/main" xmlns:r="http://schemas.openxmlformats.org/officeDocument/2006/relationships" xmlns:mc="http://schemas.openxmlformats.org/markup-compatibility/2006" xmlns:mv="urn:schemas-microsoft-com:mac:vml" xmlns:p="http://schemas.openxmlformats.org/presentationml/2006/main" xmlns:c="http://schemas.openxmlformats.org/drawingml/2006/chart" xmlns:dgm="http://schemas.openxmlformats.org/drawingml/2006/diagram" xmlns:o="urn:schemas-microsoft-com:office:office" xmlns:v="urn:schemas-microsoft-com:vml" xmlns:pvml="urn:schemas-microsoft-com:office:powerpoint" xmlns:com="http://schemas.openxmlformats.org/drawingml/2006/compatibility" xmlns:p14="http://schemas.microsoft.com/office/powerpoint/2010/main" xmlns:p15="http://schemas.microsoft.com/office/powerpoint/2012/main" xmlns:ahyp="http://schemas.microsoft.com/office/drawing/2018/hyperlinkcolor" showMasterPhAnim="0" showMasterSp="0">
   <p:cSld>
     <p:spTree>
       <p:nvGrpSpPr>
@@ -2998,7 +2998,7 @@
 </file>
 
 <file path=ppt/notesSlides/notesSlide30.xml><?xml version="1.0" encoding="utf-8"?>
-<p:notes xmlns:a="http://schemas.openxmlformats.org/drawingml/2006/main" xmlns:r="http://schemas.openxmlformats.org/officeDocument/2006/relationships" xmlns:mc="http://schemas.openxmlformats.org/markup-compatibility/2006" xmlns:mv="urn:schemas-microsoft-com:mac:vml" xmlns:p="http://schemas.openxmlformats.org/presentationml/2006/main" xmlns:c="http://schemas.openxmlformats.org/drawingml/2006/chart" xmlns:dgm="http://schemas.openxmlformats.org/drawingml/2006/diagram" xmlns:o="urn:schemas-microsoft-com:office:office" xmlns:v="urn:schemas-microsoft-com:vml" xmlns:pvml="urn:schemas-microsoft-com:office:powerpoint" xmlns:com="http://schemas.openxmlformats.org/drawingml/2006/compatibility" xmlns:p14="http://schemas.microsoft.com/office/powerpoint/2010/main" xmlns:p15="http://schemas.microsoft.com/office/powerpoint/2012/main" showMasterPhAnim="0" showMasterSp="0">
+<p:notes xmlns:a="http://schemas.openxmlformats.org/drawingml/2006/main" xmlns:r="http://schemas.openxmlformats.org/officeDocument/2006/relationships" xmlns:mc="http://schemas.openxmlformats.org/markup-compatibility/2006" xmlns:mv="urn:schemas-microsoft-com:mac:vml" xmlns:p="http://schemas.openxmlformats.org/presentationml/2006/main" xmlns:c="http://schemas.openxmlformats.org/drawingml/2006/chart" xmlns:dgm="http://schemas.openxmlformats.org/drawingml/2006/diagram" xmlns:o="urn:schemas-microsoft-com:office:office" xmlns:v="urn:schemas-microsoft-com:vml" xmlns:pvml="urn:schemas-microsoft-com:office:powerpoint" xmlns:com="http://schemas.openxmlformats.org/drawingml/2006/compatibility" xmlns:p14="http://schemas.microsoft.com/office/powerpoint/2010/main" xmlns:p15="http://schemas.microsoft.com/office/powerpoint/2012/main" xmlns:ahyp="http://schemas.microsoft.com/office/drawing/2018/hyperlinkcolor" showMasterPhAnim="0" showMasterSp="0">
   <p:cSld>
     <p:spTree>
       <p:nvGrpSpPr>
@@ -3097,7 +3097,7 @@
 </file>
 
 <file path=ppt/notesSlides/notesSlide31.xml><?xml version="1.0" encoding="utf-8"?>
-<p:notes xmlns:a="http://schemas.openxmlformats.org/drawingml/2006/main" xmlns:r="http://schemas.openxmlformats.org/officeDocument/2006/relationships" xmlns:mc="http://schemas.openxmlformats.org/markup-compatibility/2006" xmlns:mv="urn:schemas-microsoft-com:mac:vml" xmlns:p="http://schemas.openxmlformats.org/presentationml/2006/main" xmlns:c="http://schemas.openxmlformats.org/drawingml/2006/chart" xmlns:dgm="http://schemas.openxmlformats.org/drawingml/2006/diagram" xmlns:o="urn:schemas-microsoft-com:office:office" xmlns:v="urn:schemas-microsoft-com:vml" xmlns:pvml="urn:schemas-microsoft-com:office:powerpoint" xmlns:com="http://schemas.openxmlformats.org/drawingml/2006/compatibility" xmlns:p14="http://schemas.microsoft.com/office/powerpoint/2010/main" xmlns:p15="http://schemas.microsoft.com/office/powerpoint/2012/main" showMasterPhAnim="0" showMasterSp="0">
+<p:notes xmlns:a="http://schemas.openxmlformats.org/drawingml/2006/main" xmlns:r="http://schemas.openxmlformats.org/officeDocument/2006/relationships" xmlns:mc="http://schemas.openxmlformats.org/markup-compatibility/2006" xmlns:mv="urn:schemas-microsoft-com:mac:vml" xmlns:p="http://schemas.openxmlformats.org/presentationml/2006/main" xmlns:c="http://schemas.openxmlformats.org/drawingml/2006/chart" xmlns:dgm="http://schemas.openxmlformats.org/drawingml/2006/diagram" xmlns:o="urn:schemas-microsoft-com:office:office" xmlns:v="urn:schemas-microsoft-com:vml" xmlns:pvml="urn:schemas-microsoft-com:office:powerpoint" xmlns:com="http://schemas.openxmlformats.org/drawingml/2006/compatibility" xmlns:p14="http://schemas.microsoft.com/office/powerpoint/2010/main" xmlns:p15="http://schemas.microsoft.com/office/powerpoint/2012/main" xmlns:ahyp="http://schemas.microsoft.com/office/drawing/2018/hyperlinkcolor" showMasterPhAnim="0" showMasterSp="0">
   <p:cSld>
     <p:spTree>
       <p:nvGrpSpPr>
@@ -3196,7 +3196,7 @@
 </file>
 
 <file path=ppt/notesSlides/notesSlide32.xml><?xml version="1.0" encoding="utf-8"?>
-<p:notes xmlns:a="http://schemas.openxmlformats.org/drawingml/2006/main" xmlns:r="http://schemas.openxmlformats.org/officeDocument/2006/relationships" xmlns:mc="http://schemas.openxmlformats.org/markup-compatibility/2006" xmlns:mv="urn:schemas-microsoft-com:mac:vml" xmlns:p="http://schemas.openxmlformats.org/presentationml/2006/main" xmlns:c="http://schemas.openxmlformats.org/drawingml/2006/chart" xmlns:dgm="http://schemas.openxmlformats.org/drawingml/2006/diagram" xmlns:o="urn:schemas-microsoft-com:office:office" xmlns:v="urn:schemas-microsoft-com:vml" xmlns:pvml="urn:schemas-microsoft-com:office:powerpoint" xmlns:com="http://schemas.openxmlformats.org/drawingml/2006/compatibility" xmlns:p14="http://schemas.microsoft.com/office/powerpoint/2010/main" xmlns:p15="http://schemas.microsoft.com/office/powerpoint/2012/main" showMasterPhAnim="0" showMasterSp="0">
+<p:notes xmlns:a="http://schemas.openxmlformats.org/drawingml/2006/main" xmlns:r="http://schemas.openxmlformats.org/officeDocument/2006/relationships" xmlns:mc="http://schemas.openxmlformats.org/markup-compatibility/2006" xmlns:mv="urn:schemas-microsoft-com:mac:vml" xmlns:p="http://schemas.openxmlformats.org/presentationml/2006/main" xmlns:c="http://schemas.openxmlformats.org/drawingml/2006/chart" xmlns:dgm="http://schemas.openxmlformats.org/drawingml/2006/diagram" xmlns:o="urn:schemas-microsoft-com:office:office" xmlns:v="urn:schemas-microsoft-com:vml" xmlns:pvml="urn:schemas-microsoft-com:office:powerpoint" xmlns:com="http://schemas.openxmlformats.org/drawingml/2006/compatibility" xmlns:p14="http://schemas.microsoft.com/office/powerpoint/2010/main" xmlns:p15="http://schemas.microsoft.com/office/powerpoint/2012/main" xmlns:ahyp="http://schemas.microsoft.com/office/drawing/2018/hyperlinkcolor" showMasterPhAnim="0" showMasterSp="0">
   <p:cSld>
     <p:spTree>
       <p:nvGrpSpPr>
@@ -3295,7 +3295,7 @@
 </file>
 
 <file path=ppt/notesSlides/notesSlide33.xml><?xml version="1.0" encoding="utf-8"?>
-<p:notes xmlns:a="http://schemas.openxmlformats.org/drawingml/2006/main" xmlns:r="http://schemas.openxmlformats.org/officeDocument/2006/relationships" xmlns:mc="http://schemas.openxmlformats.org/markup-compatibility/2006" xmlns:mv="urn:schemas-microsoft-com:mac:vml" xmlns:p="http://schemas.openxmlformats.org/presentationml/2006/main" xmlns:c="http://schemas.openxmlformats.org/drawingml/2006/chart" xmlns:dgm="http://schemas.openxmlformats.org/drawingml/2006/diagram" xmlns:o="urn:schemas-microsoft-com:office:office" xmlns:v="urn:schemas-microsoft-com:vml" xmlns:pvml="urn:schemas-microsoft-com:office:powerpoint" xmlns:com="http://schemas.openxmlformats.org/drawingml/2006/compatibility" xmlns:p14="http://schemas.microsoft.com/office/powerpoint/2010/main" xmlns:p15="http://schemas.microsoft.com/office/powerpoint/2012/main" showMasterPhAnim="0" showMasterSp="0">
+<p:notes xmlns:a="http://schemas.openxmlformats.org/drawingml/2006/main" xmlns:r="http://schemas.openxmlformats.org/officeDocument/2006/relationships" xmlns:mc="http://schemas.openxmlformats.org/markup-compatibility/2006" xmlns:mv="urn:schemas-microsoft-com:mac:vml" xmlns:p="http://schemas.openxmlformats.org/presentationml/2006/main" xmlns:c="http://schemas.openxmlformats.org/drawingml/2006/chart" xmlns:dgm="http://schemas.openxmlformats.org/drawingml/2006/diagram" xmlns:o="urn:schemas-microsoft-com:office:office" xmlns:v="urn:schemas-microsoft-com:vml" xmlns:pvml="urn:schemas-microsoft-com:office:powerpoint" xmlns:com="http://schemas.openxmlformats.org/drawingml/2006/compatibility" xmlns:p14="http://schemas.microsoft.com/office/powerpoint/2010/main" xmlns:p15="http://schemas.microsoft.com/office/powerpoint/2012/main" xmlns:ahyp="http://schemas.microsoft.com/office/drawing/2018/hyperlinkcolor" showMasterPhAnim="0" showMasterSp="0">
   <p:cSld>
     <p:spTree>
       <p:nvGrpSpPr>
@@ -3394,7 +3394,7 @@
 </file>
 
 <file path=ppt/notesSlides/notesSlide34.xml><?xml version="1.0" encoding="utf-8"?>
-<p:notes xmlns:a="http://schemas.openxmlformats.org/drawingml/2006/main" xmlns:r="http://schemas.openxmlformats.org/officeDocument/2006/relationships" xmlns:mc="http://schemas.openxmlformats.org/markup-compatibility/2006" xmlns:mv="urn:schemas-microsoft-com:mac:vml" xmlns:p="http://schemas.openxmlformats.org/presentationml/2006/main" xmlns:c="http://schemas.openxmlformats.org/drawingml/2006/chart" xmlns:dgm="http://schemas.openxmlformats.org/drawingml/2006/diagram" xmlns:o="urn:schemas-microsoft-com:office:office" xmlns:v="urn:schemas-microsoft-com:vml" xmlns:pvml="urn:schemas-microsoft-com:office:powerpoint" xmlns:com="http://schemas.openxmlformats.org/drawingml/2006/compatibility" xmlns:p14="http://schemas.microsoft.com/office/powerpoint/2010/main" xmlns:p15="http://schemas.microsoft.com/office/powerpoint/2012/main" showMasterPhAnim="0" showMasterSp="0">
+<p:notes xmlns:a="http://schemas.openxmlformats.org/drawingml/2006/main" xmlns:r="http://schemas.openxmlformats.org/officeDocument/2006/relationships" xmlns:mc="http://schemas.openxmlformats.org/markup-compatibility/2006" xmlns:mv="urn:schemas-microsoft-com:mac:vml" xmlns:p="http://schemas.openxmlformats.org/presentationml/2006/main" xmlns:c="http://schemas.openxmlformats.org/drawingml/2006/chart" xmlns:dgm="http://schemas.openxmlformats.org/drawingml/2006/diagram" xmlns:o="urn:schemas-microsoft-com:office:office" xmlns:v="urn:schemas-microsoft-com:vml" xmlns:pvml="urn:schemas-microsoft-com:office:powerpoint" xmlns:com="http://schemas.openxmlformats.org/drawingml/2006/compatibility" xmlns:p14="http://schemas.microsoft.com/office/powerpoint/2010/main" xmlns:p15="http://schemas.microsoft.com/office/powerpoint/2012/main" xmlns:ahyp="http://schemas.microsoft.com/office/drawing/2018/hyperlinkcolor" showMasterPhAnim="0" showMasterSp="0">
   <p:cSld>
     <p:spTree>
       <p:nvGrpSpPr>
@@ -3493,7 +3493,7 @@
 </file>
 
 <file path=ppt/notesSlides/notesSlide35.xml><?xml version="1.0" encoding="utf-8"?>
-<p:notes xmlns:a="http://schemas.openxmlformats.org/drawingml/2006/main" xmlns:r="http://schemas.openxmlformats.org/officeDocument/2006/relationships" xmlns:mc="http://schemas.openxmlformats.org/markup-compatibility/2006" xmlns:mv="urn:schemas-microsoft-com:mac:vml" xmlns:p="http://schemas.openxmlformats.org/presentationml/2006/main" xmlns:c="http://schemas.openxmlformats.org/drawingml/2006/chart" xmlns:dgm="http://schemas.openxmlformats.org/drawingml/2006/diagram" xmlns:o="urn:schemas-microsoft-com:office:office" xmlns:v="urn:schemas-microsoft-com:vml" xmlns:pvml="urn:schemas-microsoft-com:office:powerpoint" xmlns:com="http://schemas.openxmlformats.org/drawingml/2006/compatibility" xmlns:p14="http://schemas.microsoft.com/office/powerpoint/2010/main" xmlns:p15="http://schemas.microsoft.com/office/powerpoint/2012/main" showMasterPhAnim="0" showMasterSp="0">
+<p:notes xmlns:a="http://schemas.openxmlformats.org/drawingml/2006/main" xmlns:r="http://schemas.openxmlformats.org/officeDocument/2006/relationships" xmlns:mc="http://schemas.openxmlformats.org/markup-compatibility/2006" xmlns:mv="urn:schemas-microsoft-com:mac:vml" xmlns:p="http://schemas.openxmlformats.org/presentationml/2006/main" xmlns:c="http://schemas.openxmlformats.org/drawingml/2006/chart" xmlns:dgm="http://schemas.openxmlformats.org/drawingml/2006/diagram" xmlns:o="urn:schemas-microsoft-com:office:office" xmlns:v="urn:schemas-microsoft-com:vml" xmlns:pvml="urn:schemas-microsoft-com:office:powerpoint" xmlns:com="http://schemas.openxmlformats.org/drawingml/2006/compatibility" xmlns:p14="http://schemas.microsoft.com/office/powerpoint/2010/main" xmlns:p15="http://schemas.microsoft.com/office/powerpoint/2012/main" xmlns:ahyp="http://schemas.microsoft.com/office/drawing/2018/hyperlinkcolor" showMasterPhAnim="0" showMasterSp="0">
   <p:cSld>
     <p:spTree>
       <p:nvGrpSpPr>
@@ -3592,7 +3592,7 @@
 </file>
 
 <file path=ppt/notesSlides/notesSlide4.xml><?xml version="1.0" encoding="utf-8"?>
-<p:notes xmlns:a="http://schemas.openxmlformats.org/drawingml/2006/main" xmlns:r="http://schemas.openxmlformats.org/officeDocument/2006/relationships" xmlns:mc="http://schemas.openxmlformats.org/markup-compatibility/2006" xmlns:mv="urn:schemas-microsoft-com:mac:vml" xmlns:p="http://schemas.openxmlformats.org/presentationml/2006/main" xmlns:c="http://schemas.openxmlformats.org/drawingml/2006/chart" xmlns:dgm="http://schemas.openxmlformats.org/drawingml/2006/diagram" xmlns:o="urn:schemas-microsoft-com:office:office" xmlns:v="urn:schemas-microsoft-com:vml" xmlns:pvml="urn:schemas-microsoft-com:office:powerpoint" xmlns:com="http://schemas.openxmlformats.org/drawingml/2006/compatibility" xmlns:p14="http://schemas.microsoft.com/office/powerpoint/2010/main" xmlns:p15="http://schemas.microsoft.com/office/powerpoint/2012/main" showMasterPhAnim="0" showMasterSp="0">
+<p:notes xmlns:a="http://schemas.openxmlformats.org/drawingml/2006/main" xmlns:r="http://schemas.openxmlformats.org/officeDocument/2006/relationships" xmlns:mc="http://schemas.openxmlformats.org/markup-compatibility/2006" xmlns:mv="urn:schemas-microsoft-com:mac:vml" xmlns:p="http://schemas.openxmlformats.org/presentationml/2006/main" xmlns:c="http://schemas.openxmlformats.org/drawingml/2006/chart" xmlns:dgm="http://schemas.openxmlformats.org/drawingml/2006/diagram" xmlns:o="urn:schemas-microsoft-com:office:office" xmlns:v="urn:schemas-microsoft-com:vml" xmlns:pvml="urn:schemas-microsoft-com:office:powerpoint" xmlns:com="http://schemas.openxmlformats.org/drawingml/2006/compatibility" xmlns:p14="http://schemas.microsoft.com/office/powerpoint/2010/main" xmlns:p15="http://schemas.microsoft.com/office/powerpoint/2012/main" xmlns:ahyp="http://schemas.microsoft.com/office/drawing/2018/hyperlinkcolor" showMasterPhAnim="0" showMasterSp="0">
   <p:cSld>
     <p:spTree>
       <p:nvGrpSpPr>
@@ -3691,7 +3691,7 @@
 </file>
 
 <file path=ppt/notesSlides/notesSlide5.xml><?xml version="1.0" encoding="utf-8"?>
-<p:notes xmlns:a="http://schemas.openxmlformats.org/drawingml/2006/main" xmlns:r="http://schemas.openxmlformats.org/officeDocument/2006/relationships" xmlns:mc="http://schemas.openxmlformats.org/markup-compatibility/2006" xmlns:mv="urn:schemas-microsoft-com:mac:vml" xmlns:p="http://schemas.openxmlformats.org/presentationml/2006/main" xmlns:c="http://schemas.openxmlformats.org/drawingml/2006/chart" xmlns:dgm="http://schemas.openxmlformats.org/drawingml/2006/diagram" xmlns:o="urn:schemas-microsoft-com:office:office" xmlns:v="urn:schemas-microsoft-com:vml" xmlns:pvml="urn:schemas-microsoft-com:office:powerpoint" xmlns:com="http://schemas.openxmlformats.org/drawingml/2006/compatibility" xmlns:p14="http://schemas.microsoft.com/office/powerpoint/2010/main" xmlns:p15="http://schemas.microsoft.com/office/powerpoint/2012/main" showMasterPhAnim="0" showMasterSp="0">
+<p:notes xmlns:a="http://schemas.openxmlformats.org/drawingml/2006/main" xmlns:r="http://schemas.openxmlformats.org/officeDocument/2006/relationships" xmlns:mc="http://schemas.openxmlformats.org/markup-compatibility/2006" xmlns:mv="urn:schemas-microsoft-com:mac:vml" xmlns:p="http://schemas.openxmlformats.org/presentationml/2006/main" xmlns:c="http://schemas.openxmlformats.org/drawingml/2006/chart" xmlns:dgm="http://schemas.openxmlformats.org/drawingml/2006/diagram" xmlns:o="urn:schemas-microsoft-com:office:office" xmlns:v="urn:schemas-microsoft-com:vml" xmlns:pvml="urn:schemas-microsoft-com:office:powerpoint" xmlns:com="http://schemas.openxmlformats.org/drawingml/2006/compatibility" xmlns:p14="http://schemas.microsoft.com/office/powerpoint/2010/main" xmlns:p15="http://schemas.microsoft.com/office/powerpoint/2012/main" xmlns:ahyp="http://schemas.microsoft.com/office/drawing/2018/hyperlinkcolor" showMasterPhAnim="0" showMasterSp="0">
   <p:cSld>
     <p:spTree>
       <p:nvGrpSpPr>
@@ -3790,7 +3790,7 @@
 </file>
 
 <file path=ppt/notesSlides/notesSlide6.xml><?xml version="1.0" encoding="utf-8"?>
-<p:notes xmlns:a="http://schemas.openxmlformats.org/drawingml/2006/main" xmlns:r="http://schemas.openxmlformats.org/officeDocument/2006/relationships" xmlns:mc="http://schemas.openxmlformats.org/markup-compatibility/2006" xmlns:mv="urn:schemas-microsoft-com:mac:vml" xmlns:p="http://schemas.openxmlformats.org/presentationml/2006/main" xmlns:c="http://schemas.openxmlformats.org/drawingml/2006/chart" xmlns:dgm="http://schemas.openxmlformats.org/drawingml/2006/diagram" xmlns:o="urn:schemas-microsoft-com:office:office" xmlns:v="urn:schemas-microsoft-com:vml" xmlns:pvml="urn:schemas-microsoft-com:office:powerpoint" xmlns:com="http://schemas.openxmlformats.org/drawingml/2006/compatibility" xmlns:p14="http://schemas.microsoft.com/office/powerpoint/2010/main" xmlns:p15="http://schemas.microsoft.com/office/powerpoint/2012/main" showMasterPhAnim="0" showMasterSp="0">
+<p:notes xmlns:a="http://schemas.openxmlformats.org/drawingml/2006/main" xmlns:r="http://schemas.openxmlformats.org/officeDocument/2006/relationships" xmlns:mc="http://schemas.openxmlformats.org/markup-compatibility/2006" xmlns:mv="urn:schemas-microsoft-com:mac:vml" xmlns:p="http://schemas.openxmlformats.org/presentationml/2006/main" xmlns:c="http://schemas.openxmlformats.org/drawingml/2006/chart" xmlns:dgm="http://schemas.openxmlformats.org/drawingml/2006/diagram" xmlns:o="urn:schemas-microsoft-com:office:office" xmlns:v="urn:schemas-microsoft-com:vml" xmlns:pvml="urn:schemas-microsoft-com:office:powerpoint" xmlns:com="http://schemas.openxmlformats.org/drawingml/2006/compatibility" xmlns:p14="http://schemas.microsoft.com/office/powerpoint/2010/main" xmlns:p15="http://schemas.microsoft.com/office/powerpoint/2012/main" xmlns:ahyp="http://schemas.microsoft.com/office/drawing/2018/hyperlinkcolor" showMasterPhAnim="0" showMasterSp="0">
   <p:cSld>
     <p:spTree>
       <p:nvGrpSpPr>
@@ -3889,7 +3889,7 @@
 </file>
 
 <file path=ppt/notesSlides/notesSlide7.xml><?xml version="1.0" encoding="utf-8"?>
-<p:notes xmlns:a="http://schemas.openxmlformats.org/drawingml/2006/main" xmlns:r="http://schemas.openxmlformats.org/officeDocument/2006/relationships" xmlns:mc="http://schemas.openxmlformats.org/markup-compatibility/2006" xmlns:mv="urn:schemas-microsoft-com:mac:vml" xmlns:p="http://schemas.openxmlformats.org/presentationml/2006/main" xmlns:c="http://schemas.openxmlformats.org/drawingml/2006/chart" xmlns:dgm="http://schemas.openxmlformats.org/drawingml/2006/diagram" xmlns:o="urn:schemas-microsoft-com:office:office" xmlns:v="urn:schemas-microsoft-com:vml" xmlns:pvml="urn:schemas-microsoft-com:office:powerpoint" xmlns:com="http://schemas.openxmlformats.org/drawingml/2006/compatibility" xmlns:p14="http://schemas.microsoft.com/office/powerpoint/2010/main" xmlns:p15="http://schemas.microsoft.com/office/powerpoint/2012/main" showMasterPhAnim="0" showMasterSp="0">
+<p:notes xmlns:a="http://schemas.openxmlformats.org/drawingml/2006/main" xmlns:r="http://schemas.openxmlformats.org/officeDocument/2006/relationships" xmlns:mc="http://schemas.openxmlformats.org/markup-compatibility/2006" xmlns:mv="urn:schemas-microsoft-com:mac:vml" xmlns:p="http://schemas.openxmlformats.org/presentationml/2006/main" xmlns:c="http://schemas.openxmlformats.org/drawingml/2006/chart" xmlns:dgm="http://schemas.openxmlformats.org/drawingml/2006/diagram" xmlns:o="urn:schemas-microsoft-com:office:office" xmlns:v="urn:schemas-microsoft-com:vml" xmlns:pvml="urn:schemas-microsoft-com:office:powerpoint" xmlns:com="http://schemas.openxmlformats.org/drawingml/2006/compatibility" xmlns:p14="http://schemas.microsoft.com/office/powerpoint/2010/main" xmlns:p15="http://schemas.microsoft.com/office/powerpoint/2012/main" xmlns:ahyp="http://schemas.microsoft.com/office/drawing/2018/hyperlinkcolor" showMasterPhAnim="0" showMasterSp="0">
   <p:cSld>
     <p:spTree>
       <p:nvGrpSpPr>
@@ -3988,7 +3988,7 @@
 </file>
 
 <file path=ppt/notesSlides/notesSlide8.xml><?xml version="1.0" encoding="utf-8"?>
-<p:notes xmlns:a="http://schemas.openxmlformats.org/drawingml/2006/main" xmlns:r="http://schemas.openxmlformats.org/officeDocument/2006/relationships" xmlns:mc="http://schemas.openxmlformats.org/markup-compatibility/2006" xmlns:mv="urn:schemas-microsoft-com:mac:vml" xmlns:p="http://schemas.openxmlformats.org/presentationml/2006/main" xmlns:c="http://schemas.openxmlformats.org/drawingml/2006/chart" xmlns:dgm="http://schemas.openxmlformats.org/drawingml/2006/diagram" xmlns:o="urn:schemas-microsoft-com:office:office" xmlns:v="urn:schemas-microsoft-com:vml" xmlns:pvml="urn:schemas-microsoft-com:office:powerpoint" xmlns:com="http://schemas.openxmlformats.org/drawingml/2006/compatibility" xmlns:p14="http://schemas.microsoft.com/office/powerpoint/2010/main" xmlns:p15="http://schemas.microsoft.com/office/powerpoint/2012/main" showMasterPhAnim="0" showMasterSp="0">
+<p:notes xmlns:a="http://schemas.openxmlformats.org/drawingml/2006/main" xmlns:r="http://schemas.openxmlformats.org/officeDocument/2006/relationships" xmlns:mc="http://schemas.openxmlformats.org/markup-compatibility/2006" xmlns:mv="urn:schemas-microsoft-com:mac:vml" xmlns:p="http://schemas.openxmlformats.org/presentationml/2006/main" xmlns:c="http://schemas.openxmlformats.org/drawingml/2006/chart" xmlns:dgm="http://schemas.openxmlformats.org/drawingml/2006/diagram" xmlns:o="urn:schemas-microsoft-com:office:office" xmlns:v="urn:schemas-microsoft-com:vml" xmlns:pvml="urn:schemas-microsoft-com:office:powerpoint" xmlns:com="http://schemas.openxmlformats.org/drawingml/2006/compatibility" xmlns:p14="http://schemas.microsoft.com/office/powerpoint/2010/main" xmlns:p15="http://schemas.microsoft.com/office/powerpoint/2012/main" xmlns:ahyp="http://schemas.microsoft.com/office/drawing/2018/hyperlinkcolor" showMasterPhAnim="0" showMasterSp="0">
   <p:cSld>
     <p:spTree>
       <p:nvGrpSpPr>
@@ -4087,7 +4087,7 @@
 </file>
 
 <file path=ppt/notesSlides/notesSlide9.xml><?xml version="1.0" encoding="utf-8"?>
-<p:notes xmlns:a="http://schemas.openxmlformats.org/drawingml/2006/main" xmlns:r="http://schemas.openxmlformats.org/officeDocument/2006/relationships" xmlns:mc="http://schemas.openxmlformats.org/markup-compatibility/2006" xmlns:mv="urn:schemas-microsoft-com:mac:vml" xmlns:p="http://schemas.openxmlformats.org/presentationml/2006/main" xmlns:c="http://schemas.openxmlformats.org/drawingml/2006/chart" xmlns:dgm="http://schemas.openxmlformats.org/drawingml/2006/diagram" xmlns:o="urn:schemas-microsoft-com:office:office" xmlns:v="urn:schemas-microsoft-com:vml" xmlns:pvml="urn:schemas-microsoft-com:office:powerpoint" xmlns:com="http://schemas.openxmlformats.org/drawingml/2006/compatibility" xmlns:p14="http://schemas.microsoft.com/office/powerpoint/2010/main" xmlns:p15="http://schemas.microsoft.com/office/powerpoint/2012/main" showMasterPhAnim="0" showMasterSp="0">
+<p:notes xmlns:a="http://schemas.openxmlformats.org/drawingml/2006/main" xmlns:r="http://schemas.openxmlformats.org/officeDocument/2006/relationships" xmlns:mc="http://schemas.openxmlformats.org/markup-compatibility/2006" xmlns:mv="urn:schemas-microsoft-com:mac:vml" xmlns:p="http://schemas.openxmlformats.org/presentationml/2006/main" xmlns:c="http://schemas.openxmlformats.org/drawingml/2006/chart" xmlns:dgm="http://schemas.openxmlformats.org/drawingml/2006/diagram" xmlns:o="urn:schemas-microsoft-com:office:office" xmlns:v="urn:schemas-microsoft-com:vml" xmlns:pvml="urn:schemas-microsoft-com:office:powerpoint" xmlns:com="http://schemas.openxmlformats.org/drawingml/2006/compatibility" xmlns:p14="http://schemas.microsoft.com/office/powerpoint/2010/main" xmlns:p15="http://schemas.microsoft.com/office/powerpoint/2012/main" xmlns:ahyp="http://schemas.microsoft.com/office/drawing/2018/hyperlinkcolor" showMasterPhAnim="0" showMasterSp="0">
   <p:cSld>
     <p:spTree>
       <p:nvGrpSpPr>
@@ -4186,7 +4186,7 @@
 </file>
 
 <file path=ppt/slideLayouts/slideLayout1.xml><?xml version="1.0" encoding="utf-8"?>
-<p:sldLayout xmlns:a="http://schemas.openxmlformats.org/drawingml/2006/main" xmlns:r="http://schemas.openxmlformats.org/officeDocument/2006/relationships" xmlns:mc="http://schemas.openxmlformats.org/markup-compatibility/2006" xmlns:mv="urn:schemas-microsoft-com:mac:vml" xmlns:p="http://schemas.openxmlformats.org/presentationml/2006/main" xmlns:c="http://schemas.openxmlformats.org/drawingml/2006/chart" xmlns:dgm="http://schemas.openxmlformats.org/drawingml/2006/diagram" xmlns:o="urn:schemas-microsoft-com:office:office" xmlns:v="urn:schemas-microsoft-com:vml" xmlns:pvml="urn:schemas-microsoft-com:office:powerpoint" xmlns:com="http://schemas.openxmlformats.org/drawingml/2006/compatibility" xmlns:p14="http://schemas.microsoft.com/office/powerpoint/2010/main" xmlns:p15="http://schemas.microsoft.com/office/powerpoint/2012/main" matchingName="Title slide" type="title">
+<p:sldLayout xmlns:a="http://schemas.openxmlformats.org/drawingml/2006/main" xmlns:r="http://schemas.openxmlformats.org/officeDocument/2006/relationships" xmlns:mc="http://schemas.openxmlformats.org/markup-compatibility/2006" xmlns:mv="urn:schemas-microsoft-com:mac:vml" xmlns:p="http://schemas.openxmlformats.org/presentationml/2006/main" xmlns:c="http://schemas.openxmlformats.org/drawingml/2006/chart" xmlns:dgm="http://schemas.openxmlformats.org/drawingml/2006/diagram" xmlns:o="urn:schemas-microsoft-com:office:office" xmlns:v="urn:schemas-microsoft-com:vml" xmlns:pvml="urn:schemas-microsoft-com:office:powerpoint" xmlns:com="http://schemas.openxmlformats.org/drawingml/2006/compatibility" xmlns:p14="http://schemas.microsoft.com/office/powerpoint/2010/main" xmlns:p15="http://schemas.microsoft.com/office/powerpoint/2012/main" xmlns:ahyp="http://schemas.microsoft.com/office/drawing/2018/hyperlinkcolor" matchingName="Title slide" type="title">
   <p:cSld name="TITLE">
     <p:spTree>
       <p:nvGrpSpPr>
@@ -4565,7 +4565,7 @@
 </file>
 
 <file path=ppt/slideLayouts/slideLayout10.xml><?xml version="1.0" encoding="utf-8"?>
-<p:sldLayout xmlns:a="http://schemas.openxmlformats.org/drawingml/2006/main" xmlns:r="http://schemas.openxmlformats.org/officeDocument/2006/relationships" xmlns:mc="http://schemas.openxmlformats.org/markup-compatibility/2006" xmlns:mv="urn:schemas-microsoft-com:mac:vml" xmlns:p="http://schemas.openxmlformats.org/presentationml/2006/main" xmlns:c="http://schemas.openxmlformats.org/drawingml/2006/chart" xmlns:dgm="http://schemas.openxmlformats.org/drawingml/2006/diagram" xmlns:o="urn:schemas-microsoft-com:office:office" xmlns:v="urn:schemas-microsoft-com:vml" xmlns:pvml="urn:schemas-microsoft-com:office:powerpoint" xmlns:com="http://schemas.openxmlformats.org/drawingml/2006/compatibility" xmlns:p14="http://schemas.microsoft.com/office/powerpoint/2010/main" xmlns:p15="http://schemas.microsoft.com/office/powerpoint/2012/main" matchingName="Big number">
+<p:sldLayout xmlns:a="http://schemas.openxmlformats.org/drawingml/2006/main" xmlns:r="http://schemas.openxmlformats.org/officeDocument/2006/relationships" xmlns:mc="http://schemas.openxmlformats.org/markup-compatibility/2006" xmlns:mv="urn:schemas-microsoft-com:mac:vml" xmlns:p="http://schemas.openxmlformats.org/presentationml/2006/main" xmlns:c="http://schemas.openxmlformats.org/drawingml/2006/chart" xmlns:dgm="http://schemas.openxmlformats.org/drawingml/2006/diagram" xmlns:o="urn:schemas-microsoft-com:office:office" xmlns:v="urn:schemas-microsoft-com:vml" xmlns:pvml="urn:schemas-microsoft-com:office:powerpoint" xmlns:com="http://schemas.openxmlformats.org/drawingml/2006/compatibility" xmlns:p14="http://schemas.microsoft.com/office/powerpoint/2010/main" xmlns:p15="http://schemas.microsoft.com/office/powerpoint/2012/main" xmlns:ahyp="http://schemas.microsoft.com/office/drawing/2018/hyperlinkcolor" matchingName="Big number">
   <p:cSld name="BIG_NUMBER">
     <p:spTree>
       <p:nvGrpSpPr>
@@ -4921,7 +4921,7 @@
 </file>
 
 <file path=ppt/slideLayouts/slideLayout11.xml><?xml version="1.0" encoding="utf-8"?>
-<p:sldLayout xmlns:a="http://schemas.openxmlformats.org/drawingml/2006/main" xmlns:r="http://schemas.openxmlformats.org/officeDocument/2006/relationships" xmlns:mc="http://schemas.openxmlformats.org/markup-compatibility/2006" xmlns:mv="urn:schemas-microsoft-com:mac:vml" xmlns:p="http://schemas.openxmlformats.org/presentationml/2006/main" xmlns:c="http://schemas.openxmlformats.org/drawingml/2006/chart" xmlns:dgm="http://schemas.openxmlformats.org/drawingml/2006/diagram" xmlns:o="urn:schemas-microsoft-com:office:office" xmlns:v="urn:schemas-microsoft-com:vml" xmlns:pvml="urn:schemas-microsoft-com:office:powerpoint" xmlns:com="http://schemas.openxmlformats.org/drawingml/2006/compatibility" xmlns:p14="http://schemas.microsoft.com/office/powerpoint/2010/main" xmlns:p15="http://schemas.microsoft.com/office/powerpoint/2012/main" matchingName="Blank" type="blank">
+<p:sldLayout xmlns:a="http://schemas.openxmlformats.org/drawingml/2006/main" xmlns:r="http://schemas.openxmlformats.org/officeDocument/2006/relationships" xmlns:mc="http://schemas.openxmlformats.org/markup-compatibility/2006" xmlns:mv="urn:schemas-microsoft-com:mac:vml" xmlns:p="http://schemas.openxmlformats.org/presentationml/2006/main" xmlns:c="http://schemas.openxmlformats.org/drawingml/2006/chart" xmlns:dgm="http://schemas.openxmlformats.org/drawingml/2006/diagram" xmlns:o="urn:schemas-microsoft-com:office:office" xmlns:v="urn:schemas-microsoft-com:vml" xmlns:pvml="urn:schemas-microsoft-com:office:powerpoint" xmlns:com="http://schemas.openxmlformats.org/drawingml/2006/compatibility" xmlns:p14="http://schemas.microsoft.com/office/powerpoint/2010/main" xmlns:p15="http://schemas.microsoft.com/office/powerpoint/2012/main" xmlns:ahyp="http://schemas.microsoft.com/office/drawing/2018/hyperlinkcolor" matchingName="Blank" type="blank">
   <p:cSld name="BLANK">
     <p:spTree>
       <p:nvGrpSpPr>
@@ -5023,7 +5023,7 @@
 </file>
 
 <file path=ppt/slideLayouts/slideLayout2.xml><?xml version="1.0" encoding="utf-8"?>
-<p:sldLayout xmlns:a="http://schemas.openxmlformats.org/drawingml/2006/main" xmlns:r="http://schemas.openxmlformats.org/officeDocument/2006/relationships" xmlns:mc="http://schemas.openxmlformats.org/markup-compatibility/2006" xmlns:mv="urn:schemas-microsoft-com:mac:vml" xmlns:p="http://schemas.openxmlformats.org/presentationml/2006/main" xmlns:c="http://schemas.openxmlformats.org/drawingml/2006/chart" xmlns:dgm="http://schemas.openxmlformats.org/drawingml/2006/diagram" xmlns:o="urn:schemas-microsoft-com:office:office" xmlns:v="urn:schemas-microsoft-com:vml" xmlns:pvml="urn:schemas-microsoft-com:office:powerpoint" xmlns:com="http://schemas.openxmlformats.org/drawingml/2006/compatibility" xmlns:p14="http://schemas.microsoft.com/office/powerpoint/2010/main" xmlns:p15="http://schemas.microsoft.com/office/powerpoint/2012/main" matchingName="Section header" type="secHead">
+<p:sldLayout xmlns:a="http://schemas.openxmlformats.org/drawingml/2006/main" xmlns:r="http://schemas.openxmlformats.org/officeDocument/2006/relationships" xmlns:mc="http://schemas.openxmlformats.org/markup-compatibility/2006" xmlns:mv="urn:schemas-microsoft-com:mac:vml" xmlns:p="http://schemas.openxmlformats.org/presentationml/2006/main" xmlns:c="http://schemas.openxmlformats.org/drawingml/2006/chart" xmlns:dgm="http://schemas.openxmlformats.org/drawingml/2006/diagram" xmlns:o="urn:schemas-microsoft-com:office:office" xmlns:v="urn:schemas-microsoft-com:vml" xmlns:pvml="urn:schemas-microsoft-com:office:powerpoint" xmlns:com="http://schemas.openxmlformats.org/drawingml/2006/compatibility" xmlns:p14="http://schemas.microsoft.com/office/powerpoint/2010/main" xmlns:p15="http://schemas.microsoft.com/office/powerpoint/2012/main" xmlns:ahyp="http://schemas.microsoft.com/office/drawing/2018/hyperlinkcolor" matchingName="Section header" type="secHead">
   <p:cSld name="SECTION_HEADER">
     <p:spTree>
       <p:nvGrpSpPr>
@@ -5250,7 +5250,7 @@
 </file>
 
 <file path=ppt/slideLayouts/slideLayout3.xml><?xml version="1.0" encoding="utf-8"?>
-<p:sldLayout xmlns:a="http://schemas.openxmlformats.org/drawingml/2006/main" xmlns:r="http://schemas.openxmlformats.org/officeDocument/2006/relationships" xmlns:mc="http://schemas.openxmlformats.org/markup-compatibility/2006" xmlns:mv="urn:schemas-microsoft-com:mac:vml" xmlns:p="http://schemas.openxmlformats.org/presentationml/2006/main" xmlns:c="http://schemas.openxmlformats.org/drawingml/2006/chart" xmlns:dgm="http://schemas.openxmlformats.org/drawingml/2006/diagram" xmlns:o="urn:schemas-microsoft-com:office:office" xmlns:v="urn:schemas-microsoft-com:vml" xmlns:pvml="urn:schemas-microsoft-com:office:powerpoint" xmlns:com="http://schemas.openxmlformats.org/drawingml/2006/compatibility" xmlns:p14="http://schemas.microsoft.com/office/powerpoint/2010/main" xmlns:p15="http://schemas.microsoft.com/office/powerpoint/2012/main" matchingName="Title and body" type="tx">
+<p:sldLayout xmlns:a="http://schemas.openxmlformats.org/drawingml/2006/main" xmlns:r="http://schemas.openxmlformats.org/officeDocument/2006/relationships" xmlns:mc="http://schemas.openxmlformats.org/markup-compatibility/2006" xmlns:mv="urn:schemas-microsoft-com:mac:vml" xmlns:p="http://schemas.openxmlformats.org/presentationml/2006/main" xmlns:c="http://schemas.openxmlformats.org/drawingml/2006/chart" xmlns:dgm="http://schemas.openxmlformats.org/drawingml/2006/diagram" xmlns:o="urn:schemas-microsoft-com:office:office" xmlns:v="urn:schemas-microsoft-com:vml" xmlns:pvml="urn:schemas-microsoft-com:office:powerpoint" xmlns:com="http://schemas.openxmlformats.org/drawingml/2006/compatibility" xmlns:p14="http://schemas.microsoft.com/office/powerpoint/2010/main" xmlns:p15="http://schemas.microsoft.com/office/powerpoint/2012/main" xmlns:ahyp="http://schemas.microsoft.com/office/drawing/2018/hyperlinkcolor" matchingName="Title and body" type="tx">
   <p:cSld name="TITLE_AND_BODY">
     <p:spTree>
       <p:nvGrpSpPr>
@@ -5602,7 +5602,7 @@
 </file>
 
 <file path=ppt/slideLayouts/slideLayout4.xml><?xml version="1.0" encoding="utf-8"?>
-<p:sldLayout xmlns:a="http://schemas.openxmlformats.org/drawingml/2006/main" xmlns:r="http://schemas.openxmlformats.org/officeDocument/2006/relationships" xmlns:mc="http://schemas.openxmlformats.org/markup-compatibility/2006" xmlns:mv="urn:schemas-microsoft-com:mac:vml" xmlns:p="http://schemas.openxmlformats.org/presentationml/2006/main" xmlns:c="http://schemas.openxmlformats.org/drawingml/2006/chart" xmlns:dgm="http://schemas.openxmlformats.org/drawingml/2006/diagram" xmlns:o="urn:schemas-microsoft-com:office:office" xmlns:v="urn:schemas-microsoft-com:vml" xmlns:pvml="urn:schemas-microsoft-com:office:powerpoint" xmlns:com="http://schemas.openxmlformats.org/drawingml/2006/compatibility" xmlns:p14="http://schemas.microsoft.com/office/powerpoint/2010/main" xmlns:p15="http://schemas.microsoft.com/office/powerpoint/2012/main" matchingName="Title and two columns" type="twoColTx">
+<p:sldLayout xmlns:a="http://schemas.openxmlformats.org/drawingml/2006/main" xmlns:r="http://schemas.openxmlformats.org/officeDocument/2006/relationships" xmlns:mc="http://schemas.openxmlformats.org/markup-compatibility/2006" xmlns:mv="urn:schemas-microsoft-com:mac:vml" xmlns:p="http://schemas.openxmlformats.org/presentationml/2006/main" xmlns:c="http://schemas.openxmlformats.org/drawingml/2006/chart" xmlns:dgm="http://schemas.openxmlformats.org/drawingml/2006/diagram" xmlns:o="urn:schemas-microsoft-com:office:office" xmlns:v="urn:schemas-microsoft-com:vml" xmlns:pvml="urn:schemas-microsoft-com:office:powerpoint" xmlns:com="http://schemas.openxmlformats.org/drawingml/2006/compatibility" xmlns:p14="http://schemas.microsoft.com/office/powerpoint/2010/main" xmlns:p15="http://schemas.microsoft.com/office/powerpoint/2012/main" xmlns:ahyp="http://schemas.microsoft.com/office/drawing/2018/hyperlinkcolor" matchingName="Title and two columns" type="twoColTx">
   <p:cSld name="TITLE_AND_TWO_COLUMNS">
     <p:spTree>
       <p:nvGrpSpPr>
@@ -6079,7 +6079,7 @@
 </file>
 
 <file path=ppt/slideLayouts/slideLayout5.xml><?xml version="1.0" encoding="utf-8"?>
-<p:sldLayout xmlns:a="http://schemas.openxmlformats.org/drawingml/2006/main" xmlns:r="http://schemas.openxmlformats.org/officeDocument/2006/relationships" xmlns:mc="http://schemas.openxmlformats.org/markup-compatibility/2006" xmlns:mv="urn:schemas-microsoft-com:mac:vml" xmlns:p="http://schemas.openxmlformats.org/presentationml/2006/main" xmlns:c="http://schemas.openxmlformats.org/drawingml/2006/chart" xmlns:dgm="http://schemas.openxmlformats.org/drawingml/2006/diagram" xmlns:o="urn:schemas-microsoft-com:office:office" xmlns:v="urn:schemas-microsoft-com:vml" xmlns:pvml="urn:schemas-microsoft-com:office:powerpoint" xmlns:com="http://schemas.openxmlformats.org/drawingml/2006/compatibility" xmlns:p14="http://schemas.microsoft.com/office/powerpoint/2010/main" xmlns:p15="http://schemas.microsoft.com/office/powerpoint/2012/main" matchingName="Title only" type="titleOnly">
+<p:sldLayout xmlns:a="http://schemas.openxmlformats.org/drawingml/2006/main" xmlns:r="http://schemas.openxmlformats.org/officeDocument/2006/relationships" xmlns:mc="http://schemas.openxmlformats.org/markup-compatibility/2006" xmlns:mv="urn:schemas-microsoft-com:mac:vml" xmlns:p="http://schemas.openxmlformats.org/presentationml/2006/main" xmlns:c="http://schemas.openxmlformats.org/drawingml/2006/chart" xmlns:dgm="http://schemas.openxmlformats.org/drawingml/2006/diagram" xmlns:o="urn:schemas-microsoft-com:office:office" xmlns:v="urn:schemas-microsoft-com:vml" xmlns:pvml="urn:schemas-microsoft-com:office:powerpoint" xmlns:com="http://schemas.openxmlformats.org/drawingml/2006/compatibility" xmlns:p14="http://schemas.microsoft.com/office/powerpoint/2010/main" xmlns:p15="http://schemas.microsoft.com/office/powerpoint/2012/main" xmlns:ahyp="http://schemas.microsoft.com/office/drawing/2018/hyperlinkcolor" matchingName="Title only" type="titleOnly">
   <p:cSld name="TITLE_ONLY">
     <p:spTree>
       <p:nvGrpSpPr>
@@ -6306,7 +6306,7 @@
 </file>
 
 <file path=ppt/slideLayouts/slideLayout6.xml><?xml version="1.0" encoding="utf-8"?>
-<p:sldLayout xmlns:a="http://schemas.openxmlformats.org/drawingml/2006/main" xmlns:r="http://schemas.openxmlformats.org/officeDocument/2006/relationships" xmlns:mc="http://schemas.openxmlformats.org/markup-compatibility/2006" xmlns:mv="urn:schemas-microsoft-com:mac:vml" xmlns:p="http://schemas.openxmlformats.org/presentationml/2006/main" xmlns:c="http://schemas.openxmlformats.org/drawingml/2006/chart" xmlns:dgm="http://schemas.openxmlformats.org/drawingml/2006/diagram" xmlns:o="urn:schemas-microsoft-com:office:office" xmlns:v="urn:schemas-microsoft-com:vml" xmlns:pvml="urn:schemas-microsoft-com:office:powerpoint" xmlns:com="http://schemas.openxmlformats.org/drawingml/2006/compatibility" xmlns:p14="http://schemas.microsoft.com/office/powerpoint/2010/main" xmlns:p15="http://schemas.microsoft.com/office/powerpoint/2012/main" matchingName="One column text">
+<p:sldLayout xmlns:a="http://schemas.openxmlformats.org/drawingml/2006/main" xmlns:r="http://schemas.openxmlformats.org/officeDocument/2006/relationships" xmlns:mc="http://schemas.openxmlformats.org/markup-compatibility/2006" xmlns:mv="urn:schemas-microsoft-com:mac:vml" xmlns:p="http://schemas.openxmlformats.org/presentationml/2006/main" xmlns:c="http://schemas.openxmlformats.org/drawingml/2006/chart" xmlns:dgm="http://schemas.openxmlformats.org/drawingml/2006/diagram" xmlns:o="urn:schemas-microsoft-com:office:office" xmlns:v="urn:schemas-microsoft-com:vml" xmlns:pvml="urn:schemas-microsoft-com:office:powerpoint" xmlns:com="http://schemas.openxmlformats.org/drawingml/2006/compatibility" xmlns:p14="http://schemas.microsoft.com/office/powerpoint/2010/main" xmlns:p15="http://schemas.microsoft.com/office/powerpoint/2012/main" xmlns:ahyp="http://schemas.microsoft.com/office/drawing/2018/hyperlinkcolor" matchingName="One column text">
   <p:cSld name="ONE_COLUMN_TEXT">
     <p:spTree>
       <p:nvGrpSpPr>
@@ -6658,7 +6658,7 @@
 </file>
 
 <file path=ppt/slideLayouts/slideLayout7.xml><?xml version="1.0" encoding="utf-8"?>
-<p:sldLayout xmlns:a="http://schemas.openxmlformats.org/drawingml/2006/main" xmlns:r="http://schemas.openxmlformats.org/officeDocument/2006/relationships" xmlns:mc="http://schemas.openxmlformats.org/markup-compatibility/2006" xmlns:mv="urn:schemas-microsoft-com:mac:vml" xmlns:p="http://schemas.openxmlformats.org/presentationml/2006/main" xmlns:c="http://schemas.openxmlformats.org/drawingml/2006/chart" xmlns:dgm="http://schemas.openxmlformats.org/drawingml/2006/diagram" xmlns:o="urn:schemas-microsoft-com:office:office" xmlns:v="urn:schemas-microsoft-com:vml" xmlns:pvml="urn:schemas-microsoft-com:office:powerpoint" xmlns:com="http://schemas.openxmlformats.org/drawingml/2006/compatibility" xmlns:p14="http://schemas.microsoft.com/office/powerpoint/2010/main" xmlns:p15="http://schemas.microsoft.com/office/powerpoint/2012/main" matchingName="Main point">
+<p:sldLayout xmlns:a="http://schemas.openxmlformats.org/drawingml/2006/main" xmlns:r="http://schemas.openxmlformats.org/officeDocument/2006/relationships" xmlns:mc="http://schemas.openxmlformats.org/markup-compatibility/2006" xmlns:mv="urn:schemas-microsoft-com:mac:vml" xmlns:p="http://schemas.openxmlformats.org/presentationml/2006/main" xmlns:c="http://schemas.openxmlformats.org/drawingml/2006/chart" xmlns:dgm="http://schemas.openxmlformats.org/drawingml/2006/diagram" xmlns:o="urn:schemas-microsoft-com:office:office" xmlns:v="urn:schemas-microsoft-com:vml" xmlns:pvml="urn:schemas-microsoft-com:office:powerpoint" xmlns:com="http://schemas.openxmlformats.org/drawingml/2006/compatibility" xmlns:p14="http://schemas.microsoft.com/office/powerpoint/2010/main" xmlns:p15="http://schemas.microsoft.com/office/powerpoint/2012/main" xmlns:ahyp="http://schemas.microsoft.com/office/drawing/2018/hyperlinkcolor" matchingName="Main point">
   <p:cSld name="MAIN_POINT">
     <p:spTree>
       <p:nvGrpSpPr>
@@ -6885,7 +6885,7 @@
 </file>
 
 <file path=ppt/slideLayouts/slideLayout8.xml><?xml version="1.0" encoding="utf-8"?>
-<p:sldLayout xmlns:a="http://schemas.openxmlformats.org/drawingml/2006/main" xmlns:r="http://schemas.openxmlformats.org/officeDocument/2006/relationships" xmlns:mc="http://schemas.openxmlformats.org/markup-compatibility/2006" xmlns:mv="urn:schemas-microsoft-com:mac:vml" xmlns:p="http://schemas.openxmlformats.org/presentationml/2006/main" xmlns:c="http://schemas.openxmlformats.org/drawingml/2006/chart" xmlns:dgm="http://schemas.openxmlformats.org/drawingml/2006/diagram" xmlns:o="urn:schemas-microsoft-com:office:office" xmlns:v="urn:schemas-microsoft-com:vml" xmlns:pvml="urn:schemas-microsoft-com:office:powerpoint" xmlns:com="http://schemas.openxmlformats.org/drawingml/2006/compatibility" xmlns:p14="http://schemas.microsoft.com/office/powerpoint/2010/main" xmlns:p15="http://schemas.microsoft.com/office/powerpoint/2012/main" matchingName="Section title and description">
+<p:sldLayout xmlns:a="http://schemas.openxmlformats.org/drawingml/2006/main" xmlns:r="http://schemas.openxmlformats.org/officeDocument/2006/relationships" xmlns:mc="http://schemas.openxmlformats.org/markup-compatibility/2006" xmlns:mv="urn:schemas-microsoft-com:mac:vml" xmlns:p="http://schemas.openxmlformats.org/presentationml/2006/main" xmlns:c="http://schemas.openxmlformats.org/drawingml/2006/chart" xmlns:dgm="http://schemas.openxmlformats.org/drawingml/2006/diagram" xmlns:o="urn:schemas-microsoft-com:office:office" xmlns:v="urn:schemas-microsoft-com:vml" xmlns:pvml="urn:schemas-microsoft-com:office:powerpoint" xmlns:com="http://schemas.openxmlformats.org/drawingml/2006/compatibility" xmlns:p14="http://schemas.microsoft.com/office/powerpoint/2010/main" xmlns:p15="http://schemas.microsoft.com/office/powerpoint/2012/main" xmlns:ahyp="http://schemas.microsoft.com/office/drawing/2018/hyperlinkcolor" matchingName="Section title and description">
   <p:cSld name="SECTION_TITLE_AND_DESCRIPTION">
     <p:spTree>
       <p:nvGrpSpPr>
@@ -7432,7 +7432,7 @@
 </file>
 
 <file path=ppt/slideLayouts/slideLayout9.xml><?xml version="1.0" encoding="utf-8"?>
-<p:sldLayout xmlns:a="http://schemas.openxmlformats.org/drawingml/2006/main" xmlns:r="http://schemas.openxmlformats.org/officeDocument/2006/relationships" xmlns:mc="http://schemas.openxmlformats.org/markup-compatibility/2006" xmlns:mv="urn:schemas-microsoft-com:mac:vml" xmlns:p="http://schemas.openxmlformats.org/presentationml/2006/main" xmlns:c="http://schemas.openxmlformats.org/drawingml/2006/chart" xmlns:dgm="http://schemas.openxmlformats.org/drawingml/2006/diagram" xmlns:o="urn:schemas-microsoft-com:office:office" xmlns:v="urn:schemas-microsoft-com:vml" xmlns:pvml="urn:schemas-microsoft-com:office:powerpoint" xmlns:com="http://schemas.openxmlformats.org/drawingml/2006/compatibility" xmlns:p14="http://schemas.microsoft.com/office/powerpoint/2010/main" xmlns:p15="http://schemas.microsoft.com/office/powerpoint/2012/main" matchingName="Caption">
+<p:sldLayout xmlns:a="http://schemas.openxmlformats.org/drawingml/2006/main" xmlns:r="http://schemas.openxmlformats.org/officeDocument/2006/relationships" xmlns:mc="http://schemas.openxmlformats.org/markup-compatibility/2006" xmlns:mv="urn:schemas-microsoft-com:mac:vml" xmlns:p="http://schemas.openxmlformats.org/presentationml/2006/main" xmlns:c="http://schemas.openxmlformats.org/drawingml/2006/chart" xmlns:dgm="http://schemas.openxmlformats.org/drawingml/2006/diagram" xmlns:o="urn:schemas-microsoft-com:office:office" xmlns:v="urn:schemas-microsoft-com:vml" xmlns:pvml="urn:schemas-microsoft-com:office:powerpoint" xmlns:com="http://schemas.openxmlformats.org/drawingml/2006/compatibility" xmlns:p14="http://schemas.microsoft.com/office/powerpoint/2010/main" xmlns:p15="http://schemas.microsoft.com/office/powerpoint/2012/main" xmlns:ahyp="http://schemas.microsoft.com/office/drawing/2018/hyperlinkcolor" matchingName="Caption">
   <p:cSld name="CAPTION_ONLY">
     <p:spTree>
       <p:nvGrpSpPr>
@@ -7574,7 +7574,7 @@
 </file>
 
 <file path=ppt/slideMasters/slideMaster1.xml><?xml version="1.0" encoding="utf-8"?>
-<p:sldMaster xmlns:a="http://schemas.openxmlformats.org/drawingml/2006/main" xmlns:r="http://schemas.openxmlformats.org/officeDocument/2006/relationships" xmlns:mc="http://schemas.openxmlformats.org/markup-compatibility/2006" xmlns:mv="urn:schemas-microsoft-com:mac:vml" xmlns:p="http://schemas.openxmlformats.org/presentationml/2006/main" xmlns:c="http://schemas.openxmlformats.org/drawingml/2006/chart" xmlns:dgm="http://schemas.openxmlformats.org/drawingml/2006/diagram" xmlns:o="urn:schemas-microsoft-com:office:office" xmlns:v="urn:schemas-microsoft-com:vml" xmlns:pvml="urn:schemas-microsoft-com:office:powerpoint" xmlns:com="http://schemas.openxmlformats.org/drawingml/2006/compatibility" xmlns:p14="http://schemas.microsoft.com/office/powerpoint/2010/main" xmlns:p15="http://schemas.microsoft.com/office/powerpoint/2012/main">
+<p:sldMaster xmlns:a="http://schemas.openxmlformats.org/drawingml/2006/main" xmlns:r="http://schemas.openxmlformats.org/officeDocument/2006/relationships" xmlns:mc="http://schemas.openxmlformats.org/markup-compatibility/2006" xmlns:mv="urn:schemas-microsoft-com:mac:vml" xmlns:p="http://schemas.openxmlformats.org/presentationml/2006/main" xmlns:c="http://schemas.openxmlformats.org/drawingml/2006/chart" xmlns:dgm="http://schemas.openxmlformats.org/drawingml/2006/diagram" xmlns:o="urn:schemas-microsoft-com:office:office" xmlns:v="urn:schemas-microsoft-com:vml" xmlns:pvml="urn:schemas-microsoft-com:office:powerpoint" xmlns:com="http://schemas.openxmlformats.org/drawingml/2006/compatibility" xmlns:p14="http://schemas.microsoft.com/office/powerpoint/2010/main" xmlns:p15="http://schemas.microsoft.com/office/powerpoint/2012/main" xmlns:ahyp="http://schemas.microsoft.com/office/drawing/2018/hyperlinkcolor">
   <p:cSld name="simple-light-2">
     <p:bg>
       <p:bgPr>
@@ -8835,7 +8835,7 @@
 </file>
 
 <file path=ppt/slides/slide1.xml><?xml version="1.0" encoding="utf-8"?>
-<p:sld xmlns:a="http://schemas.openxmlformats.org/drawingml/2006/main" xmlns:r="http://schemas.openxmlformats.org/officeDocument/2006/relationships" xmlns:mc="http://schemas.openxmlformats.org/markup-compatibility/2006" xmlns:mv="urn:schemas-microsoft-com:mac:vml" xmlns:p="http://schemas.openxmlformats.org/presentationml/2006/main" xmlns:c="http://schemas.openxmlformats.org/drawingml/2006/chart" xmlns:dgm="http://schemas.openxmlformats.org/drawingml/2006/diagram" xmlns:o="urn:schemas-microsoft-com:office:office" xmlns:v="urn:schemas-microsoft-com:vml" xmlns:pvml="urn:schemas-microsoft-com:office:powerpoint" xmlns:com="http://schemas.openxmlformats.org/drawingml/2006/compatibility" xmlns:p14="http://schemas.microsoft.com/office/powerpoint/2010/main" xmlns:p15="http://schemas.microsoft.com/office/powerpoint/2012/main">
+<p:sld xmlns:a="http://schemas.openxmlformats.org/drawingml/2006/main" xmlns:r="http://schemas.openxmlformats.org/officeDocument/2006/relationships" xmlns:mc="http://schemas.openxmlformats.org/markup-compatibility/2006" xmlns:mv="urn:schemas-microsoft-com:mac:vml" xmlns:p="http://schemas.openxmlformats.org/presentationml/2006/main" xmlns:c="http://schemas.openxmlformats.org/drawingml/2006/chart" xmlns:dgm="http://schemas.openxmlformats.org/drawingml/2006/diagram" xmlns:o="urn:schemas-microsoft-com:office:office" xmlns:v="urn:schemas-microsoft-com:vml" xmlns:pvml="urn:schemas-microsoft-com:office:powerpoint" xmlns:com="http://schemas.openxmlformats.org/drawingml/2006/compatibility" xmlns:p14="http://schemas.microsoft.com/office/powerpoint/2010/main" xmlns:p15="http://schemas.microsoft.com/office/powerpoint/2012/main" xmlns:ahyp="http://schemas.microsoft.com/office/drawing/2018/hyperlinkcolor">
   <p:cSld>
     <p:spTree>
       <p:nvGrpSpPr>
@@ -9163,7 +9163,7 @@
 </file>
 
 <file path=ppt/slides/slide10.xml><?xml version="1.0" encoding="utf-8"?>
-<p:sld xmlns:a="http://schemas.openxmlformats.org/drawingml/2006/main" xmlns:r="http://schemas.openxmlformats.org/officeDocument/2006/relationships" xmlns:mc="http://schemas.openxmlformats.org/markup-compatibility/2006" xmlns:mv="urn:schemas-microsoft-com:mac:vml" xmlns:p="http://schemas.openxmlformats.org/presentationml/2006/main" xmlns:c="http://schemas.openxmlformats.org/drawingml/2006/chart" xmlns:dgm="http://schemas.openxmlformats.org/drawingml/2006/diagram" xmlns:o="urn:schemas-microsoft-com:office:office" xmlns:v="urn:schemas-microsoft-com:vml" xmlns:pvml="urn:schemas-microsoft-com:office:powerpoint" xmlns:com="http://schemas.openxmlformats.org/drawingml/2006/compatibility" xmlns:p14="http://schemas.microsoft.com/office/powerpoint/2010/main" xmlns:p15="http://schemas.microsoft.com/office/powerpoint/2012/main">
+<p:sld xmlns:a="http://schemas.openxmlformats.org/drawingml/2006/main" xmlns:r="http://schemas.openxmlformats.org/officeDocument/2006/relationships" xmlns:mc="http://schemas.openxmlformats.org/markup-compatibility/2006" xmlns:mv="urn:schemas-microsoft-com:mac:vml" xmlns:p="http://schemas.openxmlformats.org/presentationml/2006/main" xmlns:c="http://schemas.openxmlformats.org/drawingml/2006/chart" xmlns:dgm="http://schemas.openxmlformats.org/drawingml/2006/diagram" xmlns:o="urn:schemas-microsoft-com:office:office" xmlns:v="urn:schemas-microsoft-com:vml" xmlns:pvml="urn:schemas-microsoft-com:office:powerpoint" xmlns:com="http://schemas.openxmlformats.org/drawingml/2006/compatibility" xmlns:p14="http://schemas.microsoft.com/office/powerpoint/2010/main" xmlns:p15="http://schemas.microsoft.com/office/powerpoint/2012/main" xmlns:ahyp="http://schemas.microsoft.com/office/drawing/2018/hyperlinkcolor">
   <p:cSld>
     <p:spTree>
       <p:nvGrpSpPr>
@@ -9701,7 +9701,7 @@
 </file>
 
 <file path=ppt/slides/slide11.xml><?xml version="1.0" encoding="utf-8"?>
-<p:sld xmlns:a="http://schemas.openxmlformats.org/drawingml/2006/main" xmlns:r="http://schemas.openxmlformats.org/officeDocument/2006/relationships" xmlns:mc="http://schemas.openxmlformats.org/markup-compatibility/2006" xmlns:mv="urn:schemas-microsoft-com:mac:vml" xmlns:p="http://schemas.openxmlformats.org/presentationml/2006/main" xmlns:c="http://schemas.openxmlformats.org/drawingml/2006/chart" xmlns:dgm="http://schemas.openxmlformats.org/drawingml/2006/diagram" xmlns:o="urn:schemas-microsoft-com:office:office" xmlns:v="urn:schemas-microsoft-com:vml" xmlns:pvml="urn:schemas-microsoft-com:office:powerpoint" xmlns:com="http://schemas.openxmlformats.org/drawingml/2006/compatibility" xmlns:p14="http://schemas.microsoft.com/office/powerpoint/2010/main" xmlns:p15="http://schemas.microsoft.com/office/powerpoint/2012/main">
+<p:sld xmlns:a="http://schemas.openxmlformats.org/drawingml/2006/main" xmlns:r="http://schemas.openxmlformats.org/officeDocument/2006/relationships" xmlns:mc="http://schemas.openxmlformats.org/markup-compatibility/2006" xmlns:mv="urn:schemas-microsoft-com:mac:vml" xmlns:p="http://schemas.openxmlformats.org/presentationml/2006/main" xmlns:c="http://schemas.openxmlformats.org/drawingml/2006/chart" xmlns:dgm="http://schemas.openxmlformats.org/drawingml/2006/diagram" xmlns:o="urn:schemas-microsoft-com:office:office" xmlns:v="urn:schemas-microsoft-com:vml" xmlns:pvml="urn:schemas-microsoft-com:office:powerpoint" xmlns:com="http://schemas.openxmlformats.org/drawingml/2006/compatibility" xmlns:p14="http://schemas.microsoft.com/office/powerpoint/2010/main" xmlns:p15="http://schemas.microsoft.com/office/powerpoint/2012/main" xmlns:ahyp="http://schemas.microsoft.com/office/drawing/2018/hyperlinkcolor">
   <p:cSld>
     <p:spTree>
       <p:nvGrpSpPr>
@@ -10393,7 +10393,7 @@
 </file>
 
 <file path=ppt/slides/slide12.xml><?xml version="1.0" encoding="utf-8"?>
-<p:sld xmlns:a="http://schemas.openxmlformats.org/drawingml/2006/main" xmlns:r="http://schemas.openxmlformats.org/officeDocument/2006/relationships" xmlns:mc="http://schemas.openxmlformats.org/markup-compatibility/2006" xmlns:mv="urn:schemas-microsoft-com:mac:vml" xmlns:p="http://schemas.openxmlformats.org/presentationml/2006/main" xmlns:c="http://schemas.openxmlformats.org/drawingml/2006/chart" xmlns:dgm="http://schemas.openxmlformats.org/drawingml/2006/diagram" xmlns:o="urn:schemas-microsoft-com:office:office" xmlns:v="urn:schemas-microsoft-com:vml" xmlns:pvml="urn:schemas-microsoft-com:office:powerpoint" xmlns:com="http://schemas.openxmlformats.org/drawingml/2006/compatibility" xmlns:p14="http://schemas.microsoft.com/office/powerpoint/2010/main" xmlns:p15="http://schemas.microsoft.com/office/powerpoint/2012/main">
+<p:sld xmlns:a="http://schemas.openxmlformats.org/drawingml/2006/main" xmlns:r="http://schemas.openxmlformats.org/officeDocument/2006/relationships" xmlns:mc="http://schemas.openxmlformats.org/markup-compatibility/2006" xmlns:mv="urn:schemas-microsoft-com:mac:vml" xmlns:p="http://schemas.openxmlformats.org/presentationml/2006/main" xmlns:c="http://schemas.openxmlformats.org/drawingml/2006/chart" xmlns:dgm="http://schemas.openxmlformats.org/drawingml/2006/diagram" xmlns:o="urn:schemas-microsoft-com:office:office" xmlns:v="urn:schemas-microsoft-com:vml" xmlns:pvml="urn:schemas-microsoft-com:office:powerpoint" xmlns:com="http://schemas.openxmlformats.org/drawingml/2006/compatibility" xmlns:p14="http://schemas.microsoft.com/office/powerpoint/2010/main" xmlns:p15="http://schemas.microsoft.com/office/powerpoint/2012/main" xmlns:ahyp="http://schemas.microsoft.com/office/drawing/2018/hyperlinkcolor">
   <p:cSld>
     <p:spTree>
       <p:nvGrpSpPr>
@@ -11069,7 +11069,7 @@
 </file>
 
 <file path=ppt/slides/slide13.xml><?xml version="1.0" encoding="utf-8"?>
-<p:sld xmlns:a="http://schemas.openxmlformats.org/drawingml/2006/main" xmlns:r="http://schemas.openxmlformats.org/officeDocument/2006/relationships" xmlns:mc="http://schemas.openxmlformats.org/markup-compatibility/2006" xmlns:mv="urn:schemas-microsoft-com:mac:vml" xmlns:p="http://schemas.openxmlformats.org/presentationml/2006/main" xmlns:c="http://schemas.openxmlformats.org/drawingml/2006/chart" xmlns:dgm="http://schemas.openxmlformats.org/drawingml/2006/diagram" xmlns:o="urn:schemas-microsoft-com:office:office" xmlns:v="urn:schemas-microsoft-com:vml" xmlns:pvml="urn:schemas-microsoft-com:office:powerpoint" xmlns:com="http://schemas.openxmlformats.org/drawingml/2006/compatibility" xmlns:p14="http://schemas.microsoft.com/office/powerpoint/2010/main" xmlns:p15="http://schemas.microsoft.com/office/powerpoint/2012/main">
+<p:sld xmlns:a="http://schemas.openxmlformats.org/drawingml/2006/main" xmlns:r="http://schemas.openxmlformats.org/officeDocument/2006/relationships" xmlns:mc="http://schemas.openxmlformats.org/markup-compatibility/2006" xmlns:mv="urn:schemas-microsoft-com:mac:vml" xmlns:p="http://schemas.openxmlformats.org/presentationml/2006/main" xmlns:c="http://schemas.openxmlformats.org/drawingml/2006/chart" xmlns:dgm="http://schemas.openxmlformats.org/drawingml/2006/diagram" xmlns:o="urn:schemas-microsoft-com:office:office" xmlns:v="urn:schemas-microsoft-com:vml" xmlns:pvml="urn:schemas-microsoft-com:office:powerpoint" xmlns:com="http://schemas.openxmlformats.org/drawingml/2006/compatibility" xmlns:p14="http://schemas.microsoft.com/office/powerpoint/2010/main" xmlns:p15="http://schemas.microsoft.com/office/powerpoint/2012/main" xmlns:ahyp="http://schemas.microsoft.com/office/drawing/2018/hyperlinkcolor">
   <p:cSld>
     <p:spTree>
       <p:nvGrpSpPr>
@@ -11519,7 +11519,7 @@
 </file>
 
 <file path=ppt/slides/slide14.xml><?xml version="1.0" encoding="utf-8"?>
-<p:sld xmlns:a="http://schemas.openxmlformats.org/drawingml/2006/main" xmlns:r="http://schemas.openxmlformats.org/officeDocument/2006/relationships" xmlns:mc="http://schemas.openxmlformats.org/markup-compatibility/2006" xmlns:mv="urn:schemas-microsoft-com:mac:vml" xmlns:p="http://schemas.openxmlformats.org/presentationml/2006/main" xmlns:c="http://schemas.openxmlformats.org/drawingml/2006/chart" xmlns:dgm="http://schemas.openxmlformats.org/drawingml/2006/diagram" xmlns:o="urn:schemas-microsoft-com:office:office" xmlns:v="urn:schemas-microsoft-com:vml" xmlns:pvml="urn:schemas-microsoft-com:office:powerpoint" xmlns:com="http://schemas.openxmlformats.org/drawingml/2006/compatibility" xmlns:p14="http://schemas.microsoft.com/office/powerpoint/2010/main" xmlns:p15="http://schemas.microsoft.com/office/powerpoint/2012/main">
+<p:sld xmlns:a="http://schemas.openxmlformats.org/drawingml/2006/main" xmlns:r="http://schemas.openxmlformats.org/officeDocument/2006/relationships" xmlns:mc="http://schemas.openxmlformats.org/markup-compatibility/2006" xmlns:mv="urn:schemas-microsoft-com:mac:vml" xmlns:p="http://schemas.openxmlformats.org/presentationml/2006/main" xmlns:c="http://schemas.openxmlformats.org/drawingml/2006/chart" xmlns:dgm="http://schemas.openxmlformats.org/drawingml/2006/diagram" xmlns:o="urn:schemas-microsoft-com:office:office" xmlns:v="urn:schemas-microsoft-com:vml" xmlns:pvml="urn:schemas-microsoft-com:office:powerpoint" xmlns:com="http://schemas.openxmlformats.org/drawingml/2006/compatibility" xmlns:p14="http://schemas.microsoft.com/office/powerpoint/2010/main" xmlns:p15="http://schemas.microsoft.com/office/powerpoint/2012/main" xmlns:ahyp="http://schemas.microsoft.com/office/drawing/2018/hyperlinkcolor">
   <p:cSld>
     <p:spTree>
       <p:nvGrpSpPr>
@@ -11911,7 +11911,7 @@
 </file>
 
 <file path=ppt/slides/slide15.xml><?xml version="1.0" encoding="utf-8"?>
-<p:sld xmlns:a="http://schemas.openxmlformats.org/drawingml/2006/main" xmlns:r="http://schemas.openxmlformats.org/officeDocument/2006/relationships" xmlns:mc="http://schemas.openxmlformats.org/markup-compatibility/2006" xmlns:mv="urn:schemas-microsoft-com:mac:vml" xmlns:p="http://schemas.openxmlformats.org/presentationml/2006/main" xmlns:c="http://schemas.openxmlformats.org/drawingml/2006/chart" xmlns:dgm="http://schemas.openxmlformats.org/drawingml/2006/diagram" xmlns:o="urn:schemas-microsoft-com:office:office" xmlns:v="urn:schemas-microsoft-com:vml" xmlns:pvml="urn:schemas-microsoft-com:office:powerpoint" xmlns:com="http://schemas.openxmlformats.org/drawingml/2006/compatibility" xmlns:p14="http://schemas.microsoft.com/office/powerpoint/2010/main" xmlns:p15="http://schemas.microsoft.com/office/powerpoint/2012/main">
+<p:sld xmlns:a="http://schemas.openxmlformats.org/drawingml/2006/main" xmlns:r="http://schemas.openxmlformats.org/officeDocument/2006/relationships" xmlns:mc="http://schemas.openxmlformats.org/markup-compatibility/2006" xmlns:mv="urn:schemas-microsoft-com:mac:vml" xmlns:p="http://schemas.openxmlformats.org/presentationml/2006/main" xmlns:c="http://schemas.openxmlformats.org/drawingml/2006/chart" xmlns:dgm="http://schemas.openxmlformats.org/drawingml/2006/diagram" xmlns:o="urn:schemas-microsoft-com:office:office" xmlns:v="urn:schemas-microsoft-com:vml" xmlns:pvml="urn:schemas-microsoft-com:office:powerpoint" xmlns:com="http://schemas.openxmlformats.org/drawingml/2006/compatibility" xmlns:p14="http://schemas.microsoft.com/office/powerpoint/2010/main" xmlns:p15="http://schemas.microsoft.com/office/powerpoint/2012/main" xmlns:ahyp="http://schemas.microsoft.com/office/drawing/2018/hyperlinkcolor">
   <p:cSld>
     <p:spTree>
       <p:nvGrpSpPr>
@@ -12453,7 +12453,7 @@
 </file>
 
 <file path=ppt/slides/slide16.xml><?xml version="1.0" encoding="utf-8"?>
-<p:sld xmlns:a="http://schemas.openxmlformats.org/drawingml/2006/main" xmlns:r="http://schemas.openxmlformats.org/officeDocument/2006/relationships" xmlns:mc="http://schemas.openxmlformats.org/markup-compatibility/2006" xmlns:mv="urn:schemas-microsoft-com:mac:vml" xmlns:p="http://schemas.openxmlformats.org/presentationml/2006/main" xmlns:c="http://schemas.openxmlformats.org/drawingml/2006/chart" xmlns:dgm="http://schemas.openxmlformats.org/drawingml/2006/diagram" xmlns:o="urn:schemas-microsoft-com:office:office" xmlns:v="urn:schemas-microsoft-com:vml" xmlns:pvml="urn:schemas-microsoft-com:office:powerpoint" xmlns:com="http://schemas.openxmlformats.org/drawingml/2006/compatibility" xmlns:p14="http://schemas.microsoft.com/office/powerpoint/2010/main" xmlns:p15="http://schemas.microsoft.com/office/powerpoint/2012/main">
+<p:sld xmlns:a="http://schemas.openxmlformats.org/drawingml/2006/main" xmlns:r="http://schemas.openxmlformats.org/officeDocument/2006/relationships" xmlns:mc="http://schemas.openxmlformats.org/markup-compatibility/2006" xmlns:mv="urn:schemas-microsoft-com:mac:vml" xmlns:p="http://schemas.openxmlformats.org/presentationml/2006/main" xmlns:c="http://schemas.openxmlformats.org/drawingml/2006/chart" xmlns:dgm="http://schemas.openxmlformats.org/drawingml/2006/diagram" xmlns:o="urn:schemas-microsoft-com:office:office" xmlns:v="urn:schemas-microsoft-com:vml" xmlns:pvml="urn:schemas-microsoft-com:office:powerpoint" xmlns:com="http://schemas.openxmlformats.org/drawingml/2006/compatibility" xmlns:p14="http://schemas.microsoft.com/office/powerpoint/2010/main" xmlns:p15="http://schemas.microsoft.com/office/powerpoint/2012/main" xmlns:ahyp="http://schemas.microsoft.com/office/drawing/2018/hyperlinkcolor">
   <p:cSld>
     <p:spTree>
       <p:nvGrpSpPr>
@@ -12991,7 +12991,7 @@
             <a:tbl>
               <a:tblPr>
                 <a:noFill/>
-                <a:tableStyleId>{06E8E73A-0826-48A5-8EA6-F43F8CC50709}</a:tableStyleId>
+                <a:tableStyleId>{F1C2488F-AC2D-49B0-8452-31B2D9156B33}</a:tableStyleId>
               </a:tblPr>
               <a:tblGrid>
                 <a:gridCol w="8104550"/>
@@ -13041,7 +13041,7 @@
                           <a:cs typeface="Consolas"/>
                           <a:sym typeface="Consolas"/>
                         </a:rPr>
-                        <a:t> keras</a:t>
+                        <a:t> tensorflow.keras</a:t>
                       </a:r>
                       <a:r>
                         <a:rPr lang="en" sz="1000">
@@ -13101,7 +13101,7 @@
                           <a:cs typeface="Consolas"/>
                           <a:sym typeface="Consolas"/>
                         </a:rPr>
-                        <a:t>Sequential, Conv2D, MaxPooling2D, Flatten</a:t>
+                        <a:t>Sequential</a:t>
                       </a:r>
                       <a:endParaRPr sz="1000">
                         <a:solidFill>
@@ -13153,7 +13153,7 @@
                           <a:cs typeface="Consolas"/>
                           <a:sym typeface="Consolas"/>
                         </a:rPr>
-                        <a:t> keras</a:t>
+                        <a:t> tensorflow.keras</a:t>
                       </a:r>
                       <a:r>
                         <a:rPr lang="en" sz="1000">
@@ -13285,7 +13285,7 @@
                           <a:cs typeface="Consolas"/>
                           <a:sym typeface="Consolas"/>
                         </a:rPr>
-                        <a:t>Activation</a:t>
+                        <a:t>Activation, Conv2D, MaxPooling2D, Flatten</a:t>
                       </a:r>
                       <a:endParaRPr sz="1000">
                         <a:solidFill>
@@ -13908,7 +13908,7 @@
 </file>
 
 <file path=ppt/slides/slide17.xml><?xml version="1.0" encoding="utf-8"?>
-<p:sld xmlns:a="http://schemas.openxmlformats.org/drawingml/2006/main" xmlns:r="http://schemas.openxmlformats.org/officeDocument/2006/relationships" xmlns:mc="http://schemas.openxmlformats.org/markup-compatibility/2006" xmlns:mv="urn:schemas-microsoft-com:mac:vml" xmlns:p="http://schemas.openxmlformats.org/presentationml/2006/main" xmlns:c="http://schemas.openxmlformats.org/drawingml/2006/chart" xmlns:dgm="http://schemas.openxmlformats.org/drawingml/2006/diagram" xmlns:o="urn:schemas-microsoft-com:office:office" xmlns:v="urn:schemas-microsoft-com:vml" xmlns:pvml="urn:schemas-microsoft-com:office:powerpoint" xmlns:com="http://schemas.openxmlformats.org/drawingml/2006/compatibility" xmlns:p14="http://schemas.microsoft.com/office/powerpoint/2010/main" xmlns:p15="http://schemas.microsoft.com/office/powerpoint/2012/main">
+<p:sld xmlns:a="http://schemas.openxmlformats.org/drawingml/2006/main" xmlns:r="http://schemas.openxmlformats.org/officeDocument/2006/relationships" xmlns:mc="http://schemas.openxmlformats.org/markup-compatibility/2006" xmlns:mv="urn:schemas-microsoft-com:mac:vml" xmlns:p="http://schemas.openxmlformats.org/presentationml/2006/main" xmlns:c="http://schemas.openxmlformats.org/drawingml/2006/chart" xmlns:dgm="http://schemas.openxmlformats.org/drawingml/2006/diagram" xmlns:o="urn:schemas-microsoft-com:office:office" xmlns:v="urn:schemas-microsoft-com:vml" xmlns:pvml="urn:schemas-microsoft-com:office:powerpoint" xmlns:com="http://schemas.openxmlformats.org/drawingml/2006/compatibility" xmlns:p14="http://schemas.microsoft.com/office/powerpoint/2010/main" xmlns:p15="http://schemas.microsoft.com/office/powerpoint/2012/main" xmlns:ahyp="http://schemas.microsoft.com/office/drawing/2018/hyperlinkcolor">
   <p:cSld>
     <p:spTree>
       <p:nvGrpSpPr>
@@ -14294,7 +14294,7 @@
             <a:tbl>
               <a:tblPr>
                 <a:noFill/>
-                <a:tableStyleId>{06E8E73A-0826-48A5-8EA6-F43F8CC50709}</a:tableStyleId>
+                <a:tableStyleId>{F1C2488F-AC2D-49B0-8452-31B2D9156B33}</a:tableStyleId>
               </a:tblPr>
               <a:tblGrid>
                 <a:gridCol w="8104550"/>
@@ -14918,7 +14918,7 @@
 </file>
 
 <file path=ppt/slides/slide18.xml><?xml version="1.0" encoding="utf-8"?>
-<p:sld xmlns:a="http://schemas.openxmlformats.org/drawingml/2006/main" xmlns:r="http://schemas.openxmlformats.org/officeDocument/2006/relationships" xmlns:mc="http://schemas.openxmlformats.org/markup-compatibility/2006" xmlns:mv="urn:schemas-microsoft-com:mac:vml" xmlns:p="http://schemas.openxmlformats.org/presentationml/2006/main" xmlns:c="http://schemas.openxmlformats.org/drawingml/2006/chart" xmlns:dgm="http://schemas.openxmlformats.org/drawingml/2006/diagram" xmlns:o="urn:schemas-microsoft-com:office:office" xmlns:v="urn:schemas-microsoft-com:vml" xmlns:pvml="urn:schemas-microsoft-com:office:powerpoint" xmlns:com="http://schemas.openxmlformats.org/drawingml/2006/compatibility" xmlns:p14="http://schemas.microsoft.com/office/powerpoint/2010/main" xmlns:p15="http://schemas.microsoft.com/office/powerpoint/2012/main">
+<p:sld xmlns:a="http://schemas.openxmlformats.org/drawingml/2006/main" xmlns:r="http://schemas.openxmlformats.org/officeDocument/2006/relationships" xmlns:mc="http://schemas.openxmlformats.org/markup-compatibility/2006" xmlns:mv="urn:schemas-microsoft-com:mac:vml" xmlns:p="http://schemas.openxmlformats.org/presentationml/2006/main" xmlns:c="http://schemas.openxmlformats.org/drawingml/2006/chart" xmlns:dgm="http://schemas.openxmlformats.org/drawingml/2006/diagram" xmlns:o="urn:schemas-microsoft-com:office:office" xmlns:v="urn:schemas-microsoft-com:vml" xmlns:pvml="urn:schemas-microsoft-com:office:powerpoint" xmlns:com="http://schemas.openxmlformats.org/drawingml/2006/compatibility" xmlns:p14="http://schemas.microsoft.com/office/powerpoint/2010/main" xmlns:p15="http://schemas.microsoft.com/office/powerpoint/2012/main" xmlns:ahyp="http://schemas.microsoft.com/office/drawing/2018/hyperlinkcolor">
   <p:cSld>
     <p:spTree>
       <p:nvGrpSpPr>
@@ -15193,7 +15193,7 @@
             <a:tbl>
               <a:tblPr>
                 <a:noFill/>
-                <a:tableStyleId>{06E8E73A-0826-48A5-8EA6-F43F8CC50709}</a:tableStyleId>
+                <a:tableStyleId>{F1C2488F-AC2D-49B0-8452-31B2D9156B33}</a:tableStyleId>
               </a:tblPr>
               <a:tblGrid>
                 <a:gridCol w="8104550"/>
@@ -16022,7 +16022,7 @@
 </file>
 
 <file path=ppt/slides/slide19.xml><?xml version="1.0" encoding="utf-8"?>
-<p:sld xmlns:a="http://schemas.openxmlformats.org/drawingml/2006/main" xmlns:r="http://schemas.openxmlformats.org/officeDocument/2006/relationships" xmlns:mc="http://schemas.openxmlformats.org/markup-compatibility/2006" xmlns:mv="urn:schemas-microsoft-com:mac:vml" xmlns:p="http://schemas.openxmlformats.org/presentationml/2006/main" xmlns:c="http://schemas.openxmlformats.org/drawingml/2006/chart" xmlns:dgm="http://schemas.openxmlformats.org/drawingml/2006/diagram" xmlns:o="urn:schemas-microsoft-com:office:office" xmlns:v="urn:schemas-microsoft-com:vml" xmlns:pvml="urn:schemas-microsoft-com:office:powerpoint" xmlns:com="http://schemas.openxmlformats.org/drawingml/2006/compatibility" xmlns:p14="http://schemas.microsoft.com/office/powerpoint/2010/main" xmlns:p15="http://schemas.microsoft.com/office/powerpoint/2012/main">
+<p:sld xmlns:a="http://schemas.openxmlformats.org/drawingml/2006/main" xmlns:r="http://schemas.openxmlformats.org/officeDocument/2006/relationships" xmlns:mc="http://schemas.openxmlformats.org/markup-compatibility/2006" xmlns:mv="urn:schemas-microsoft-com:mac:vml" xmlns:p="http://schemas.openxmlformats.org/presentationml/2006/main" xmlns:c="http://schemas.openxmlformats.org/drawingml/2006/chart" xmlns:dgm="http://schemas.openxmlformats.org/drawingml/2006/diagram" xmlns:o="urn:schemas-microsoft-com:office:office" xmlns:v="urn:schemas-microsoft-com:vml" xmlns:pvml="urn:schemas-microsoft-com:office:powerpoint" xmlns:com="http://schemas.openxmlformats.org/drawingml/2006/compatibility" xmlns:p14="http://schemas.microsoft.com/office/powerpoint/2010/main" xmlns:p15="http://schemas.microsoft.com/office/powerpoint/2012/main" xmlns:ahyp="http://schemas.microsoft.com/office/drawing/2018/hyperlinkcolor">
   <p:cSld>
     <p:spTree>
       <p:nvGrpSpPr>
@@ -16248,7 +16248,7 @@
             <a:tbl>
               <a:tblPr>
                 <a:noFill/>
-                <a:tableStyleId>{06E8E73A-0826-48A5-8EA6-F43F8CC50709}</a:tableStyleId>
+                <a:tableStyleId>{F1C2488F-AC2D-49B0-8452-31B2D9156B33}</a:tableStyleId>
               </a:tblPr>
               <a:tblGrid>
                 <a:gridCol w="8104550"/>
@@ -19336,7 +19336,7 @@
 </file>
 
 <file path=ppt/slides/slide2.xml><?xml version="1.0" encoding="utf-8"?>
-<p:sld xmlns:a="http://schemas.openxmlformats.org/drawingml/2006/main" xmlns:r="http://schemas.openxmlformats.org/officeDocument/2006/relationships" xmlns:mc="http://schemas.openxmlformats.org/markup-compatibility/2006" xmlns:mv="urn:schemas-microsoft-com:mac:vml" xmlns:p="http://schemas.openxmlformats.org/presentationml/2006/main" xmlns:c="http://schemas.openxmlformats.org/drawingml/2006/chart" xmlns:dgm="http://schemas.openxmlformats.org/drawingml/2006/diagram" xmlns:o="urn:schemas-microsoft-com:office:office" xmlns:v="urn:schemas-microsoft-com:vml" xmlns:pvml="urn:schemas-microsoft-com:office:powerpoint" xmlns:com="http://schemas.openxmlformats.org/drawingml/2006/compatibility" xmlns:p14="http://schemas.microsoft.com/office/powerpoint/2010/main" xmlns:p15="http://schemas.microsoft.com/office/powerpoint/2012/main">
+<p:sld xmlns:a="http://schemas.openxmlformats.org/drawingml/2006/main" xmlns:r="http://schemas.openxmlformats.org/officeDocument/2006/relationships" xmlns:mc="http://schemas.openxmlformats.org/markup-compatibility/2006" xmlns:mv="urn:schemas-microsoft-com:mac:vml" xmlns:p="http://schemas.openxmlformats.org/presentationml/2006/main" xmlns:c="http://schemas.openxmlformats.org/drawingml/2006/chart" xmlns:dgm="http://schemas.openxmlformats.org/drawingml/2006/diagram" xmlns:o="urn:schemas-microsoft-com:office:office" xmlns:v="urn:schemas-microsoft-com:vml" xmlns:pvml="urn:schemas-microsoft-com:office:powerpoint" xmlns:com="http://schemas.openxmlformats.org/drawingml/2006/compatibility" xmlns:p14="http://schemas.microsoft.com/office/powerpoint/2010/main" xmlns:p15="http://schemas.microsoft.com/office/powerpoint/2012/main" xmlns:ahyp="http://schemas.microsoft.com/office/drawing/2018/hyperlinkcolor">
   <p:cSld>
     <p:spTree>
       <p:nvGrpSpPr>
@@ -19718,7 +19718,7 @@
 </file>
 
 <file path=ppt/slides/slide20.xml><?xml version="1.0" encoding="utf-8"?>
-<p:sld xmlns:a="http://schemas.openxmlformats.org/drawingml/2006/main" xmlns:r="http://schemas.openxmlformats.org/officeDocument/2006/relationships" xmlns:mc="http://schemas.openxmlformats.org/markup-compatibility/2006" xmlns:mv="urn:schemas-microsoft-com:mac:vml" xmlns:p="http://schemas.openxmlformats.org/presentationml/2006/main" xmlns:c="http://schemas.openxmlformats.org/drawingml/2006/chart" xmlns:dgm="http://schemas.openxmlformats.org/drawingml/2006/diagram" xmlns:o="urn:schemas-microsoft-com:office:office" xmlns:v="urn:schemas-microsoft-com:vml" xmlns:pvml="urn:schemas-microsoft-com:office:powerpoint" xmlns:com="http://schemas.openxmlformats.org/drawingml/2006/compatibility" xmlns:p14="http://schemas.microsoft.com/office/powerpoint/2010/main" xmlns:p15="http://schemas.microsoft.com/office/powerpoint/2012/main">
+<p:sld xmlns:a="http://schemas.openxmlformats.org/drawingml/2006/main" xmlns:r="http://schemas.openxmlformats.org/officeDocument/2006/relationships" xmlns:mc="http://schemas.openxmlformats.org/markup-compatibility/2006" xmlns:mv="urn:schemas-microsoft-com:mac:vml" xmlns:p="http://schemas.openxmlformats.org/presentationml/2006/main" xmlns:c="http://schemas.openxmlformats.org/drawingml/2006/chart" xmlns:dgm="http://schemas.openxmlformats.org/drawingml/2006/diagram" xmlns:o="urn:schemas-microsoft-com:office:office" xmlns:v="urn:schemas-microsoft-com:vml" xmlns:pvml="urn:schemas-microsoft-com:office:powerpoint" xmlns:com="http://schemas.openxmlformats.org/drawingml/2006/compatibility" xmlns:p14="http://schemas.microsoft.com/office/powerpoint/2010/main" xmlns:p15="http://schemas.microsoft.com/office/powerpoint/2012/main" xmlns:ahyp="http://schemas.microsoft.com/office/drawing/2018/hyperlinkcolor">
   <p:cSld>
     <p:spTree>
       <p:nvGrpSpPr>
@@ -20001,7 +20001,7 @@
             <a:tbl>
               <a:tblPr>
                 <a:noFill/>
-                <a:tableStyleId>{06E8E73A-0826-48A5-8EA6-F43F8CC50709}</a:tableStyleId>
+                <a:tableStyleId>{F1C2488F-AC2D-49B0-8452-31B2D9156B33}</a:tableStyleId>
               </a:tblPr>
               <a:tblGrid>
                 <a:gridCol w="8104550"/>
@@ -20046,7 +20046,7 @@
                           <a:cs typeface="Consolas"/>
                           <a:sym typeface="Consolas"/>
                         </a:rPr>
-                        <a:t> keras </a:t>
+                        <a:t> tensorflow.keras </a:t>
                       </a:r>
                       <a:r>
                         <a:rPr lang="en" sz="1000">
@@ -20165,7 +20165,7 @@
                           <a:cs typeface="Consolas"/>
                           <a:sym typeface="Consolas"/>
                         </a:rPr>
-                        <a:t> keras</a:t>
+                        <a:t> tensorflow.keras</a:t>
                       </a:r>
                       <a:r>
                         <a:rPr lang="en" sz="1000">
@@ -20272,7 +20272,7 @@
                           <a:cs typeface="Consolas"/>
                           <a:sym typeface="Consolas"/>
                         </a:rPr>
-                        <a:t> keras</a:t>
+                        <a:t> tensorflow.keras</a:t>
                       </a:r>
                       <a:r>
                         <a:rPr lang="en" sz="1000">
@@ -22535,7 +22535,7 @@
 </file>
 
 <file path=ppt/slides/slide21.xml><?xml version="1.0" encoding="utf-8"?>
-<p:sld xmlns:a="http://schemas.openxmlformats.org/drawingml/2006/main" xmlns:r="http://schemas.openxmlformats.org/officeDocument/2006/relationships" xmlns:mc="http://schemas.openxmlformats.org/markup-compatibility/2006" xmlns:mv="urn:schemas-microsoft-com:mac:vml" xmlns:p="http://schemas.openxmlformats.org/presentationml/2006/main" xmlns:c="http://schemas.openxmlformats.org/drawingml/2006/chart" xmlns:dgm="http://schemas.openxmlformats.org/drawingml/2006/diagram" xmlns:o="urn:schemas-microsoft-com:office:office" xmlns:v="urn:schemas-microsoft-com:vml" xmlns:pvml="urn:schemas-microsoft-com:office:powerpoint" xmlns:com="http://schemas.openxmlformats.org/drawingml/2006/compatibility" xmlns:p14="http://schemas.microsoft.com/office/powerpoint/2010/main" xmlns:p15="http://schemas.microsoft.com/office/powerpoint/2012/main">
+<p:sld xmlns:a="http://schemas.openxmlformats.org/drawingml/2006/main" xmlns:r="http://schemas.openxmlformats.org/officeDocument/2006/relationships" xmlns:mc="http://schemas.openxmlformats.org/markup-compatibility/2006" xmlns:mv="urn:schemas-microsoft-com:mac:vml" xmlns:p="http://schemas.openxmlformats.org/presentationml/2006/main" xmlns:c="http://schemas.openxmlformats.org/drawingml/2006/chart" xmlns:dgm="http://schemas.openxmlformats.org/drawingml/2006/diagram" xmlns:o="urn:schemas-microsoft-com:office:office" xmlns:v="urn:schemas-microsoft-com:vml" xmlns:pvml="urn:schemas-microsoft-com:office:powerpoint" xmlns:com="http://schemas.openxmlformats.org/drawingml/2006/compatibility" xmlns:p14="http://schemas.microsoft.com/office/powerpoint/2010/main" xmlns:p15="http://schemas.microsoft.com/office/powerpoint/2012/main" xmlns:ahyp="http://schemas.microsoft.com/office/drawing/2018/hyperlinkcolor">
   <p:cSld>
     <p:spTree>
       <p:nvGrpSpPr>
@@ -22988,7 +22988,7 @@
 </file>
 
 <file path=ppt/slides/slide22.xml><?xml version="1.0" encoding="utf-8"?>
-<p:sld xmlns:a="http://schemas.openxmlformats.org/drawingml/2006/main" xmlns:r="http://schemas.openxmlformats.org/officeDocument/2006/relationships" xmlns:mc="http://schemas.openxmlformats.org/markup-compatibility/2006" xmlns:mv="urn:schemas-microsoft-com:mac:vml" xmlns:p="http://schemas.openxmlformats.org/presentationml/2006/main" xmlns:c="http://schemas.openxmlformats.org/drawingml/2006/chart" xmlns:dgm="http://schemas.openxmlformats.org/drawingml/2006/diagram" xmlns:o="urn:schemas-microsoft-com:office:office" xmlns:v="urn:schemas-microsoft-com:vml" xmlns:pvml="urn:schemas-microsoft-com:office:powerpoint" xmlns:com="http://schemas.openxmlformats.org/drawingml/2006/compatibility" xmlns:p14="http://schemas.microsoft.com/office/powerpoint/2010/main" xmlns:p15="http://schemas.microsoft.com/office/powerpoint/2012/main">
+<p:sld xmlns:a="http://schemas.openxmlformats.org/drawingml/2006/main" xmlns:r="http://schemas.openxmlformats.org/officeDocument/2006/relationships" xmlns:mc="http://schemas.openxmlformats.org/markup-compatibility/2006" xmlns:mv="urn:schemas-microsoft-com:mac:vml" xmlns:p="http://schemas.openxmlformats.org/presentationml/2006/main" xmlns:c="http://schemas.openxmlformats.org/drawingml/2006/chart" xmlns:dgm="http://schemas.openxmlformats.org/drawingml/2006/diagram" xmlns:o="urn:schemas-microsoft-com:office:office" xmlns:v="urn:schemas-microsoft-com:vml" xmlns:pvml="urn:schemas-microsoft-com:office:powerpoint" xmlns:com="http://schemas.openxmlformats.org/drawingml/2006/compatibility" xmlns:p14="http://schemas.microsoft.com/office/powerpoint/2010/main" xmlns:p15="http://schemas.microsoft.com/office/powerpoint/2012/main" xmlns:ahyp="http://schemas.microsoft.com/office/drawing/2018/hyperlinkcolor">
   <p:cSld>
     <p:spTree>
       <p:nvGrpSpPr>
@@ -23243,7 +23243,7 @@
             <a:tbl>
               <a:tblPr>
                 <a:noFill/>
-                <a:tableStyleId>{06E8E73A-0826-48A5-8EA6-F43F8CC50709}</a:tableStyleId>
+                <a:tableStyleId>{F1C2488F-AC2D-49B0-8452-31B2D9156B33}</a:tableStyleId>
               </a:tblPr>
               <a:tblGrid>
                 <a:gridCol w="8104550"/>
@@ -26567,7 +26567,7 @@
 </file>
 
 <file path=ppt/slides/slide23.xml><?xml version="1.0" encoding="utf-8"?>
-<p:sld xmlns:a="http://schemas.openxmlformats.org/drawingml/2006/main" xmlns:r="http://schemas.openxmlformats.org/officeDocument/2006/relationships" xmlns:mc="http://schemas.openxmlformats.org/markup-compatibility/2006" xmlns:mv="urn:schemas-microsoft-com:mac:vml" xmlns:p="http://schemas.openxmlformats.org/presentationml/2006/main" xmlns:c="http://schemas.openxmlformats.org/drawingml/2006/chart" xmlns:dgm="http://schemas.openxmlformats.org/drawingml/2006/diagram" xmlns:o="urn:schemas-microsoft-com:office:office" xmlns:v="urn:schemas-microsoft-com:vml" xmlns:pvml="urn:schemas-microsoft-com:office:powerpoint" xmlns:com="http://schemas.openxmlformats.org/drawingml/2006/compatibility" xmlns:p14="http://schemas.microsoft.com/office/powerpoint/2010/main" xmlns:p15="http://schemas.microsoft.com/office/powerpoint/2012/main">
+<p:sld xmlns:a="http://schemas.openxmlformats.org/drawingml/2006/main" xmlns:r="http://schemas.openxmlformats.org/officeDocument/2006/relationships" xmlns:mc="http://schemas.openxmlformats.org/markup-compatibility/2006" xmlns:mv="urn:schemas-microsoft-com:mac:vml" xmlns:p="http://schemas.openxmlformats.org/presentationml/2006/main" xmlns:c="http://schemas.openxmlformats.org/drawingml/2006/chart" xmlns:dgm="http://schemas.openxmlformats.org/drawingml/2006/diagram" xmlns:o="urn:schemas-microsoft-com:office:office" xmlns:v="urn:schemas-microsoft-com:vml" xmlns:pvml="urn:schemas-microsoft-com:office:powerpoint" xmlns:com="http://schemas.openxmlformats.org/drawingml/2006/compatibility" xmlns:p14="http://schemas.microsoft.com/office/powerpoint/2010/main" xmlns:p15="http://schemas.microsoft.com/office/powerpoint/2012/main" xmlns:ahyp="http://schemas.microsoft.com/office/drawing/2018/hyperlinkcolor">
   <p:cSld>
     <p:spTree>
       <p:nvGrpSpPr>
@@ -26883,7 +26883,7 @@
             <a:tbl>
               <a:tblPr>
                 <a:noFill/>
-                <a:tableStyleId>{06E8E73A-0826-48A5-8EA6-F43F8CC50709}</a:tableStyleId>
+                <a:tableStyleId>{F1C2488F-AC2D-49B0-8452-31B2D9156B33}</a:tableStyleId>
               </a:tblPr>
               <a:tblGrid>
                 <a:gridCol w="8104550"/>
@@ -29240,7 +29240,7 @@
 </file>
 
 <file path=ppt/slides/slide24.xml><?xml version="1.0" encoding="utf-8"?>
-<p:sld xmlns:a="http://schemas.openxmlformats.org/drawingml/2006/main" xmlns:r="http://schemas.openxmlformats.org/officeDocument/2006/relationships" xmlns:mc="http://schemas.openxmlformats.org/markup-compatibility/2006" xmlns:mv="urn:schemas-microsoft-com:mac:vml" xmlns:p="http://schemas.openxmlformats.org/presentationml/2006/main" xmlns:c="http://schemas.openxmlformats.org/drawingml/2006/chart" xmlns:dgm="http://schemas.openxmlformats.org/drawingml/2006/diagram" xmlns:o="urn:schemas-microsoft-com:office:office" xmlns:v="urn:schemas-microsoft-com:vml" xmlns:pvml="urn:schemas-microsoft-com:office:powerpoint" xmlns:com="http://schemas.openxmlformats.org/drawingml/2006/compatibility" xmlns:p14="http://schemas.microsoft.com/office/powerpoint/2010/main" xmlns:p15="http://schemas.microsoft.com/office/powerpoint/2012/main">
+<p:sld xmlns:a="http://schemas.openxmlformats.org/drawingml/2006/main" xmlns:r="http://schemas.openxmlformats.org/officeDocument/2006/relationships" xmlns:mc="http://schemas.openxmlformats.org/markup-compatibility/2006" xmlns:mv="urn:schemas-microsoft-com:mac:vml" xmlns:p="http://schemas.openxmlformats.org/presentationml/2006/main" xmlns:c="http://schemas.openxmlformats.org/drawingml/2006/chart" xmlns:dgm="http://schemas.openxmlformats.org/drawingml/2006/diagram" xmlns:o="urn:schemas-microsoft-com:office:office" xmlns:v="urn:schemas-microsoft-com:vml" xmlns:pvml="urn:schemas-microsoft-com:office:powerpoint" xmlns:com="http://schemas.openxmlformats.org/drawingml/2006/compatibility" xmlns:p14="http://schemas.microsoft.com/office/powerpoint/2010/main" xmlns:p15="http://schemas.microsoft.com/office/powerpoint/2012/main" xmlns:ahyp="http://schemas.microsoft.com/office/drawing/2018/hyperlinkcolor">
   <p:cSld>
     <p:spTree>
       <p:nvGrpSpPr>
@@ -29898,7 +29898,7 @@
 </file>
 
 <file path=ppt/slides/slide25.xml><?xml version="1.0" encoding="utf-8"?>
-<p:sld xmlns:a="http://schemas.openxmlformats.org/drawingml/2006/main" xmlns:r="http://schemas.openxmlformats.org/officeDocument/2006/relationships" xmlns:mc="http://schemas.openxmlformats.org/markup-compatibility/2006" xmlns:mv="urn:schemas-microsoft-com:mac:vml" xmlns:p="http://schemas.openxmlformats.org/presentationml/2006/main" xmlns:c="http://schemas.openxmlformats.org/drawingml/2006/chart" xmlns:dgm="http://schemas.openxmlformats.org/drawingml/2006/diagram" xmlns:o="urn:schemas-microsoft-com:office:office" xmlns:v="urn:schemas-microsoft-com:vml" xmlns:pvml="urn:schemas-microsoft-com:office:powerpoint" xmlns:com="http://schemas.openxmlformats.org/drawingml/2006/compatibility" xmlns:p14="http://schemas.microsoft.com/office/powerpoint/2010/main" xmlns:p15="http://schemas.microsoft.com/office/powerpoint/2012/main">
+<p:sld xmlns:a="http://schemas.openxmlformats.org/drawingml/2006/main" xmlns:r="http://schemas.openxmlformats.org/officeDocument/2006/relationships" xmlns:mc="http://schemas.openxmlformats.org/markup-compatibility/2006" xmlns:mv="urn:schemas-microsoft-com:mac:vml" xmlns:p="http://schemas.openxmlformats.org/presentationml/2006/main" xmlns:c="http://schemas.openxmlformats.org/drawingml/2006/chart" xmlns:dgm="http://schemas.openxmlformats.org/drawingml/2006/diagram" xmlns:o="urn:schemas-microsoft-com:office:office" xmlns:v="urn:schemas-microsoft-com:vml" xmlns:pvml="urn:schemas-microsoft-com:office:powerpoint" xmlns:com="http://schemas.openxmlformats.org/drawingml/2006/compatibility" xmlns:p14="http://schemas.microsoft.com/office/powerpoint/2010/main" xmlns:p15="http://schemas.microsoft.com/office/powerpoint/2012/main" xmlns:ahyp="http://schemas.microsoft.com/office/drawing/2018/hyperlinkcolor">
   <p:cSld>
     <p:spTree>
       <p:nvGrpSpPr>
@@ -30310,7 +30310,7 @@
 </file>
 
 <file path=ppt/slides/slide26.xml><?xml version="1.0" encoding="utf-8"?>
-<p:sld xmlns:a="http://schemas.openxmlformats.org/drawingml/2006/main" xmlns:r="http://schemas.openxmlformats.org/officeDocument/2006/relationships" xmlns:mc="http://schemas.openxmlformats.org/markup-compatibility/2006" xmlns:mv="urn:schemas-microsoft-com:mac:vml" xmlns:p="http://schemas.openxmlformats.org/presentationml/2006/main" xmlns:c="http://schemas.openxmlformats.org/drawingml/2006/chart" xmlns:dgm="http://schemas.openxmlformats.org/drawingml/2006/diagram" xmlns:o="urn:schemas-microsoft-com:office:office" xmlns:v="urn:schemas-microsoft-com:vml" xmlns:pvml="urn:schemas-microsoft-com:office:powerpoint" xmlns:com="http://schemas.openxmlformats.org/drawingml/2006/compatibility" xmlns:p14="http://schemas.microsoft.com/office/powerpoint/2010/main" xmlns:p15="http://schemas.microsoft.com/office/powerpoint/2012/main">
+<p:sld xmlns:a="http://schemas.openxmlformats.org/drawingml/2006/main" xmlns:r="http://schemas.openxmlformats.org/officeDocument/2006/relationships" xmlns:mc="http://schemas.openxmlformats.org/markup-compatibility/2006" xmlns:mv="urn:schemas-microsoft-com:mac:vml" xmlns:p="http://schemas.openxmlformats.org/presentationml/2006/main" xmlns:c="http://schemas.openxmlformats.org/drawingml/2006/chart" xmlns:dgm="http://schemas.openxmlformats.org/drawingml/2006/diagram" xmlns:o="urn:schemas-microsoft-com:office:office" xmlns:v="urn:schemas-microsoft-com:vml" xmlns:pvml="urn:schemas-microsoft-com:office:powerpoint" xmlns:com="http://schemas.openxmlformats.org/drawingml/2006/compatibility" xmlns:p14="http://schemas.microsoft.com/office/powerpoint/2010/main" xmlns:p15="http://schemas.microsoft.com/office/powerpoint/2012/main" xmlns:ahyp="http://schemas.microsoft.com/office/drawing/2018/hyperlinkcolor">
   <p:cSld>
     <p:spTree>
       <p:nvGrpSpPr>
@@ -30699,7 +30699,7 @@
             <a:tbl>
               <a:tblPr>
                 <a:noFill/>
-                <a:tableStyleId>{06E8E73A-0826-48A5-8EA6-F43F8CC50709}</a:tableStyleId>
+                <a:tableStyleId>{F1C2488F-AC2D-49B0-8452-31B2D9156B33}</a:tableStyleId>
               </a:tblPr>
               <a:tblGrid>
                 <a:gridCol w="8104550"/>
@@ -31788,6 +31788,18 @@
                       <a:r>
                         <a:rPr lang="en" sz="1000">
                           <a:solidFill>
+                            <a:srgbClr val="3367D6"/>
+                          </a:solidFill>
+                          <a:latin typeface="Consolas"/>
+                          <a:ea typeface="Consolas"/>
+                          <a:cs typeface="Consolas"/>
+                          <a:sym typeface="Consolas"/>
+                        </a:rPr>
+                        <a:t>Add</a:t>
+                      </a:r>
+                      <a:r>
+                        <a:rPr lang="en" sz="1000">
+                          <a:solidFill>
                             <a:schemeClr val="dk1"/>
                           </a:solidFill>
                           <a:latin typeface="Consolas"/>
@@ -31795,7 +31807,7 @@
                           <a:cs typeface="Consolas"/>
                           <a:sym typeface="Consolas"/>
                         </a:rPr>
-                        <a:t>add</a:t>
+                        <a:t>()</a:t>
                       </a:r>
                       <a:r>
                         <a:rPr lang="en" sz="1000">
@@ -31869,6 +31881,42 @@
                     </a:p>
                   </a:txBody>
                   <a:tcPr marT="63500" marB="63500" marR="63500" marL="63500">
+                    <a:lnL cap="flat" cmpd="sng" w="12700">
+                      <a:solidFill>
+                        <a:srgbClr val="4A86E8"/>
+                      </a:solidFill>
+                      <a:prstDash val="solid"/>
+                      <a:round/>
+                      <a:headEnd len="sm" w="sm" type="none"/>
+                      <a:tailEnd len="sm" w="sm" type="none"/>
+                    </a:lnL>
+                    <a:lnR cap="flat" cmpd="sng" w="12700">
+                      <a:solidFill>
+                        <a:srgbClr val="4A86E8"/>
+                      </a:solidFill>
+                      <a:prstDash val="solid"/>
+                      <a:round/>
+                      <a:headEnd len="sm" w="sm" type="none"/>
+                      <a:tailEnd len="sm" w="sm" type="none"/>
+                    </a:lnR>
+                    <a:lnT cap="flat" cmpd="sng" w="12700">
+                      <a:solidFill>
+                        <a:srgbClr val="4A86E8"/>
+                      </a:solidFill>
+                      <a:prstDash val="solid"/>
+                      <a:round/>
+                      <a:headEnd len="sm" w="sm" type="none"/>
+                      <a:tailEnd len="sm" w="sm" type="none"/>
+                    </a:lnT>
+                    <a:lnB cap="flat" cmpd="sng" w="12700">
+                      <a:solidFill>
+                        <a:srgbClr val="4A86E8"/>
+                      </a:solidFill>
+                      <a:prstDash val="solid"/>
+                      <a:round/>
+                      <a:headEnd len="sm" w="sm" type="none"/>
+                      <a:tailEnd len="sm" w="sm" type="none"/>
+                    </a:lnB>
                     <a:solidFill>
                       <a:srgbClr val="FAFAFA"/>
                     </a:solidFill>
@@ -31888,7 +31936,7 @@
 </file>
 
 <file path=ppt/slides/slide27.xml><?xml version="1.0" encoding="utf-8"?>
-<p:sld xmlns:a="http://schemas.openxmlformats.org/drawingml/2006/main" xmlns:r="http://schemas.openxmlformats.org/officeDocument/2006/relationships" xmlns:mc="http://schemas.openxmlformats.org/markup-compatibility/2006" xmlns:mv="urn:schemas-microsoft-com:mac:vml" xmlns:p="http://schemas.openxmlformats.org/presentationml/2006/main" xmlns:c="http://schemas.openxmlformats.org/drawingml/2006/chart" xmlns:dgm="http://schemas.openxmlformats.org/drawingml/2006/diagram" xmlns:o="urn:schemas-microsoft-com:office:office" xmlns:v="urn:schemas-microsoft-com:vml" xmlns:pvml="urn:schemas-microsoft-com:office:powerpoint" xmlns:com="http://schemas.openxmlformats.org/drawingml/2006/compatibility" xmlns:p14="http://schemas.microsoft.com/office/powerpoint/2010/main" xmlns:p15="http://schemas.microsoft.com/office/powerpoint/2012/main">
+<p:sld xmlns:a="http://schemas.openxmlformats.org/drawingml/2006/main" xmlns:r="http://schemas.openxmlformats.org/officeDocument/2006/relationships" xmlns:mc="http://schemas.openxmlformats.org/markup-compatibility/2006" xmlns:mv="urn:schemas-microsoft-com:mac:vml" xmlns:p="http://schemas.openxmlformats.org/presentationml/2006/main" xmlns:c="http://schemas.openxmlformats.org/drawingml/2006/chart" xmlns:dgm="http://schemas.openxmlformats.org/drawingml/2006/diagram" xmlns:o="urn:schemas-microsoft-com:office:office" xmlns:v="urn:schemas-microsoft-com:vml" xmlns:pvml="urn:schemas-microsoft-com:office:powerpoint" xmlns:com="http://schemas.openxmlformats.org/drawingml/2006/compatibility" xmlns:p14="http://schemas.microsoft.com/office/powerpoint/2010/main" xmlns:p15="http://schemas.microsoft.com/office/powerpoint/2012/main" xmlns:ahyp="http://schemas.microsoft.com/office/drawing/2018/hyperlinkcolor">
   <p:cSld>
     <p:spTree>
       <p:nvGrpSpPr>
@@ -32320,7 +32368,7 @@
             <a:tbl>
               <a:tblPr>
                 <a:noFill/>
-                <a:tableStyleId>{06E8E73A-0826-48A5-8EA6-F43F8CC50709}</a:tableStyleId>
+                <a:tableStyleId>{F1C2488F-AC2D-49B0-8452-31B2D9156B33}</a:tableStyleId>
               </a:tblPr>
               <a:tblGrid>
                 <a:gridCol w="8104550"/>
@@ -32801,7 +32849,7 @@
 </file>
 
 <file path=ppt/slides/slide28.xml><?xml version="1.0" encoding="utf-8"?>
-<p:sld xmlns:a="http://schemas.openxmlformats.org/drawingml/2006/main" xmlns:r="http://schemas.openxmlformats.org/officeDocument/2006/relationships" xmlns:mc="http://schemas.openxmlformats.org/markup-compatibility/2006" xmlns:mv="urn:schemas-microsoft-com:mac:vml" xmlns:p="http://schemas.openxmlformats.org/presentationml/2006/main" xmlns:c="http://schemas.openxmlformats.org/drawingml/2006/chart" xmlns:dgm="http://schemas.openxmlformats.org/drawingml/2006/diagram" xmlns:o="urn:schemas-microsoft-com:office:office" xmlns:v="urn:schemas-microsoft-com:vml" xmlns:pvml="urn:schemas-microsoft-com:office:powerpoint" xmlns:com="http://schemas.openxmlformats.org/drawingml/2006/compatibility" xmlns:p14="http://schemas.microsoft.com/office/powerpoint/2010/main" xmlns:p15="http://schemas.microsoft.com/office/powerpoint/2012/main">
+<p:sld xmlns:a="http://schemas.openxmlformats.org/drawingml/2006/main" xmlns:r="http://schemas.openxmlformats.org/officeDocument/2006/relationships" xmlns:mc="http://schemas.openxmlformats.org/markup-compatibility/2006" xmlns:mv="urn:schemas-microsoft-com:mac:vml" xmlns:p="http://schemas.openxmlformats.org/presentationml/2006/main" xmlns:c="http://schemas.openxmlformats.org/drawingml/2006/chart" xmlns:dgm="http://schemas.openxmlformats.org/drawingml/2006/diagram" xmlns:o="urn:schemas-microsoft-com:office:office" xmlns:v="urn:schemas-microsoft-com:vml" xmlns:pvml="urn:schemas-microsoft-com:office:powerpoint" xmlns:com="http://schemas.openxmlformats.org/drawingml/2006/compatibility" xmlns:p14="http://schemas.microsoft.com/office/powerpoint/2010/main" xmlns:p15="http://schemas.microsoft.com/office/powerpoint/2012/main" xmlns:ahyp="http://schemas.microsoft.com/office/drawing/2018/hyperlinkcolor">
   <p:cSld>
     <p:spTree>
       <p:nvGrpSpPr>
@@ -33147,7 +33195,7 @@
             <a:tbl>
               <a:tblPr>
                 <a:noFill/>
-                <a:tableStyleId>{06E8E73A-0826-48A5-8EA6-F43F8CC50709}</a:tableStyleId>
+                <a:tableStyleId>{F1C2488F-AC2D-49B0-8452-31B2D9156B33}</a:tableStyleId>
               </a:tblPr>
               <a:tblGrid>
                 <a:gridCol w="8104550"/>
@@ -34360,7 +34408,7 @@
                           <a:cs typeface="Consolas"/>
                           <a:sym typeface="Consolas"/>
                         </a:rPr>
-                        <a:t>Add</a:t>
+                        <a:t>Add()</a:t>
                       </a:r>
                       <a:r>
                         <a:rPr lang="en" sz="1000">
@@ -35706,7 +35754,7 @@
 </file>
 
 <file path=ppt/slides/slide29.xml><?xml version="1.0" encoding="utf-8"?>
-<p:sld xmlns:a="http://schemas.openxmlformats.org/drawingml/2006/main" xmlns:r="http://schemas.openxmlformats.org/officeDocument/2006/relationships" xmlns:mc="http://schemas.openxmlformats.org/markup-compatibility/2006" xmlns:mv="urn:schemas-microsoft-com:mac:vml" xmlns:p="http://schemas.openxmlformats.org/presentationml/2006/main" xmlns:c="http://schemas.openxmlformats.org/drawingml/2006/chart" xmlns:dgm="http://schemas.openxmlformats.org/drawingml/2006/diagram" xmlns:o="urn:schemas-microsoft-com:office:office" xmlns:v="urn:schemas-microsoft-com:vml" xmlns:pvml="urn:schemas-microsoft-com:office:powerpoint" xmlns:com="http://schemas.openxmlformats.org/drawingml/2006/compatibility" xmlns:p14="http://schemas.microsoft.com/office/powerpoint/2010/main" xmlns:p15="http://schemas.microsoft.com/office/powerpoint/2012/main">
+<p:sld xmlns:a="http://schemas.openxmlformats.org/drawingml/2006/main" xmlns:r="http://schemas.openxmlformats.org/officeDocument/2006/relationships" xmlns:mc="http://schemas.openxmlformats.org/markup-compatibility/2006" xmlns:mv="urn:schemas-microsoft-com:mac:vml" xmlns:p="http://schemas.openxmlformats.org/presentationml/2006/main" xmlns:c="http://schemas.openxmlformats.org/drawingml/2006/chart" xmlns:dgm="http://schemas.openxmlformats.org/drawingml/2006/diagram" xmlns:o="urn:schemas-microsoft-com:office:office" xmlns:v="urn:schemas-microsoft-com:vml" xmlns:pvml="urn:schemas-microsoft-com:office:powerpoint" xmlns:com="http://schemas.openxmlformats.org/drawingml/2006/compatibility" xmlns:p14="http://schemas.microsoft.com/office/powerpoint/2010/main" xmlns:p15="http://schemas.microsoft.com/office/powerpoint/2012/main" xmlns:ahyp="http://schemas.microsoft.com/office/drawing/2018/hyperlinkcolor">
   <p:cSld>
     <p:spTree>
       <p:nvGrpSpPr>
@@ -36123,7 +36171,7 @@
             <a:tbl>
               <a:tblPr>
                 <a:noFill/>
-                <a:tableStyleId>{06E8E73A-0826-48A5-8EA6-F43F8CC50709}</a:tableStyleId>
+                <a:tableStyleId>{F1C2488F-AC2D-49B0-8452-31B2D9156B33}</a:tableStyleId>
               </a:tblPr>
               <a:tblGrid>
                 <a:gridCol w="8104550"/>
@@ -36669,7 +36717,7 @@
 </file>
 
 <file path=ppt/slides/slide3.xml><?xml version="1.0" encoding="utf-8"?>
-<p:sld xmlns:a="http://schemas.openxmlformats.org/drawingml/2006/main" xmlns:r="http://schemas.openxmlformats.org/officeDocument/2006/relationships" xmlns:mc="http://schemas.openxmlformats.org/markup-compatibility/2006" xmlns:mv="urn:schemas-microsoft-com:mac:vml" xmlns:p="http://schemas.openxmlformats.org/presentationml/2006/main" xmlns:c="http://schemas.openxmlformats.org/drawingml/2006/chart" xmlns:dgm="http://schemas.openxmlformats.org/drawingml/2006/diagram" xmlns:o="urn:schemas-microsoft-com:office:office" xmlns:v="urn:schemas-microsoft-com:vml" xmlns:pvml="urn:schemas-microsoft-com:office:powerpoint" xmlns:com="http://schemas.openxmlformats.org/drawingml/2006/compatibility" xmlns:p14="http://schemas.microsoft.com/office/powerpoint/2010/main" xmlns:p15="http://schemas.microsoft.com/office/powerpoint/2012/main">
+<p:sld xmlns:a="http://schemas.openxmlformats.org/drawingml/2006/main" xmlns:r="http://schemas.openxmlformats.org/officeDocument/2006/relationships" xmlns:mc="http://schemas.openxmlformats.org/markup-compatibility/2006" xmlns:mv="urn:schemas-microsoft-com:mac:vml" xmlns:p="http://schemas.openxmlformats.org/presentationml/2006/main" xmlns:c="http://schemas.openxmlformats.org/drawingml/2006/chart" xmlns:dgm="http://schemas.openxmlformats.org/drawingml/2006/diagram" xmlns:o="urn:schemas-microsoft-com:office:office" xmlns:v="urn:schemas-microsoft-com:vml" xmlns:pvml="urn:schemas-microsoft-com:office:powerpoint" xmlns:com="http://schemas.openxmlformats.org/drawingml/2006/compatibility" xmlns:p14="http://schemas.microsoft.com/office/powerpoint/2010/main" xmlns:p15="http://schemas.microsoft.com/office/powerpoint/2012/main" xmlns:ahyp="http://schemas.microsoft.com/office/drawing/2018/hyperlinkcolor">
   <p:cSld>
     <p:spTree>
       <p:nvGrpSpPr>
@@ -36985,7 +37033,7 @@
 </file>
 
 <file path=ppt/slides/slide30.xml><?xml version="1.0" encoding="utf-8"?>
-<p:sld xmlns:a="http://schemas.openxmlformats.org/drawingml/2006/main" xmlns:r="http://schemas.openxmlformats.org/officeDocument/2006/relationships" xmlns:mc="http://schemas.openxmlformats.org/markup-compatibility/2006" xmlns:mv="urn:schemas-microsoft-com:mac:vml" xmlns:p="http://schemas.openxmlformats.org/presentationml/2006/main" xmlns:c="http://schemas.openxmlformats.org/drawingml/2006/chart" xmlns:dgm="http://schemas.openxmlformats.org/drawingml/2006/diagram" xmlns:o="urn:schemas-microsoft-com:office:office" xmlns:v="urn:schemas-microsoft-com:vml" xmlns:pvml="urn:schemas-microsoft-com:office:powerpoint" xmlns:com="http://schemas.openxmlformats.org/drawingml/2006/compatibility" xmlns:p14="http://schemas.microsoft.com/office/powerpoint/2010/main" xmlns:p15="http://schemas.microsoft.com/office/powerpoint/2012/main">
+<p:sld xmlns:a="http://schemas.openxmlformats.org/drawingml/2006/main" xmlns:r="http://schemas.openxmlformats.org/officeDocument/2006/relationships" xmlns:mc="http://schemas.openxmlformats.org/markup-compatibility/2006" xmlns:mv="urn:schemas-microsoft-com:mac:vml" xmlns:p="http://schemas.openxmlformats.org/presentationml/2006/main" xmlns:c="http://schemas.openxmlformats.org/drawingml/2006/chart" xmlns:dgm="http://schemas.openxmlformats.org/drawingml/2006/diagram" xmlns:o="urn:schemas-microsoft-com:office:office" xmlns:v="urn:schemas-microsoft-com:vml" xmlns:pvml="urn:schemas-microsoft-com:office:powerpoint" xmlns:com="http://schemas.openxmlformats.org/drawingml/2006/compatibility" xmlns:p14="http://schemas.microsoft.com/office/powerpoint/2010/main" xmlns:p15="http://schemas.microsoft.com/office/powerpoint/2012/main" xmlns:ahyp="http://schemas.microsoft.com/office/drawing/2018/hyperlinkcolor">
   <p:cSld>
     <p:spTree>
       <p:nvGrpSpPr>
@@ -37396,7 +37444,7 @@
 </file>
 
 <file path=ppt/slides/slide31.xml><?xml version="1.0" encoding="utf-8"?>
-<p:sld xmlns:a="http://schemas.openxmlformats.org/drawingml/2006/main" xmlns:r="http://schemas.openxmlformats.org/officeDocument/2006/relationships" xmlns:mc="http://schemas.openxmlformats.org/markup-compatibility/2006" xmlns:mv="urn:schemas-microsoft-com:mac:vml" xmlns:p="http://schemas.openxmlformats.org/presentationml/2006/main" xmlns:c="http://schemas.openxmlformats.org/drawingml/2006/chart" xmlns:dgm="http://schemas.openxmlformats.org/drawingml/2006/diagram" xmlns:o="urn:schemas-microsoft-com:office:office" xmlns:v="urn:schemas-microsoft-com:vml" xmlns:pvml="urn:schemas-microsoft-com:office:powerpoint" xmlns:com="http://schemas.openxmlformats.org/drawingml/2006/compatibility" xmlns:p14="http://schemas.microsoft.com/office/powerpoint/2010/main" xmlns:p15="http://schemas.microsoft.com/office/powerpoint/2012/main">
+<p:sld xmlns:a="http://schemas.openxmlformats.org/drawingml/2006/main" xmlns:r="http://schemas.openxmlformats.org/officeDocument/2006/relationships" xmlns:mc="http://schemas.openxmlformats.org/markup-compatibility/2006" xmlns:mv="urn:schemas-microsoft-com:mac:vml" xmlns:p="http://schemas.openxmlformats.org/presentationml/2006/main" xmlns:c="http://schemas.openxmlformats.org/drawingml/2006/chart" xmlns:dgm="http://schemas.openxmlformats.org/drawingml/2006/diagram" xmlns:o="urn:schemas-microsoft-com:office:office" xmlns:v="urn:schemas-microsoft-com:vml" xmlns:pvml="urn:schemas-microsoft-com:office:powerpoint" xmlns:com="http://schemas.openxmlformats.org/drawingml/2006/compatibility" xmlns:p14="http://schemas.microsoft.com/office/powerpoint/2010/main" xmlns:p15="http://schemas.microsoft.com/office/powerpoint/2012/main" xmlns:ahyp="http://schemas.microsoft.com/office/drawing/2018/hyperlinkcolor">
   <p:cSld>
     <p:spTree>
       <p:nvGrpSpPr>
@@ -37750,7 +37798,7 @@
 </file>
 
 <file path=ppt/slides/slide32.xml><?xml version="1.0" encoding="utf-8"?>
-<p:sld xmlns:a="http://schemas.openxmlformats.org/drawingml/2006/main" xmlns:r="http://schemas.openxmlformats.org/officeDocument/2006/relationships" xmlns:mc="http://schemas.openxmlformats.org/markup-compatibility/2006" xmlns:mv="urn:schemas-microsoft-com:mac:vml" xmlns:p="http://schemas.openxmlformats.org/presentationml/2006/main" xmlns:c="http://schemas.openxmlformats.org/drawingml/2006/chart" xmlns:dgm="http://schemas.openxmlformats.org/drawingml/2006/diagram" xmlns:o="urn:schemas-microsoft-com:office:office" xmlns:v="urn:schemas-microsoft-com:vml" xmlns:pvml="urn:schemas-microsoft-com:office:powerpoint" xmlns:com="http://schemas.openxmlformats.org/drawingml/2006/compatibility" xmlns:p14="http://schemas.microsoft.com/office/powerpoint/2010/main" xmlns:p15="http://schemas.microsoft.com/office/powerpoint/2012/main">
+<p:sld xmlns:a="http://schemas.openxmlformats.org/drawingml/2006/main" xmlns:r="http://schemas.openxmlformats.org/officeDocument/2006/relationships" xmlns:mc="http://schemas.openxmlformats.org/markup-compatibility/2006" xmlns:mv="urn:schemas-microsoft-com:mac:vml" xmlns:p="http://schemas.openxmlformats.org/presentationml/2006/main" xmlns:c="http://schemas.openxmlformats.org/drawingml/2006/chart" xmlns:dgm="http://schemas.openxmlformats.org/drawingml/2006/diagram" xmlns:o="urn:schemas-microsoft-com:office:office" xmlns:v="urn:schemas-microsoft-com:vml" xmlns:pvml="urn:schemas-microsoft-com:office:powerpoint" xmlns:com="http://schemas.openxmlformats.org/drawingml/2006/compatibility" xmlns:p14="http://schemas.microsoft.com/office/powerpoint/2010/main" xmlns:p15="http://schemas.microsoft.com/office/powerpoint/2012/main" xmlns:ahyp="http://schemas.microsoft.com/office/drawing/2018/hyperlinkcolor">
   <p:cSld>
     <p:spTree>
       <p:nvGrpSpPr>
@@ -38013,7 +38061,7 @@
             <a:tbl>
               <a:tblPr>
                 <a:noFill/>
-                <a:tableStyleId>{06E8E73A-0826-48A5-8EA6-F43F8CC50709}</a:tableStyleId>
+                <a:tableStyleId>{F1C2488F-AC2D-49B0-8452-31B2D9156B33}</a:tableStyleId>
               </a:tblPr>
               <a:tblGrid>
                 <a:gridCol w="8104550"/>
@@ -39669,7 +39717,7 @@
                           <a:cs typeface="Consolas"/>
                           <a:sym typeface="Consolas"/>
                         </a:rPr>
-                        <a:t>Add</a:t>
+                        <a:t>Add()</a:t>
                       </a:r>
                       <a:r>
                         <a:rPr lang="en" sz="1000">
@@ -39857,7 +39905,7 @@
 </file>
 
 <file path=ppt/slides/slide33.xml><?xml version="1.0" encoding="utf-8"?>
-<p:sld xmlns:a="http://schemas.openxmlformats.org/drawingml/2006/main" xmlns:r="http://schemas.openxmlformats.org/officeDocument/2006/relationships" xmlns:mc="http://schemas.openxmlformats.org/markup-compatibility/2006" xmlns:mv="urn:schemas-microsoft-com:mac:vml" xmlns:p="http://schemas.openxmlformats.org/presentationml/2006/main" xmlns:c="http://schemas.openxmlformats.org/drawingml/2006/chart" xmlns:dgm="http://schemas.openxmlformats.org/drawingml/2006/diagram" xmlns:o="urn:schemas-microsoft-com:office:office" xmlns:v="urn:schemas-microsoft-com:vml" xmlns:pvml="urn:schemas-microsoft-com:office:powerpoint" xmlns:com="http://schemas.openxmlformats.org/drawingml/2006/compatibility" xmlns:p14="http://schemas.microsoft.com/office/powerpoint/2010/main" xmlns:p15="http://schemas.microsoft.com/office/powerpoint/2012/main">
+<p:sld xmlns:a="http://schemas.openxmlformats.org/drawingml/2006/main" xmlns:r="http://schemas.openxmlformats.org/officeDocument/2006/relationships" xmlns:mc="http://schemas.openxmlformats.org/markup-compatibility/2006" xmlns:mv="urn:schemas-microsoft-com:mac:vml" xmlns:p="http://schemas.openxmlformats.org/presentationml/2006/main" xmlns:c="http://schemas.openxmlformats.org/drawingml/2006/chart" xmlns:dgm="http://schemas.openxmlformats.org/drawingml/2006/diagram" xmlns:o="urn:schemas-microsoft-com:office:office" xmlns:v="urn:schemas-microsoft-com:vml" xmlns:pvml="urn:schemas-microsoft-com:office:powerpoint" xmlns:com="http://schemas.openxmlformats.org/drawingml/2006/compatibility" xmlns:p14="http://schemas.microsoft.com/office/powerpoint/2010/main" xmlns:p15="http://schemas.microsoft.com/office/powerpoint/2012/main" xmlns:ahyp="http://schemas.microsoft.com/office/drawing/2018/hyperlinkcolor">
   <p:cSld>
     <p:spTree>
       <p:nvGrpSpPr>
@@ -40215,7 +40263,7 @@
 </file>
 
 <file path=ppt/slides/slide34.xml><?xml version="1.0" encoding="utf-8"?>
-<p:sld xmlns:a="http://schemas.openxmlformats.org/drawingml/2006/main" xmlns:r="http://schemas.openxmlformats.org/officeDocument/2006/relationships" xmlns:mc="http://schemas.openxmlformats.org/markup-compatibility/2006" xmlns:mv="urn:schemas-microsoft-com:mac:vml" xmlns:p="http://schemas.openxmlformats.org/presentationml/2006/main" xmlns:c="http://schemas.openxmlformats.org/drawingml/2006/chart" xmlns:dgm="http://schemas.openxmlformats.org/drawingml/2006/diagram" xmlns:o="urn:schemas-microsoft-com:office:office" xmlns:v="urn:schemas-microsoft-com:vml" xmlns:pvml="urn:schemas-microsoft-com:office:powerpoint" xmlns:com="http://schemas.openxmlformats.org/drawingml/2006/compatibility" xmlns:p14="http://schemas.microsoft.com/office/powerpoint/2010/main" xmlns:p15="http://schemas.microsoft.com/office/powerpoint/2012/main">
+<p:sld xmlns:a="http://schemas.openxmlformats.org/drawingml/2006/main" xmlns:r="http://schemas.openxmlformats.org/officeDocument/2006/relationships" xmlns:mc="http://schemas.openxmlformats.org/markup-compatibility/2006" xmlns:mv="urn:schemas-microsoft-com:mac:vml" xmlns:p="http://schemas.openxmlformats.org/presentationml/2006/main" xmlns:c="http://schemas.openxmlformats.org/drawingml/2006/chart" xmlns:dgm="http://schemas.openxmlformats.org/drawingml/2006/diagram" xmlns:o="urn:schemas-microsoft-com:office:office" xmlns:v="urn:schemas-microsoft-com:vml" xmlns:pvml="urn:schemas-microsoft-com:office:powerpoint" xmlns:com="http://schemas.openxmlformats.org/drawingml/2006/compatibility" xmlns:p14="http://schemas.microsoft.com/office/powerpoint/2010/main" xmlns:p15="http://schemas.microsoft.com/office/powerpoint/2012/main" xmlns:ahyp="http://schemas.microsoft.com/office/drawing/2018/hyperlinkcolor">
   <p:cSld>
     <p:spTree>
       <p:nvGrpSpPr>
@@ -40509,7 +40557,7 @@
             <a:tbl>
               <a:tblPr>
                 <a:noFill/>
-                <a:tableStyleId>{06E8E73A-0826-48A5-8EA6-F43F8CC50709}</a:tableStyleId>
+                <a:tableStyleId>{F1C2488F-AC2D-49B0-8452-31B2D9156B33}</a:tableStyleId>
               </a:tblPr>
               <a:tblGrid>
                 <a:gridCol w="8104550"/>
@@ -42069,7 +42117,7 @@
 </file>
 
 <file path=ppt/slides/slide35.xml><?xml version="1.0" encoding="utf-8"?>
-<p:sld xmlns:a="http://schemas.openxmlformats.org/drawingml/2006/main" xmlns:r="http://schemas.openxmlformats.org/officeDocument/2006/relationships" xmlns:mc="http://schemas.openxmlformats.org/markup-compatibility/2006" xmlns:mv="urn:schemas-microsoft-com:mac:vml" xmlns:p="http://schemas.openxmlformats.org/presentationml/2006/main" xmlns:c="http://schemas.openxmlformats.org/drawingml/2006/chart" xmlns:dgm="http://schemas.openxmlformats.org/drawingml/2006/diagram" xmlns:o="urn:schemas-microsoft-com:office:office" xmlns:v="urn:schemas-microsoft-com:vml" xmlns:pvml="urn:schemas-microsoft-com:office:powerpoint" xmlns:com="http://schemas.openxmlformats.org/drawingml/2006/compatibility" xmlns:p14="http://schemas.microsoft.com/office/powerpoint/2010/main" xmlns:p15="http://schemas.microsoft.com/office/powerpoint/2012/main">
+<p:sld xmlns:a="http://schemas.openxmlformats.org/drawingml/2006/main" xmlns:r="http://schemas.openxmlformats.org/officeDocument/2006/relationships" xmlns:mc="http://schemas.openxmlformats.org/markup-compatibility/2006" xmlns:mv="urn:schemas-microsoft-com:mac:vml" xmlns:p="http://schemas.openxmlformats.org/presentationml/2006/main" xmlns:c="http://schemas.openxmlformats.org/drawingml/2006/chart" xmlns:dgm="http://schemas.openxmlformats.org/drawingml/2006/diagram" xmlns:o="urn:schemas-microsoft-com:office:office" xmlns:v="urn:schemas-microsoft-com:vml" xmlns:pvml="urn:schemas-microsoft-com:office:powerpoint" xmlns:com="http://schemas.openxmlformats.org/drawingml/2006/compatibility" xmlns:p14="http://schemas.microsoft.com/office/powerpoint/2010/main" xmlns:p15="http://schemas.microsoft.com/office/powerpoint/2012/main" xmlns:ahyp="http://schemas.microsoft.com/office/drawing/2018/hyperlinkcolor">
   <p:cSld>
     <p:spTree>
       <p:nvGrpSpPr>
@@ -42422,7 +42470,7 @@
 </file>
 
 <file path=ppt/slides/slide4.xml><?xml version="1.0" encoding="utf-8"?>
-<p:sld xmlns:a="http://schemas.openxmlformats.org/drawingml/2006/main" xmlns:r="http://schemas.openxmlformats.org/officeDocument/2006/relationships" xmlns:mc="http://schemas.openxmlformats.org/markup-compatibility/2006" xmlns:mv="urn:schemas-microsoft-com:mac:vml" xmlns:p="http://schemas.openxmlformats.org/presentationml/2006/main" xmlns:c="http://schemas.openxmlformats.org/drawingml/2006/chart" xmlns:dgm="http://schemas.openxmlformats.org/drawingml/2006/diagram" xmlns:o="urn:schemas-microsoft-com:office:office" xmlns:v="urn:schemas-microsoft-com:vml" xmlns:pvml="urn:schemas-microsoft-com:office:powerpoint" xmlns:com="http://schemas.openxmlformats.org/drawingml/2006/compatibility" xmlns:p14="http://schemas.microsoft.com/office/powerpoint/2010/main" xmlns:p15="http://schemas.microsoft.com/office/powerpoint/2012/main">
+<p:sld xmlns:a="http://schemas.openxmlformats.org/drawingml/2006/main" xmlns:r="http://schemas.openxmlformats.org/officeDocument/2006/relationships" xmlns:mc="http://schemas.openxmlformats.org/markup-compatibility/2006" xmlns:mv="urn:schemas-microsoft-com:mac:vml" xmlns:p="http://schemas.openxmlformats.org/presentationml/2006/main" xmlns:c="http://schemas.openxmlformats.org/drawingml/2006/chart" xmlns:dgm="http://schemas.openxmlformats.org/drawingml/2006/diagram" xmlns:o="urn:schemas-microsoft-com:office:office" xmlns:v="urn:schemas-microsoft-com:vml" xmlns:pvml="urn:schemas-microsoft-com:office:powerpoint" xmlns:com="http://schemas.openxmlformats.org/drawingml/2006/compatibility" xmlns:p14="http://schemas.microsoft.com/office/powerpoint/2010/main" xmlns:p15="http://schemas.microsoft.com/office/powerpoint/2012/main" xmlns:ahyp="http://schemas.microsoft.com/office/drawing/2018/hyperlinkcolor">
   <p:cSld>
     <p:spTree>
       <p:nvGrpSpPr>
@@ -42764,7 +42812,7 @@
 </file>
 
 <file path=ppt/slides/slide5.xml><?xml version="1.0" encoding="utf-8"?>
-<p:sld xmlns:a="http://schemas.openxmlformats.org/drawingml/2006/main" xmlns:r="http://schemas.openxmlformats.org/officeDocument/2006/relationships" xmlns:mc="http://schemas.openxmlformats.org/markup-compatibility/2006" xmlns:mv="urn:schemas-microsoft-com:mac:vml" xmlns:p="http://schemas.openxmlformats.org/presentationml/2006/main" xmlns:c="http://schemas.openxmlformats.org/drawingml/2006/chart" xmlns:dgm="http://schemas.openxmlformats.org/drawingml/2006/diagram" xmlns:o="urn:schemas-microsoft-com:office:office" xmlns:v="urn:schemas-microsoft-com:vml" xmlns:pvml="urn:schemas-microsoft-com:office:powerpoint" xmlns:com="http://schemas.openxmlformats.org/drawingml/2006/compatibility" xmlns:p14="http://schemas.microsoft.com/office/powerpoint/2010/main" xmlns:p15="http://schemas.microsoft.com/office/powerpoint/2012/main">
+<p:sld xmlns:a="http://schemas.openxmlformats.org/drawingml/2006/main" xmlns:r="http://schemas.openxmlformats.org/officeDocument/2006/relationships" xmlns:mc="http://schemas.openxmlformats.org/markup-compatibility/2006" xmlns:mv="urn:schemas-microsoft-com:mac:vml" xmlns:p="http://schemas.openxmlformats.org/presentationml/2006/main" xmlns:c="http://schemas.openxmlformats.org/drawingml/2006/chart" xmlns:dgm="http://schemas.openxmlformats.org/drawingml/2006/diagram" xmlns:o="urn:schemas-microsoft-com:office:office" xmlns:v="urn:schemas-microsoft-com:vml" xmlns:pvml="urn:schemas-microsoft-com:office:powerpoint" xmlns:com="http://schemas.openxmlformats.org/drawingml/2006/compatibility" xmlns:p14="http://schemas.microsoft.com/office/powerpoint/2010/main" xmlns:p15="http://schemas.microsoft.com/office/powerpoint/2012/main" xmlns:ahyp="http://schemas.microsoft.com/office/drawing/2018/hyperlinkcolor">
   <p:cSld>
     <p:spTree>
       <p:nvGrpSpPr>
@@ -43138,7 +43186,7 @@
 </file>
 
 <file path=ppt/slides/slide6.xml><?xml version="1.0" encoding="utf-8"?>
-<p:sld xmlns:a="http://schemas.openxmlformats.org/drawingml/2006/main" xmlns:r="http://schemas.openxmlformats.org/officeDocument/2006/relationships" xmlns:mc="http://schemas.openxmlformats.org/markup-compatibility/2006" xmlns:mv="urn:schemas-microsoft-com:mac:vml" xmlns:p="http://schemas.openxmlformats.org/presentationml/2006/main" xmlns:c="http://schemas.openxmlformats.org/drawingml/2006/chart" xmlns:dgm="http://schemas.openxmlformats.org/drawingml/2006/diagram" xmlns:o="urn:schemas-microsoft-com:office:office" xmlns:v="urn:schemas-microsoft-com:vml" xmlns:pvml="urn:schemas-microsoft-com:office:powerpoint" xmlns:com="http://schemas.openxmlformats.org/drawingml/2006/compatibility" xmlns:p14="http://schemas.microsoft.com/office/powerpoint/2010/main" xmlns:p15="http://schemas.microsoft.com/office/powerpoint/2012/main">
+<p:sld xmlns:a="http://schemas.openxmlformats.org/drawingml/2006/main" xmlns:r="http://schemas.openxmlformats.org/officeDocument/2006/relationships" xmlns:mc="http://schemas.openxmlformats.org/markup-compatibility/2006" xmlns:mv="urn:schemas-microsoft-com:mac:vml" xmlns:p="http://schemas.openxmlformats.org/presentationml/2006/main" xmlns:c="http://schemas.openxmlformats.org/drawingml/2006/chart" xmlns:dgm="http://schemas.openxmlformats.org/drawingml/2006/diagram" xmlns:o="urn:schemas-microsoft-com:office:office" xmlns:v="urn:schemas-microsoft-com:vml" xmlns:pvml="urn:schemas-microsoft-com:office:powerpoint" xmlns:com="http://schemas.openxmlformats.org/drawingml/2006/compatibility" xmlns:p14="http://schemas.microsoft.com/office/powerpoint/2010/main" xmlns:p15="http://schemas.microsoft.com/office/powerpoint/2012/main" xmlns:ahyp="http://schemas.microsoft.com/office/drawing/2018/hyperlinkcolor">
   <p:cSld>
     <p:spTree>
       <p:nvGrpSpPr>
@@ -43617,7 +43665,7 @@
 </file>
 
 <file path=ppt/slides/slide7.xml><?xml version="1.0" encoding="utf-8"?>
-<p:sld xmlns:a="http://schemas.openxmlformats.org/drawingml/2006/main" xmlns:r="http://schemas.openxmlformats.org/officeDocument/2006/relationships" xmlns:mc="http://schemas.openxmlformats.org/markup-compatibility/2006" xmlns:mv="urn:schemas-microsoft-com:mac:vml" xmlns:p="http://schemas.openxmlformats.org/presentationml/2006/main" xmlns:c="http://schemas.openxmlformats.org/drawingml/2006/chart" xmlns:dgm="http://schemas.openxmlformats.org/drawingml/2006/diagram" xmlns:o="urn:schemas-microsoft-com:office:office" xmlns:v="urn:schemas-microsoft-com:vml" xmlns:pvml="urn:schemas-microsoft-com:office:powerpoint" xmlns:com="http://schemas.openxmlformats.org/drawingml/2006/compatibility" xmlns:p14="http://schemas.microsoft.com/office/powerpoint/2010/main" xmlns:p15="http://schemas.microsoft.com/office/powerpoint/2012/main">
+<p:sld xmlns:a="http://schemas.openxmlformats.org/drawingml/2006/main" xmlns:r="http://schemas.openxmlformats.org/officeDocument/2006/relationships" xmlns:mc="http://schemas.openxmlformats.org/markup-compatibility/2006" xmlns:mv="urn:schemas-microsoft-com:mac:vml" xmlns:p="http://schemas.openxmlformats.org/presentationml/2006/main" xmlns:c="http://schemas.openxmlformats.org/drawingml/2006/chart" xmlns:dgm="http://schemas.openxmlformats.org/drawingml/2006/diagram" xmlns:o="urn:schemas-microsoft-com:office:office" xmlns:v="urn:schemas-microsoft-com:vml" xmlns:pvml="urn:schemas-microsoft-com:office:powerpoint" xmlns:com="http://schemas.openxmlformats.org/drawingml/2006/compatibility" xmlns:p14="http://schemas.microsoft.com/office/powerpoint/2010/main" xmlns:p15="http://schemas.microsoft.com/office/powerpoint/2012/main" xmlns:ahyp="http://schemas.microsoft.com/office/drawing/2018/hyperlinkcolor">
   <p:cSld>
     <p:spTree>
       <p:nvGrpSpPr>
@@ -44114,7 +44162,7 @@
 </file>
 
 <file path=ppt/slides/slide8.xml><?xml version="1.0" encoding="utf-8"?>
-<p:sld xmlns:a="http://schemas.openxmlformats.org/drawingml/2006/main" xmlns:r="http://schemas.openxmlformats.org/officeDocument/2006/relationships" xmlns:mc="http://schemas.openxmlformats.org/markup-compatibility/2006" xmlns:mv="urn:schemas-microsoft-com:mac:vml" xmlns:p="http://schemas.openxmlformats.org/presentationml/2006/main" xmlns:c="http://schemas.openxmlformats.org/drawingml/2006/chart" xmlns:dgm="http://schemas.openxmlformats.org/drawingml/2006/diagram" xmlns:o="urn:schemas-microsoft-com:office:office" xmlns:v="urn:schemas-microsoft-com:vml" xmlns:pvml="urn:schemas-microsoft-com:office:powerpoint" xmlns:com="http://schemas.openxmlformats.org/drawingml/2006/compatibility" xmlns:p14="http://schemas.microsoft.com/office/powerpoint/2010/main" xmlns:p15="http://schemas.microsoft.com/office/powerpoint/2012/main">
+<p:sld xmlns:a="http://schemas.openxmlformats.org/drawingml/2006/main" xmlns:r="http://schemas.openxmlformats.org/officeDocument/2006/relationships" xmlns:mc="http://schemas.openxmlformats.org/markup-compatibility/2006" xmlns:mv="urn:schemas-microsoft-com:mac:vml" xmlns:p="http://schemas.openxmlformats.org/presentationml/2006/main" xmlns:c="http://schemas.openxmlformats.org/drawingml/2006/chart" xmlns:dgm="http://schemas.openxmlformats.org/drawingml/2006/diagram" xmlns:o="urn:schemas-microsoft-com:office:office" xmlns:v="urn:schemas-microsoft-com:vml" xmlns:pvml="urn:schemas-microsoft-com:office:powerpoint" xmlns:com="http://schemas.openxmlformats.org/drawingml/2006/compatibility" xmlns:p14="http://schemas.microsoft.com/office/powerpoint/2010/main" xmlns:p15="http://schemas.microsoft.com/office/powerpoint/2012/main" xmlns:ahyp="http://schemas.microsoft.com/office/drawing/2018/hyperlinkcolor">
   <p:cSld>
     <p:spTree>
       <p:nvGrpSpPr>
@@ -44688,7 +44736,7 @@
 </file>
 
 <file path=ppt/slides/slide9.xml><?xml version="1.0" encoding="utf-8"?>
-<p:sld xmlns:a="http://schemas.openxmlformats.org/drawingml/2006/main" xmlns:r="http://schemas.openxmlformats.org/officeDocument/2006/relationships" xmlns:mc="http://schemas.openxmlformats.org/markup-compatibility/2006" xmlns:mv="urn:schemas-microsoft-com:mac:vml" xmlns:p="http://schemas.openxmlformats.org/presentationml/2006/main" xmlns:c="http://schemas.openxmlformats.org/drawingml/2006/chart" xmlns:dgm="http://schemas.openxmlformats.org/drawingml/2006/diagram" xmlns:o="urn:schemas-microsoft-com:office:office" xmlns:v="urn:schemas-microsoft-com:vml" xmlns:pvml="urn:schemas-microsoft-com:office:powerpoint" xmlns:com="http://schemas.openxmlformats.org/drawingml/2006/compatibility" xmlns:p14="http://schemas.microsoft.com/office/powerpoint/2010/main" xmlns:p15="http://schemas.microsoft.com/office/powerpoint/2012/main">
+<p:sld xmlns:a="http://schemas.openxmlformats.org/drawingml/2006/main" xmlns:r="http://schemas.openxmlformats.org/officeDocument/2006/relationships" xmlns:mc="http://schemas.openxmlformats.org/markup-compatibility/2006" xmlns:mv="urn:schemas-microsoft-com:mac:vml" xmlns:p="http://schemas.openxmlformats.org/presentationml/2006/main" xmlns:c="http://schemas.openxmlformats.org/drawingml/2006/chart" xmlns:dgm="http://schemas.openxmlformats.org/drawingml/2006/diagram" xmlns:o="urn:schemas-microsoft-com:office:office" xmlns:v="urn:schemas-microsoft-com:vml" xmlns:pvml="urn:schemas-microsoft-com:office:powerpoint" xmlns:com="http://schemas.openxmlformats.org/drawingml/2006/compatibility" xmlns:p14="http://schemas.microsoft.com/office/powerpoint/2010/main" xmlns:p15="http://schemas.microsoft.com/office/powerpoint/2012/main" xmlns:ahyp="http://schemas.microsoft.com/office/drawing/2018/hyperlinkcolor">
   <p:cSld>
     <p:spTree>
       <p:nvGrpSpPr>
@@ -45187,6 +45235,285 @@
 </file>
 
 <file path=ppt/theme/theme1.xml><?xml version="1.0" encoding="utf-8"?>
+<a:theme xmlns:a="http://schemas.openxmlformats.org/drawingml/2006/main" xmlns:r="http://schemas.openxmlformats.org/officeDocument/2006/relationships">
+  <a:themeElements>
+    <a:clrScheme name="Default">
+      <a:dk1>
+        <a:srgbClr val="000000"/>
+      </a:dk1>
+      <a:lt1>
+        <a:srgbClr val="FFFFFF"/>
+      </a:lt1>
+      <a:dk2>
+        <a:srgbClr val="158158"/>
+      </a:dk2>
+      <a:lt2>
+        <a:srgbClr val="F3F3F3"/>
+      </a:lt2>
+      <a:accent1>
+        <a:srgbClr val="058DC7"/>
+      </a:accent1>
+      <a:accent2>
+        <a:srgbClr val="50B432"/>
+      </a:accent2>
+      <a:accent3>
+        <a:srgbClr val="ED561B"/>
+      </a:accent3>
+      <a:accent4>
+        <a:srgbClr val="EDEF00"/>
+      </a:accent4>
+      <a:accent5>
+        <a:srgbClr val="24CBE5"/>
+      </a:accent5>
+      <a:accent6>
+        <a:srgbClr val="64E572"/>
+      </a:accent6>
+      <a:hlink>
+        <a:srgbClr val="2200CC"/>
+      </a:hlink>
+      <a:folHlink>
+        <a:srgbClr val="551A8B"/>
+      </a:folHlink>
+    </a:clrScheme>
+    <a:fontScheme name="Office">
+      <a:majorFont>
+        <a:latin typeface="Arial"/>
+        <a:ea typeface=""/>
+        <a:cs typeface=""/>
+        <a:font script="Jpan" typeface="ＭＳ Ｐゴシック"/>
+        <a:font script="Hang" typeface="맑은 고딕"/>
+        <a:font script="Hans" typeface="宋体"/>
+        <a:font script="Hant" typeface="新細明體"/>
+        <a:font script="Arab" typeface="Times New Roman"/>
+        <a:font script="Hebr" typeface="Times New Roman"/>
+        <a:font script="Thai" typeface="Angsana New"/>
+        <a:font script="Ethi" typeface="Nyala"/>
+        <a:font script="Beng" typeface="Vrinda"/>
+        <a:font script="Gujr" typeface="Shruti"/>
+        <a:font script="Khmr" typeface="MoolBoran"/>
+        <a:font script="Knda" typeface="Tunga"/>
+        <a:font script="Guru" typeface="Raavi"/>
+        <a:font script="Cans" typeface="Euphemia"/>
+        <a:font script="Cher" typeface="Plantagenet Cherokee"/>
+        <a:font script="Yiii" typeface="Microsoft Yi Baiti"/>
+        <a:font script="Tibt" typeface="Microsoft Himalaya"/>
+        <a:font script="Thaa" typeface="MV Boli"/>
+        <a:font script="Deva" typeface="Mangal"/>
+        <a:font script="Telu" typeface="Gautami"/>
+        <a:font script="Taml" typeface="Latha"/>
+        <a:font script="Syrc" typeface="Estrangelo Edessa"/>
+        <a:font script="Orya" typeface="Kalinga"/>
+        <a:font script="Mlym" typeface="Kartika"/>
+        <a:font script="Laoo" typeface="DokChampa"/>
+        <a:font script="Sinh" typeface="Iskoola Pota"/>
+        <a:font script="Mong" typeface="Mongolian Baiti"/>
+        <a:font script="Viet" typeface="Times New Roman"/>
+        <a:font script="Uigh" typeface="Microsoft Uighur"/>
+        <a:font script="Geor" typeface="Sylfaen"/>
+      </a:majorFont>
+      <a:minorFont>
+        <a:latin typeface="Arial"/>
+        <a:ea typeface=""/>
+        <a:cs typeface=""/>
+        <a:font script="Jpan" typeface="ＭＳ Ｐゴシック"/>
+        <a:font script="Hang" typeface="맑은 고딕"/>
+        <a:font script="Hans" typeface="宋体"/>
+        <a:font script="Hant" typeface="新細明體"/>
+        <a:font script="Arab" typeface="Arial"/>
+        <a:font script="Hebr" typeface="Arial"/>
+        <a:font script="Thai" typeface="Cordia New"/>
+        <a:font script="Ethi" typeface="Nyala"/>
+        <a:font script="Beng" typeface="Vrinda"/>
+        <a:font script="Gujr" typeface="Shruti"/>
+        <a:font script="Khmr" typeface="DaunPenh"/>
+        <a:font script="Knda" typeface="Tunga"/>
+        <a:font script="Guru" typeface="Raavi"/>
+        <a:font script="Cans" typeface="Euphemia"/>
+        <a:font script="Cher" typeface="Plantagenet Cherokee"/>
+        <a:font script="Yiii" typeface="Microsoft Yi Baiti"/>
+        <a:font script="Tibt" typeface="Microsoft Himalaya"/>
+        <a:font script="Thaa" typeface="MV Boli"/>
+        <a:font script="Deva" typeface="Mangal"/>
+        <a:font script="Telu" typeface="Gautami"/>
+        <a:font script="Taml" typeface="Latha"/>
+        <a:font script="Syrc" typeface="Estrangelo Edessa"/>
+        <a:font script="Orya" typeface="Kalinga"/>
+        <a:font script="Mlym" typeface="Kartika"/>
+        <a:font script="Laoo" typeface="DokChampa"/>
+        <a:font script="Sinh" typeface="Iskoola Pota"/>
+        <a:font script="Mong" typeface="Mongolian Baiti"/>
+        <a:font script="Viet" typeface="Arial"/>
+        <a:font script="Uigh" typeface="Microsoft Uighur"/>
+        <a:font script="Geor" typeface="Sylfaen"/>
+      </a:minorFont>
+    </a:fontScheme>
+    <a:fmtScheme name="Office">
+      <a:fillStyleLst>
+        <a:solidFill>
+          <a:schemeClr val="phClr"/>
+        </a:solidFill>
+        <a:gradFill rotWithShape="1">
+          <a:gsLst>
+            <a:gs pos="0">
+              <a:schemeClr val="phClr">
+                <a:tint val="50000"/>
+                <a:satMod val="300000"/>
+              </a:schemeClr>
+            </a:gs>
+            <a:gs pos="35000">
+              <a:schemeClr val="phClr">
+                <a:tint val="37000"/>
+                <a:satMod val="300000"/>
+              </a:schemeClr>
+            </a:gs>
+            <a:gs pos="100000">
+              <a:schemeClr val="phClr">
+                <a:tint val="15000"/>
+                <a:satMod val="350000"/>
+              </a:schemeClr>
+            </a:gs>
+          </a:gsLst>
+          <a:lin ang="16200000" scaled="1"/>
+        </a:gradFill>
+        <a:gradFill rotWithShape="1">
+          <a:gsLst>
+            <a:gs pos="0">
+              <a:schemeClr val="phClr">
+                <a:tint val="100000"/>
+                <a:shade val="100000"/>
+                <a:satMod val="130000"/>
+              </a:schemeClr>
+            </a:gs>
+            <a:gs pos="100000">
+              <a:schemeClr val="phClr">
+                <a:tint val="50000"/>
+                <a:shade val="100000"/>
+                <a:satMod val="350000"/>
+              </a:schemeClr>
+            </a:gs>
+          </a:gsLst>
+          <a:lin ang="16200000" scaled="0"/>
+        </a:gradFill>
+      </a:fillStyleLst>
+      <a:lnStyleLst>
+        <a:ln w="9525" cap="flat" cmpd="sng" algn="ctr">
+          <a:solidFill>
+            <a:schemeClr val="phClr">
+              <a:shade val="95000"/>
+              <a:satMod val="105000"/>
+            </a:schemeClr>
+          </a:solidFill>
+          <a:prstDash val="solid"/>
+        </a:ln>
+        <a:ln w="25400" cap="flat" cmpd="sng" algn="ctr">
+          <a:solidFill>
+            <a:schemeClr val="phClr"/>
+          </a:solidFill>
+          <a:prstDash val="solid"/>
+        </a:ln>
+        <a:ln w="38100" cap="flat" cmpd="sng" algn="ctr">
+          <a:solidFill>
+            <a:schemeClr val="phClr"/>
+          </a:solidFill>
+          <a:prstDash val="solid"/>
+        </a:ln>
+      </a:lnStyleLst>
+      <a:effectStyleLst>
+        <a:effectStyle>
+          <a:effectLst>
+            <a:outerShdw blurRad="40000" dist="20000" dir="5400000" rotWithShape="0">
+              <a:srgbClr val="000000">
+                <a:alpha val="38000"/>
+              </a:srgbClr>
+            </a:outerShdw>
+          </a:effectLst>
+        </a:effectStyle>
+        <a:effectStyle>
+          <a:effectLst>
+            <a:outerShdw blurRad="40000" dist="23000" dir="5400000" rotWithShape="0">
+              <a:srgbClr val="000000">
+                <a:alpha val="35000"/>
+              </a:srgbClr>
+            </a:outerShdw>
+          </a:effectLst>
+        </a:effectStyle>
+        <a:effectStyle>
+          <a:effectLst>
+            <a:outerShdw blurRad="40000" dist="23000" dir="5400000" rotWithShape="0">
+              <a:srgbClr val="000000">
+                <a:alpha val="35000"/>
+              </a:srgbClr>
+            </a:outerShdw>
+          </a:effectLst>
+          <a:scene3d>
+            <a:camera prst="orthographicFront">
+              <a:rot lat="0" lon="0" rev="0"/>
+            </a:camera>
+            <a:lightRig rig="threePt" dir="t">
+              <a:rot lat="0" lon="0" rev="1200000"/>
+            </a:lightRig>
+          </a:scene3d>
+          <a:sp3d>
+            <a:bevelT w="63500" h="25400"/>
+          </a:sp3d>
+        </a:effectStyle>
+      </a:effectStyleLst>
+      <a:bgFillStyleLst>
+        <a:solidFill>
+          <a:schemeClr val="phClr"/>
+        </a:solidFill>
+        <a:gradFill rotWithShape="1">
+          <a:gsLst>
+            <a:gs pos="0">
+              <a:schemeClr val="phClr">
+                <a:tint val="40000"/>
+                <a:satMod val="350000"/>
+              </a:schemeClr>
+            </a:gs>
+            <a:gs pos="40000">
+              <a:schemeClr val="phClr">
+                <a:tint val="45000"/>
+                <a:shade val="99000"/>
+                <a:satMod val="350000"/>
+              </a:schemeClr>
+            </a:gs>
+            <a:gs pos="100000">
+              <a:schemeClr val="phClr">
+                <a:shade val="20000"/>
+                <a:satMod val="255000"/>
+              </a:schemeClr>
+            </a:gs>
+          </a:gsLst>
+          <a:path path="circle">
+            <a:fillToRect l="50000" t="-80000" r="50000" b="180000"/>
+          </a:path>
+        </a:gradFill>
+        <a:gradFill rotWithShape="1">
+          <a:gsLst>
+            <a:gs pos="0">
+              <a:schemeClr val="phClr">
+                <a:tint val="80000"/>
+                <a:satMod val="300000"/>
+              </a:schemeClr>
+            </a:gs>
+            <a:gs pos="100000">
+              <a:schemeClr val="phClr">
+                <a:shade val="30000"/>
+                <a:satMod val="200000"/>
+              </a:schemeClr>
+            </a:gs>
+          </a:gsLst>
+          <a:path path="circle">
+            <a:fillToRect l="50000" t="50000" r="50000" b="50000"/>
+          </a:path>
+        </a:gradFill>
+      </a:bgFillStyleLst>
+    </a:fmtScheme>
+  </a:themeElements>
+</a:theme>
+</file>
+
+<file path=ppt/theme/theme2.xml><?xml version="1.0" encoding="utf-8"?>
 <a:theme xmlns:a="http://schemas.openxmlformats.org/drawingml/2006/main" xmlns:r="http://schemas.openxmlformats.org/officeDocument/2006/relationships" name="Simple Light">
   <a:themeElements>
     <a:clrScheme name="Simple Light">
@@ -45463,283 +45790,4 @@
     </a:fmtScheme>
   </a:themeElements>
 </a:theme>
-</file>
-
-<file path=ppt/theme/theme2.xml><?xml version="1.0" encoding="utf-8"?>
-<a:theme xmlns:a="http://schemas.openxmlformats.org/drawingml/2006/main" xmlns:r="http://schemas.openxmlformats.org/officeDocument/2006/relationships">
-  <a:themeElements>
-    <a:clrScheme name="Default">
-      <a:dk1>
-        <a:srgbClr val="000000"/>
-      </a:dk1>
-      <a:lt1>
-        <a:srgbClr val="FFFFFF"/>
-      </a:lt1>
-      <a:dk2>
-        <a:srgbClr val="158158"/>
-      </a:dk2>
-      <a:lt2>
-        <a:srgbClr val="F3F3F3"/>
-      </a:lt2>
-      <a:accent1>
-        <a:srgbClr val="058DC7"/>
-      </a:accent1>
-      <a:accent2>
-        <a:srgbClr val="50B432"/>
-      </a:accent2>
-      <a:accent3>
-        <a:srgbClr val="ED561B"/>
-      </a:accent3>
-      <a:accent4>
-        <a:srgbClr val="EDEF00"/>
-      </a:accent4>
-      <a:accent5>
-        <a:srgbClr val="24CBE5"/>
-      </a:accent5>
-      <a:accent6>
-        <a:srgbClr val="64E572"/>
-      </a:accent6>
-      <a:hlink>
-        <a:srgbClr val="2200CC"/>
-      </a:hlink>
-      <a:folHlink>
-        <a:srgbClr val="551A8B"/>
-      </a:folHlink>
-    </a:clrScheme>
-    <a:fontScheme name="Office">
-      <a:majorFont>
-        <a:latin typeface="Arial"/>
-        <a:ea typeface=""/>
-        <a:cs typeface=""/>
-        <a:font script="Jpan" typeface="ＭＳ Ｐゴシック"/>
-        <a:font script="Hang" typeface="맑은 고딕"/>
-        <a:font script="Hans" typeface="宋体"/>
-        <a:font script="Hant" typeface="新細明體"/>
-        <a:font script="Arab" typeface="Times New Roman"/>
-        <a:font script="Hebr" typeface="Times New Roman"/>
-        <a:font script="Thai" typeface="Angsana New"/>
-        <a:font script="Ethi" typeface="Nyala"/>
-        <a:font script="Beng" typeface="Vrinda"/>
-        <a:font script="Gujr" typeface="Shruti"/>
-        <a:font script="Khmr" typeface="MoolBoran"/>
-        <a:font script="Knda" typeface="Tunga"/>
-        <a:font script="Guru" typeface="Raavi"/>
-        <a:font script="Cans" typeface="Euphemia"/>
-        <a:font script="Cher" typeface="Plantagenet Cherokee"/>
-        <a:font script="Yiii" typeface="Microsoft Yi Baiti"/>
-        <a:font script="Tibt" typeface="Microsoft Himalaya"/>
-        <a:font script="Thaa" typeface="MV Boli"/>
-        <a:font script="Deva" typeface="Mangal"/>
-        <a:font script="Telu" typeface="Gautami"/>
-        <a:font script="Taml" typeface="Latha"/>
-        <a:font script="Syrc" typeface="Estrangelo Edessa"/>
-        <a:font script="Orya" typeface="Kalinga"/>
-        <a:font script="Mlym" typeface="Kartika"/>
-        <a:font script="Laoo" typeface="DokChampa"/>
-        <a:font script="Sinh" typeface="Iskoola Pota"/>
-        <a:font script="Mong" typeface="Mongolian Baiti"/>
-        <a:font script="Viet" typeface="Times New Roman"/>
-        <a:font script="Uigh" typeface="Microsoft Uighur"/>
-        <a:font script="Geor" typeface="Sylfaen"/>
-      </a:majorFont>
-      <a:minorFont>
-        <a:latin typeface="Arial"/>
-        <a:ea typeface=""/>
-        <a:cs typeface=""/>
-        <a:font script="Jpan" typeface="ＭＳ Ｐゴシック"/>
-        <a:font script="Hang" typeface="맑은 고딕"/>
-        <a:font script="Hans" typeface="宋体"/>
-        <a:font script="Hant" typeface="新細明體"/>
-        <a:font script="Arab" typeface="Arial"/>
-        <a:font script="Hebr" typeface="Arial"/>
-        <a:font script="Thai" typeface="Cordia New"/>
-        <a:font script="Ethi" typeface="Nyala"/>
-        <a:font script="Beng" typeface="Vrinda"/>
-        <a:font script="Gujr" typeface="Shruti"/>
-        <a:font script="Khmr" typeface="DaunPenh"/>
-        <a:font script="Knda" typeface="Tunga"/>
-        <a:font script="Guru" typeface="Raavi"/>
-        <a:font script="Cans" typeface="Euphemia"/>
-        <a:font script="Cher" typeface="Plantagenet Cherokee"/>
-        <a:font script="Yiii" typeface="Microsoft Yi Baiti"/>
-        <a:font script="Tibt" typeface="Microsoft Himalaya"/>
-        <a:font script="Thaa" typeface="MV Boli"/>
-        <a:font script="Deva" typeface="Mangal"/>
-        <a:font script="Telu" typeface="Gautami"/>
-        <a:font script="Taml" typeface="Latha"/>
-        <a:font script="Syrc" typeface="Estrangelo Edessa"/>
-        <a:font script="Orya" typeface="Kalinga"/>
-        <a:font script="Mlym" typeface="Kartika"/>
-        <a:font script="Laoo" typeface="DokChampa"/>
-        <a:font script="Sinh" typeface="Iskoola Pota"/>
-        <a:font script="Mong" typeface="Mongolian Baiti"/>
-        <a:font script="Viet" typeface="Arial"/>
-        <a:font script="Uigh" typeface="Microsoft Uighur"/>
-        <a:font script="Geor" typeface="Sylfaen"/>
-      </a:minorFont>
-    </a:fontScheme>
-    <a:fmtScheme name="Office">
-      <a:fillStyleLst>
-        <a:solidFill>
-          <a:schemeClr val="phClr"/>
-        </a:solidFill>
-        <a:gradFill rotWithShape="1">
-          <a:gsLst>
-            <a:gs pos="0">
-              <a:schemeClr val="phClr">
-                <a:tint val="50000"/>
-                <a:satMod val="300000"/>
-              </a:schemeClr>
-            </a:gs>
-            <a:gs pos="35000">
-              <a:schemeClr val="phClr">
-                <a:tint val="37000"/>
-                <a:satMod val="300000"/>
-              </a:schemeClr>
-            </a:gs>
-            <a:gs pos="100000">
-              <a:schemeClr val="phClr">
-                <a:tint val="15000"/>
-                <a:satMod val="350000"/>
-              </a:schemeClr>
-            </a:gs>
-          </a:gsLst>
-          <a:lin ang="16200000" scaled="1"/>
-        </a:gradFill>
-        <a:gradFill rotWithShape="1">
-          <a:gsLst>
-            <a:gs pos="0">
-              <a:schemeClr val="phClr">
-                <a:tint val="100000"/>
-                <a:shade val="100000"/>
-                <a:satMod val="130000"/>
-              </a:schemeClr>
-            </a:gs>
-            <a:gs pos="100000">
-              <a:schemeClr val="phClr">
-                <a:tint val="50000"/>
-                <a:shade val="100000"/>
-                <a:satMod val="350000"/>
-              </a:schemeClr>
-            </a:gs>
-          </a:gsLst>
-          <a:lin ang="16200000" scaled="0"/>
-        </a:gradFill>
-      </a:fillStyleLst>
-      <a:lnStyleLst>
-        <a:ln w="9525" cap="flat" cmpd="sng" algn="ctr">
-          <a:solidFill>
-            <a:schemeClr val="phClr">
-              <a:shade val="95000"/>
-              <a:satMod val="105000"/>
-            </a:schemeClr>
-          </a:solidFill>
-          <a:prstDash val="solid"/>
-        </a:ln>
-        <a:ln w="25400" cap="flat" cmpd="sng" algn="ctr">
-          <a:solidFill>
-            <a:schemeClr val="phClr"/>
-          </a:solidFill>
-          <a:prstDash val="solid"/>
-        </a:ln>
-        <a:ln w="38100" cap="flat" cmpd="sng" algn="ctr">
-          <a:solidFill>
-            <a:schemeClr val="phClr"/>
-          </a:solidFill>
-          <a:prstDash val="solid"/>
-        </a:ln>
-      </a:lnStyleLst>
-      <a:effectStyleLst>
-        <a:effectStyle>
-          <a:effectLst>
-            <a:outerShdw blurRad="40000" dist="20000" dir="5400000" rotWithShape="0">
-              <a:srgbClr val="000000">
-                <a:alpha val="38000"/>
-              </a:srgbClr>
-            </a:outerShdw>
-          </a:effectLst>
-        </a:effectStyle>
-        <a:effectStyle>
-          <a:effectLst>
-            <a:outerShdw blurRad="40000" dist="23000" dir="5400000" rotWithShape="0">
-              <a:srgbClr val="000000">
-                <a:alpha val="35000"/>
-              </a:srgbClr>
-            </a:outerShdw>
-          </a:effectLst>
-        </a:effectStyle>
-        <a:effectStyle>
-          <a:effectLst>
-            <a:outerShdw blurRad="40000" dist="23000" dir="5400000" rotWithShape="0">
-              <a:srgbClr val="000000">
-                <a:alpha val="35000"/>
-              </a:srgbClr>
-            </a:outerShdw>
-          </a:effectLst>
-          <a:scene3d>
-            <a:camera prst="orthographicFront">
-              <a:rot lat="0" lon="0" rev="0"/>
-            </a:camera>
-            <a:lightRig rig="threePt" dir="t">
-              <a:rot lat="0" lon="0" rev="1200000"/>
-            </a:lightRig>
-          </a:scene3d>
-          <a:sp3d>
-            <a:bevelT w="63500" h="25400"/>
-          </a:sp3d>
-        </a:effectStyle>
-      </a:effectStyleLst>
-      <a:bgFillStyleLst>
-        <a:solidFill>
-          <a:schemeClr val="phClr"/>
-        </a:solidFill>
-        <a:gradFill rotWithShape="1">
-          <a:gsLst>
-            <a:gs pos="0">
-              <a:schemeClr val="phClr">
-                <a:tint val="40000"/>
-                <a:satMod val="350000"/>
-              </a:schemeClr>
-            </a:gs>
-            <a:gs pos="40000">
-              <a:schemeClr val="phClr">
-                <a:tint val="45000"/>
-                <a:shade val="99000"/>
-                <a:satMod val="350000"/>
-              </a:schemeClr>
-            </a:gs>
-            <a:gs pos="100000">
-              <a:schemeClr val="phClr">
-                <a:shade val="20000"/>
-                <a:satMod val="255000"/>
-              </a:schemeClr>
-            </a:gs>
-          </a:gsLst>
-          <a:path path="circle">
-            <a:fillToRect l="50000" t="-80000" r="50000" b="180000"/>
-          </a:path>
-        </a:gradFill>
-        <a:gradFill rotWithShape="1">
-          <a:gsLst>
-            <a:gs pos="0">
-              <a:schemeClr val="phClr">
-                <a:tint val="80000"/>
-                <a:satMod val="300000"/>
-              </a:schemeClr>
-            </a:gs>
-            <a:gs pos="100000">
-              <a:schemeClr val="phClr">
-                <a:shade val="30000"/>
-                <a:satMod val="200000"/>
-              </a:schemeClr>
-            </a:gs>
-          </a:gsLst>
-          <a:path path="circle">
-            <a:fillToRect l="50000" t="50000" r="50000" b="50000"/>
-          </a:path>
-        </a:gradFill>
-      </a:bgFillStyleLst>
-    </a:fmtScheme>
-  </a:themeElements>
-</a:theme>
 </file>